--- a/files/a.pptx
+++ b/files/a.pptx
@@ -2,7 +2,7 @@
 <file path=ppt/presentation.xml><?xml version="1.0" encoding="utf-8"?>
 <p:presentation xmlns:a="http://schemas.openxmlformats.org/drawingml/2006/main" xmlns:r="http://schemas.openxmlformats.org/officeDocument/2006/relationships" xmlns:p="http://schemas.openxmlformats.org/presentationml/2006/main" saveSubsetFonts="1">
   <p:sldMasterIdLst>
-    <p:sldMasterId id="2147483648" r:id="rId1"/>
+    <p:sldMasterId id="2147483660" r:id="rId1"/>
   </p:sldMasterIdLst>
   <p:notesMasterIdLst>
     <p:notesMasterId r:id="rId5"/>
@@ -265,7 +265,7 @@
               <a:pPr>
                 <a:defRPr/>
               </a:pPr>
-              <a:t>6/5/2013</a:t>
+              <a:t>6/19/2013</a:t>
             </a:fld>
             <a:endParaRPr lang="en-US"/>
           </a:p>
@@ -1368,19 +1368,23 @@
         </p:nvSpPr>
         <p:spPr>
           <a:xfrm>
-            <a:off x="685800" y="2130425"/>
-            <a:ext cx="7772400" cy="1470025"/>
+            <a:off x="866442" y="1447801"/>
+            <a:ext cx="6620968" cy="3329581"/>
           </a:xfrm>
         </p:spPr>
         <p:txBody>
-          <a:bodyPr/>
-          <a:lstStyle/>
+          <a:bodyPr anchor="b"/>
+          <a:lstStyle>
+            <a:lvl1pPr>
+              <a:defRPr sz="7200"/>
+            </a:lvl1pPr>
+          </a:lstStyle>
           <a:p>
             <a:r>
               <a:rPr lang="en-US" smtClean="0"/>
               <a:t>Click to edit Master title style</a:t>
             </a:r>
-            <a:endParaRPr lang="en-US"/>
+            <a:endParaRPr lang="en-US" dirty="0"/>
           </a:p>
         </p:txBody>
       </p:sp>
@@ -1396,19 +1400,20 @@
         </p:nvSpPr>
         <p:spPr>
           <a:xfrm>
-            <a:off x="1371600" y="3886200"/>
-            <a:ext cx="6400800" cy="1752600"/>
+            <a:off x="866442" y="4777380"/>
+            <a:ext cx="6620968" cy="861420"/>
           </a:xfrm>
         </p:spPr>
         <p:txBody>
-          <a:bodyPr/>
+          <a:bodyPr anchor="t"/>
           <a:lstStyle>
-            <a:lvl1pPr marL="0" indent="0" algn="ctr">
-              <a:buNone/>
-              <a:defRPr>
+            <a:lvl1pPr marL="0" indent="0" algn="l">
+              <a:buNone/>
+              <a:defRPr cap="all">
                 <a:solidFill>
-                  <a:schemeClr val="tx1">
-                    <a:tint val="75000"/>
+                  <a:schemeClr val="bg2">
+                    <a:lumMod val="40000"/>
+                    <a:lumOff val="60000"/>
                   </a:schemeClr>
                 </a:solidFill>
               </a:defRPr>
@@ -1499,7 +1504,7 @@
               <a:rPr lang="en-US" smtClean="0"/>
               <a:t>Click to edit Master subtitle style</a:t>
             </a:r>
-            <a:endParaRPr lang="en-US"/>
+            <a:endParaRPr lang="en-US" dirty="0"/>
           </a:p>
         </p:txBody>
       </p:sp>
@@ -1516,21 +1521,17 @@
         <p:spPr/>
         <p:txBody>
           <a:bodyPr/>
-          <a:lstStyle>
-            <a:lvl1pPr>
-              <a:defRPr/>
-            </a:lvl1pPr>
-          </a:lstStyle>
+          <a:lstStyle/>
           <a:p>
             <a:pPr>
               <a:defRPr/>
             </a:pPr>
             <a:fld id="{2B2E9ECB-DB0C-4516-93A9-57D3CFD3506B}" type="datetimeFigureOut">
-              <a:rPr lang="en-US"/>
+              <a:rPr lang="en-US" smtClean="0"/>
               <a:pPr>
                 <a:defRPr/>
               </a:pPr>
-              <a:t>6/5/2013</a:t>
+              <a:t>6/19/2013</a:t>
             </a:fld>
             <a:endParaRPr lang="en-US"/>
           </a:p>
@@ -1549,11 +1550,7 @@
         <p:spPr/>
         <p:txBody>
           <a:bodyPr/>
-          <a:lstStyle>
-            <a:lvl1pPr>
-              <a:defRPr/>
-            </a:lvl1pPr>
-          </a:lstStyle>
+          <a:lstStyle/>
           <a:p>
             <a:pPr>
               <a:defRPr/>
@@ -1575,14 +1572,10 @@
         <p:spPr/>
         <p:txBody>
           <a:bodyPr/>
-          <a:lstStyle>
-            <a:lvl1pPr>
-              <a:defRPr/>
-            </a:lvl1pPr>
-          </a:lstStyle>
+          <a:lstStyle/>
           <a:p>
             <a:fld id="{6D846E07-A150-4564-A74B-EAF32CF39008}" type="slidenum">
-              <a:rPr lang="en-US"/>
+              <a:rPr lang="en-US" smtClean="0"/>
               <a:pPr/>
               <a:t>‹#›</a:t>
             </a:fld>
@@ -1593,7 +1586,7 @@
     </p:spTree>
     <p:extLst>
       <p:ext uri="{BB962C8B-B14F-4D97-AF65-F5344CB8AC3E}">
-        <p14:creationId xmlns:p14="http://schemas.microsoft.com/office/powerpoint/2010/main" val="2259710355"/>
+        <p14:creationId xmlns:p14="http://schemas.microsoft.com/office/powerpoint/2010/main" val="661895389"/>
       </p:ext>
     </p:extLst>
   </p:cSld>
@@ -1604,6 +1597,2632 @@
 </file>
 
 <file path=ppt/slideLayouts/slideLayout10.xml><?xml version="1.0" encoding="utf-8"?>
+<p:sldLayout xmlns:a="http://schemas.openxmlformats.org/drawingml/2006/main" xmlns:r="http://schemas.openxmlformats.org/officeDocument/2006/relationships" xmlns:p="http://schemas.openxmlformats.org/presentationml/2006/main" preserve="1">
+  <p:cSld name="Panoramic Picture with Caption">
+    <p:spTree>
+      <p:nvGrpSpPr>
+        <p:cNvPr id="1" name=""/>
+        <p:cNvGrpSpPr/>
+        <p:nvPr/>
+      </p:nvGrpSpPr>
+      <p:grpSpPr>
+        <a:xfrm>
+          <a:off x="0" y="0"/>
+          <a:ext cx="0" cy="0"/>
+          <a:chOff x="0" y="0"/>
+          <a:chExt cx="0" cy="0"/>
+        </a:xfrm>
+      </p:grpSpPr>
+      <p:sp>
+        <p:nvSpPr>
+          <p:cNvPr id="2" name="Title 1"/>
+          <p:cNvSpPr>
+            <a:spLocks noGrp="1"/>
+          </p:cNvSpPr>
+          <p:nvPr>
+            <p:ph type="title"/>
+          </p:nvPr>
+        </p:nvSpPr>
+        <p:spPr>
+          <a:xfrm>
+            <a:off x="866443" y="4800587"/>
+            <a:ext cx="6620967" cy="566738"/>
+          </a:xfrm>
+        </p:spPr>
+        <p:txBody>
+          <a:bodyPr anchor="b">
+            <a:normAutofit/>
+          </a:bodyPr>
+          <a:lstStyle>
+            <a:lvl1pPr algn="l">
+              <a:defRPr sz="2400" b="0"/>
+            </a:lvl1pPr>
+          </a:lstStyle>
+          <a:p>
+            <a:r>
+              <a:rPr lang="en-US" smtClean="0"/>
+              <a:t>Click to edit Master title style</a:t>
+            </a:r>
+            <a:endParaRPr lang="en-US" dirty="0"/>
+          </a:p>
+        </p:txBody>
+      </p:sp>
+      <p:sp>
+        <p:nvSpPr>
+          <p:cNvPr id="3" name="Picture Placeholder 2"/>
+          <p:cNvSpPr>
+            <a:spLocks noGrp="1" noChangeAspect="1"/>
+          </p:cNvSpPr>
+          <p:nvPr>
+            <p:ph type="pic" idx="1"/>
+          </p:nvPr>
+        </p:nvSpPr>
+        <p:spPr>
+          <a:xfrm>
+            <a:off x="866442" y="685800"/>
+            <a:ext cx="6620968" cy="3640666"/>
+          </a:xfrm>
+          <a:prstGeom prst="roundRect">
+            <a:avLst>
+              <a:gd name="adj" fmla="val 1858"/>
+            </a:avLst>
+          </a:prstGeom>
+          <a:effectLst>
+            <a:outerShdw blurRad="50800" dist="50800" dir="5400000" algn="tl" rotWithShape="0">
+              <a:srgbClr val="000000">
+                <a:alpha val="43000"/>
+              </a:srgbClr>
+            </a:outerShdw>
+          </a:effectLst>
+        </p:spPr>
+        <p:txBody>
+          <a:bodyPr anchor="t">
+            <a:normAutofit/>
+          </a:bodyPr>
+          <a:lstStyle>
+            <a:lvl1pPr marL="0" indent="0" algn="ctr">
+              <a:buNone/>
+              <a:defRPr sz="1600"/>
+            </a:lvl1pPr>
+            <a:lvl2pPr marL="457200" indent="0">
+              <a:buNone/>
+              <a:defRPr sz="1600"/>
+            </a:lvl2pPr>
+            <a:lvl3pPr marL="914400" indent="0">
+              <a:buNone/>
+              <a:defRPr sz="1600"/>
+            </a:lvl3pPr>
+            <a:lvl4pPr marL="1371600" indent="0">
+              <a:buNone/>
+              <a:defRPr sz="1600"/>
+            </a:lvl4pPr>
+            <a:lvl5pPr marL="1828800" indent="0">
+              <a:buNone/>
+              <a:defRPr sz="1600"/>
+            </a:lvl5pPr>
+            <a:lvl6pPr marL="2286000" indent="0">
+              <a:buNone/>
+              <a:defRPr sz="1600"/>
+            </a:lvl6pPr>
+            <a:lvl7pPr marL="2743200" indent="0">
+              <a:buNone/>
+              <a:defRPr sz="1600"/>
+            </a:lvl7pPr>
+            <a:lvl8pPr marL="3200400" indent="0">
+              <a:buNone/>
+              <a:defRPr sz="1600"/>
+            </a:lvl8pPr>
+            <a:lvl9pPr marL="3657600" indent="0">
+              <a:buNone/>
+              <a:defRPr sz="1600"/>
+            </a:lvl9pPr>
+          </a:lstStyle>
+          <a:p>
+            <a:r>
+              <a:rPr lang="en-US" smtClean="0"/>
+              <a:t>Click icon to add picture</a:t>
+            </a:r>
+            <a:endParaRPr lang="en-US" dirty="0"/>
+          </a:p>
+        </p:txBody>
+      </p:sp>
+      <p:sp>
+        <p:nvSpPr>
+          <p:cNvPr id="4" name="Text Placeholder 3"/>
+          <p:cNvSpPr>
+            <a:spLocks noGrp="1"/>
+          </p:cNvSpPr>
+          <p:nvPr>
+            <p:ph type="body" sz="half" idx="2"/>
+          </p:nvPr>
+        </p:nvSpPr>
+        <p:spPr>
+          <a:xfrm>
+            <a:off x="866443" y="5367325"/>
+            <a:ext cx="6620966" cy="493712"/>
+          </a:xfrm>
+        </p:spPr>
+        <p:txBody>
+          <a:bodyPr>
+            <a:normAutofit/>
+          </a:bodyPr>
+          <a:lstStyle>
+            <a:lvl1pPr marL="0" indent="0">
+              <a:buNone/>
+              <a:defRPr sz="1200"/>
+            </a:lvl1pPr>
+            <a:lvl2pPr marL="457200" indent="0">
+              <a:buNone/>
+              <a:defRPr sz="1200"/>
+            </a:lvl2pPr>
+            <a:lvl3pPr marL="914400" indent="0">
+              <a:buNone/>
+              <a:defRPr sz="1000"/>
+            </a:lvl3pPr>
+            <a:lvl4pPr marL="1371600" indent="0">
+              <a:buNone/>
+              <a:defRPr sz="900"/>
+            </a:lvl4pPr>
+            <a:lvl5pPr marL="1828800" indent="0">
+              <a:buNone/>
+              <a:defRPr sz="900"/>
+            </a:lvl5pPr>
+            <a:lvl6pPr marL="2286000" indent="0">
+              <a:buNone/>
+              <a:defRPr sz="900"/>
+            </a:lvl6pPr>
+            <a:lvl7pPr marL="2743200" indent="0">
+              <a:buNone/>
+              <a:defRPr sz="900"/>
+            </a:lvl7pPr>
+            <a:lvl8pPr marL="3200400" indent="0">
+              <a:buNone/>
+              <a:defRPr sz="900"/>
+            </a:lvl8pPr>
+            <a:lvl9pPr marL="3657600" indent="0">
+              <a:buNone/>
+              <a:defRPr sz="900"/>
+            </a:lvl9pPr>
+          </a:lstStyle>
+          <a:p>
+            <a:pPr lvl="0"/>
+            <a:r>
+              <a:rPr lang="en-US" smtClean="0"/>
+              <a:t>Click to edit Master text styles</a:t>
+            </a:r>
+          </a:p>
+        </p:txBody>
+      </p:sp>
+      <p:sp>
+        <p:nvSpPr>
+          <p:cNvPr id="5" name="Date Placeholder 4"/>
+          <p:cNvSpPr>
+            <a:spLocks noGrp="1"/>
+          </p:cNvSpPr>
+          <p:nvPr>
+            <p:ph type="dt" sz="half" idx="10"/>
+          </p:nvPr>
+        </p:nvSpPr>
+        <p:spPr/>
+        <p:txBody>
+          <a:bodyPr/>
+          <a:lstStyle/>
+          <a:p>
+            <a:pPr>
+              <a:defRPr/>
+            </a:pPr>
+            <a:fld id="{0A213037-694F-447B-A3BE-23F63DEEEAA7}" type="datetimeFigureOut">
+              <a:rPr lang="en-US" smtClean="0"/>
+              <a:pPr>
+                <a:defRPr/>
+              </a:pPr>
+              <a:t>6/19/2013</a:t>
+            </a:fld>
+            <a:endParaRPr lang="en-US"/>
+          </a:p>
+        </p:txBody>
+      </p:sp>
+      <p:sp>
+        <p:nvSpPr>
+          <p:cNvPr id="6" name="Footer Placeholder 5"/>
+          <p:cNvSpPr>
+            <a:spLocks noGrp="1"/>
+          </p:cNvSpPr>
+          <p:nvPr>
+            <p:ph type="ftr" sz="quarter" idx="11"/>
+          </p:nvPr>
+        </p:nvSpPr>
+        <p:spPr/>
+        <p:txBody>
+          <a:bodyPr/>
+          <a:lstStyle/>
+          <a:p>
+            <a:pPr>
+              <a:defRPr/>
+            </a:pPr>
+            <a:endParaRPr lang="en-US"/>
+          </a:p>
+        </p:txBody>
+      </p:sp>
+      <p:sp>
+        <p:nvSpPr>
+          <p:cNvPr id="7" name="Slide Number Placeholder 6"/>
+          <p:cNvSpPr>
+            <a:spLocks noGrp="1"/>
+          </p:cNvSpPr>
+          <p:nvPr>
+            <p:ph type="sldNum" sz="quarter" idx="12"/>
+          </p:nvPr>
+        </p:nvSpPr>
+        <p:spPr/>
+        <p:txBody>
+          <a:bodyPr/>
+          <a:lstStyle/>
+          <a:p>
+            <a:fld id="{6E4747A8-85DC-4456-A491-E7D9C98736A5}" type="slidenum">
+              <a:rPr lang="en-US" smtClean="0"/>
+              <a:pPr/>
+              <a:t>‹#›</a:t>
+            </a:fld>
+            <a:endParaRPr lang="en-US"/>
+          </a:p>
+        </p:txBody>
+      </p:sp>
+    </p:spTree>
+    <p:extLst>
+      <p:ext uri="{BB962C8B-B14F-4D97-AF65-F5344CB8AC3E}">
+        <p14:creationId xmlns:p14="http://schemas.microsoft.com/office/powerpoint/2010/main" val="1170411199"/>
+      </p:ext>
+    </p:extLst>
+  </p:cSld>
+  <p:clrMapOvr>
+    <a:masterClrMapping/>
+  </p:clrMapOvr>
+</p:sldLayout>
+</file>
+
+<file path=ppt/slideLayouts/slideLayout11.xml><?xml version="1.0" encoding="utf-8"?>
+<p:sldLayout xmlns:a="http://schemas.openxmlformats.org/drawingml/2006/main" xmlns:r="http://schemas.openxmlformats.org/officeDocument/2006/relationships" xmlns:p="http://schemas.openxmlformats.org/presentationml/2006/main" preserve="1">
+  <p:cSld name="Title and Caption">
+    <p:spTree>
+      <p:nvGrpSpPr>
+        <p:cNvPr id="1" name=""/>
+        <p:cNvGrpSpPr/>
+        <p:nvPr/>
+      </p:nvGrpSpPr>
+      <p:grpSpPr>
+        <a:xfrm>
+          <a:off x="0" y="0"/>
+          <a:ext cx="0" cy="0"/>
+          <a:chOff x="0" y="0"/>
+          <a:chExt cx="0" cy="0"/>
+        </a:xfrm>
+      </p:grpSpPr>
+      <p:sp>
+        <p:nvSpPr>
+          <p:cNvPr id="2" name="Title 1"/>
+          <p:cNvSpPr>
+            <a:spLocks noGrp="1"/>
+          </p:cNvSpPr>
+          <p:nvPr>
+            <p:ph type="title"/>
+          </p:nvPr>
+        </p:nvSpPr>
+        <p:spPr>
+          <a:xfrm>
+            <a:off x="866442" y="1447800"/>
+            <a:ext cx="6620968" cy="1981200"/>
+          </a:xfrm>
+        </p:spPr>
+        <p:txBody>
+          <a:bodyPr/>
+          <a:lstStyle>
+            <a:lvl1pPr>
+              <a:defRPr sz="4800"/>
+            </a:lvl1pPr>
+          </a:lstStyle>
+          <a:p>
+            <a:r>
+              <a:rPr lang="en-US" smtClean="0"/>
+              <a:t>Click to edit Master title style</a:t>
+            </a:r>
+            <a:endParaRPr lang="en-US" dirty="0"/>
+          </a:p>
+        </p:txBody>
+      </p:sp>
+      <p:sp>
+        <p:nvSpPr>
+          <p:cNvPr id="8" name="Text Placeholder 3"/>
+          <p:cNvSpPr>
+            <a:spLocks noGrp="1"/>
+          </p:cNvSpPr>
+          <p:nvPr>
+            <p:ph type="body" sz="half" idx="2"/>
+          </p:nvPr>
+        </p:nvSpPr>
+        <p:spPr>
+          <a:xfrm>
+            <a:off x="866442" y="3657600"/>
+            <a:ext cx="6620968" cy="2362200"/>
+          </a:xfrm>
+        </p:spPr>
+        <p:txBody>
+          <a:bodyPr anchor="ctr">
+            <a:normAutofit/>
+          </a:bodyPr>
+          <a:lstStyle>
+            <a:lvl1pPr marL="0" indent="0">
+              <a:buNone/>
+              <a:defRPr sz="1800"/>
+            </a:lvl1pPr>
+            <a:lvl2pPr marL="457200" indent="0">
+              <a:buNone/>
+              <a:defRPr sz="1200"/>
+            </a:lvl2pPr>
+            <a:lvl3pPr marL="914400" indent="0">
+              <a:buNone/>
+              <a:defRPr sz="1000"/>
+            </a:lvl3pPr>
+            <a:lvl4pPr marL="1371600" indent="0">
+              <a:buNone/>
+              <a:defRPr sz="900"/>
+            </a:lvl4pPr>
+            <a:lvl5pPr marL="1828800" indent="0">
+              <a:buNone/>
+              <a:defRPr sz="900"/>
+            </a:lvl5pPr>
+            <a:lvl6pPr marL="2286000" indent="0">
+              <a:buNone/>
+              <a:defRPr sz="900"/>
+            </a:lvl6pPr>
+            <a:lvl7pPr marL="2743200" indent="0">
+              <a:buNone/>
+              <a:defRPr sz="900"/>
+            </a:lvl7pPr>
+            <a:lvl8pPr marL="3200400" indent="0">
+              <a:buNone/>
+              <a:defRPr sz="900"/>
+            </a:lvl8pPr>
+            <a:lvl9pPr marL="3657600" indent="0">
+              <a:buNone/>
+              <a:defRPr sz="900"/>
+            </a:lvl9pPr>
+          </a:lstStyle>
+          <a:p>
+            <a:pPr lvl="0"/>
+            <a:r>
+              <a:rPr lang="en-US" smtClean="0"/>
+              <a:t>Click to edit Master text styles</a:t>
+            </a:r>
+          </a:p>
+        </p:txBody>
+      </p:sp>
+      <p:sp>
+        <p:nvSpPr>
+          <p:cNvPr id="4" name="Date Placeholder 3"/>
+          <p:cNvSpPr>
+            <a:spLocks noGrp="1"/>
+          </p:cNvSpPr>
+          <p:nvPr>
+            <p:ph type="dt" sz="half" idx="10"/>
+          </p:nvPr>
+        </p:nvSpPr>
+        <p:spPr/>
+        <p:txBody>
+          <a:bodyPr/>
+          <a:lstStyle/>
+          <a:p>
+            <a:pPr>
+              <a:defRPr/>
+            </a:pPr>
+            <a:fld id="{0A213037-694F-447B-A3BE-23F63DEEEAA7}" type="datetimeFigureOut">
+              <a:rPr lang="en-US" smtClean="0"/>
+              <a:pPr>
+                <a:defRPr/>
+              </a:pPr>
+              <a:t>6/19/2013</a:t>
+            </a:fld>
+            <a:endParaRPr lang="en-US"/>
+          </a:p>
+        </p:txBody>
+      </p:sp>
+      <p:sp>
+        <p:nvSpPr>
+          <p:cNvPr id="5" name="Footer Placeholder 4"/>
+          <p:cNvSpPr>
+            <a:spLocks noGrp="1"/>
+          </p:cNvSpPr>
+          <p:nvPr>
+            <p:ph type="ftr" sz="quarter" idx="11"/>
+          </p:nvPr>
+        </p:nvSpPr>
+        <p:spPr/>
+        <p:txBody>
+          <a:bodyPr/>
+          <a:lstStyle/>
+          <a:p>
+            <a:pPr>
+              <a:defRPr/>
+            </a:pPr>
+            <a:endParaRPr lang="en-US"/>
+          </a:p>
+        </p:txBody>
+      </p:sp>
+      <p:sp>
+        <p:nvSpPr>
+          <p:cNvPr id="6" name="Slide Number Placeholder 5"/>
+          <p:cNvSpPr>
+            <a:spLocks noGrp="1"/>
+          </p:cNvSpPr>
+          <p:nvPr>
+            <p:ph type="sldNum" sz="quarter" idx="12"/>
+          </p:nvPr>
+        </p:nvSpPr>
+        <p:spPr/>
+        <p:txBody>
+          <a:bodyPr/>
+          <a:lstStyle/>
+          <a:p>
+            <a:fld id="{6E4747A8-85DC-4456-A491-E7D9C98736A5}" type="slidenum">
+              <a:rPr lang="en-US" smtClean="0"/>
+              <a:pPr/>
+              <a:t>‹#›</a:t>
+            </a:fld>
+            <a:endParaRPr lang="en-US"/>
+          </a:p>
+        </p:txBody>
+      </p:sp>
+    </p:spTree>
+    <p:extLst>
+      <p:ext uri="{BB962C8B-B14F-4D97-AF65-F5344CB8AC3E}">
+        <p14:creationId xmlns:p14="http://schemas.microsoft.com/office/powerpoint/2010/main" val="552105675"/>
+      </p:ext>
+    </p:extLst>
+  </p:cSld>
+  <p:clrMapOvr>
+    <a:masterClrMapping/>
+  </p:clrMapOvr>
+</p:sldLayout>
+</file>
+
+<file path=ppt/slideLayouts/slideLayout12.xml><?xml version="1.0" encoding="utf-8"?>
+<p:sldLayout xmlns:a="http://schemas.openxmlformats.org/drawingml/2006/main" xmlns:r="http://schemas.openxmlformats.org/officeDocument/2006/relationships" xmlns:p="http://schemas.openxmlformats.org/presentationml/2006/main" preserve="1">
+  <p:cSld name="Quote with Caption">
+    <p:spTree>
+      <p:nvGrpSpPr>
+        <p:cNvPr id="1" name=""/>
+        <p:cNvGrpSpPr/>
+        <p:nvPr/>
+      </p:nvGrpSpPr>
+      <p:grpSpPr>
+        <a:xfrm>
+          <a:off x="0" y="0"/>
+          <a:ext cx="0" cy="0"/>
+          <a:chOff x="0" y="0"/>
+          <a:chExt cx="0" cy="0"/>
+        </a:xfrm>
+      </p:grpSpPr>
+      <p:sp>
+        <p:nvSpPr>
+          <p:cNvPr id="2" name="Title 1"/>
+          <p:cNvSpPr>
+            <a:spLocks noGrp="1"/>
+          </p:cNvSpPr>
+          <p:nvPr>
+            <p:ph type="title"/>
+          </p:nvPr>
+        </p:nvSpPr>
+        <p:spPr>
+          <a:xfrm>
+            <a:off x="1181409" y="1447800"/>
+            <a:ext cx="6001049" cy="2323374"/>
+          </a:xfrm>
+        </p:spPr>
+        <p:txBody>
+          <a:bodyPr/>
+          <a:lstStyle>
+            <a:lvl1pPr>
+              <a:defRPr sz="4800"/>
+            </a:lvl1pPr>
+          </a:lstStyle>
+          <a:p>
+            <a:r>
+              <a:rPr lang="en-US" smtClean="0"/>
+              <a:t>Click to edit Master title style</a:t>
+            </a:r>
+            <a:endParaRPr lang="en-US" dirty="0"/>
+          </a:p>
+        </p:txBody>
+      </p:sp>
+      <p:sp>
+        <p:nvSpPr>
+          <p:cNvPr id="11" name="Text Placeholder 3"/>
+          <p:cNvSpPr>
+            <a:spLocks noGrp="1"/>
+          </p:cNvSpPr>
+          <p:nvPr>
+            <p:ph type="body" sz="half" idx="14"/>
+          </p:nvPr>
+        </p:nvSpPr>
+        <p:spPr>
+          <a:xfrm>
+            <a:off x="1448177" y="3771174"/>
+            <a:ext cx="5461159" cy="342174"/>
+          </a:xfrm>
+        </p:spPr>
+        <p:txBody>
+          <a:bodyPr vert="horz" lIns="91440" tIns="45720" rIns="91440" bIns="45720" rtlCol="0" anchor="t">
+            <a:normAutofit/>
+          </a:bodyPr>
+          <a:lstStyle>
+            <a:lvl1pPr marL="0" indent="0">
+              <a:buNone/>
+              <a:defRPr lang="en-US" sz="1400" b="0" i="0" kern="1200" cap="small" dirty="0">
+                <a:solidFill>
+                  <a:schemeClr val="bg2">
+                    <a:lumMod val="40000"/>
+                    <a:lumOff val="60000"/>
+                  </a:schemeClr>
+                </a:solidFill>
+                <a:latin typeface="+mj-lt"/>
+                <a:ea typeface="+mj-ea"/>
+                <a:cs typeface="+mj-cs"/>
+              </a:defRPr>
+            </a:lvl1pPr>
+            <a:lvl2pPr marL="457200" indent="0">
+              <a:buNone/>
+              <a:defRPr sz="1200"/>
+            </a:lvl2pPr>
+            <a:lvl3pPr marL="914400" indent="0">
+              <a:buNone/>
+              <a:defRPr sz="1000"/>
+            </a:lvl3pPr>
+            <a:lvl4pPr marL="1371600" indent="0">
+              <a:buNone/>
+              <a:defRPr sz="900"/>
+            </a:lvl4pPr>
+            <a:lvl5pPr marL="1828800" indent="0">
+              <a:buNone/>
+              <a:defRPr sz="900"/>
+            </a:lvl5pPr>
+            <a:lvl6pPr marL="2286000" indent="0">
+              <a:buNone/>
+              <a:defRPr sz="900"/>
+            </a:lvl6pPr>
+            <a:lvl7pPr marL="2743200" indent="0">
+              <a:buNone/>
+              <a:defRPr sz="900"/>
+            </a:lvl7pPr>
+            <a:lvl8pPr marL="3200400" indent="0">
+              <a:buNone/>
+              <a:defRPr sz="900"/>
+            </a:lvl8pPr>
+            <a:lvl9pPr marL="3657600" indent="0">
+              <a:buNone/>
+              <a:defRPr sz="900"/>
+            </a:lvl9pPr>
+          </a:lstStyle>
+          <a:p>
+            <a:pPr marL="0" lvl="0" indent="0">
+              <a:buNone/>
+            </a:pPr>
+            <a:r>
+              <a:rPr lang="en-US" smtClean="0"/>
+              <a:t>Click to edit Master text styles</a:t>
+            </a:r>
+          </a:p>
+        </p:txBody>
+      </p:sp>
+      <p:sp>
+        <p:nvSpPr>
+          <p:cNvPr id="10" name="Text Placeholder 3"/>
+          <p:cNvSpPr>
+            <a:spLocks noGrp="1"/>
+          </p:cNvSpPr>
+          <p:nvPr>
+            <p:ph type="body" sz="half" idx="2"/>
+          </p:nvPr>
+        </p:nvSpPr>
+        <p:spPr>
+          <a:xfrm>
+            <a:off x="866442" y="4350657"/>
+            <a:ext cx="6620968" cy="1676400"/>
+          </a:xfrm>
+        </p:spPr>
+        <p:txBody>
+          <a:bodyPr anchor="ctr">
+            <a:normAutofit/>
+          </a:bodyPr>
+          <a:lstStyle>
+            <a:lvl1pPr marL="0" indent="0">
+              <a:buNone/>
+              <a:defRPr sz="1800"/>
+            </a:lvl1pPr>
+            <a:lvl2pPr marL="457200" indent="0">
+              <a:buNone/>
+              <a:defRPr sz="1200"/>
+            </a:lvl2pPr>
+            <a:lvl3pPr marL="914400" indent="0">
+              <a:buNone/>
+              <a:defRPr sz="1000"/>
+            </a:lvl3pPr>
+            <a:lvl4pPr marL="1371600" indent="0">
+              <a:buNone/>
+              <a:defRPr sz="900"/>
+            </a:lvl4pPr>
+            <a:lvl5pPr marL="1828800" indent="0">
+              <a:buNone/>
+              <a:defRPr sz="900"/>
+            </a:lvl5pPr>
+            <a:lvl6pPr marL="2286000" indent="0">
+              <a:buNone/>
+              <a:defRPr sz="900"/>
+            </a:lvl6pPr>
+            <a:lvl7pPr marL="2743200" indent="0">
+              <a:buNone/>
+              <a:defRPr sz="900"/>
+            </a:lvl7pPr>
+            <a:lvl8pPr marL="3200400" indent="0">
+              <a:buNone/>
+              <a:defRPr sz="900"/>
+            </a:lvl8pPr>
+            <a:lvl9pPr marL="3657600" indent="0">
+              <a:buNone/>
+              <a:defRPr sz="900"/>
+            </a:lvl9pPr>
+          </a:lstStyle>
+          <a:p>
+            <a:pPr lvl="0"/>
+            <a:r>
+              <a:rPr lang="en-US" smtClean="0"/>
+              <a:t>Click to edit Master text styles</a:t>
+            </a:r>
+          </a:p>
+        </p:txBody>
+      </p:sp>
+      <p:sp>
+        <p:nvSpPr>
+          <p:cNvPr id="4" name="Date Placeholder 3"/>
+          <p:cNvSpPr>
+            <a:spLocks noGrp="1"/>
+          </p:cNvSpPr>
+          <p:nvPr>
+            <p:ph type="dt" sz="half" idx="10"/>
+          </p:nvPr>
+        </p:nvSpPr>
+        <p:spPr/>
+        <p:txBody>
+          <a:bodyPr/>
+          <a:lstStyle/>
+          <a:p>
+            <a:pPr>
+              <a:defRPr/>
+            </a:pPr>
+            <a:fld id="{0A213037-694F-447B-A3BE-23F63DEEEAA7}" type="datetimeFigureOut">
+              <a:rPr lang="en-US" smtClean="0"/>
+              <a:pPr>
+                <a:defRPr/>
+              </a:pPr>
+              <a:t>6/19/2013</a:t>
+            </a:fld>
+            <a:endParaRPr lang="en-US"/>
+          </a:p>
+        </p:txBody>
+      </p:sp>
+      <p:sp>
+        <p:nvSpPr>
+          <p:cNvPr id="5" name="Footer Placeholder 4"/>
+          <p:cNvSpPr>
+            <a:spLocks noGrp="1"/>
+          </p:cNvSpPr>
+          <p:nvPr>
+            <p:ph type="ftr" sz="quarter" idx="11"/>
+          </p:nvPr>
+        </p:nvSpPr>
+        <p:spPr/>
+        <p:txBody>
+          <a:bodyPr/>
+          <a:lstStyle/>
+          <a:p>
+            <a:pPr>
+              <a:defRPr/>
+            </a:pPr>
+            <a:endParaRPr lang="en-US"/>
+          </a:p>
+        </p:txBody>
+      </p:sp>
+      <p:sp>
+        <p:nvSpPr>
+          <p:cNvPr id="6" name="Slide Number Placeholder 5"/>
+          <p:cNvSpPr>
+            <a:spLocks noGrp="1"/>
+          </p:cNvSpPr>
+          <p:nvPr>
+            <p:ph type="sldNum" sz="quarter" idx="12"/>
+          </p:nvPr>
+        </p:nvSpPr>
+        <p:spPr/>
+        <p:txBody>
+          <a:bodyPr/>
+          <a:lstStyle/>
+          <a:p>
+            <a:fld id="{6E4747A8-85DC-4456-A491-E7D9C98736A5}" type="slidenum">
+              <a:rPr lang="en-US" smtClean="0"/>
+              <a:pPr/>
+              <a:t>‹#›</a:t>
+            </a:fld>
+            <a:endParaRPr lang="en-US"/>
+          </a:p>
+        </p:txBody>
+      </p:sp>
+      <p:sp>
+        <p:nvSpPr>
+          <p:cNvPr id="12" name="TextBox 11"/>
+          <p:cNvSpPr txBox="1"/>
+          <p:nvPr/>
+        </p:nvSpPr>
+        <p:spPr>
+          <a:xfrm>
+            <a:off x="673897" y="971253"/>
+            <a:ext cx="601591" cy="1969770"/>
+          </a:xfrm>
+          <a:prstGeom prst="rect">
+            <a:avLst/>
+          </a:prstGeom>
+          <a:noFill/>
+        </p:spPr>
+        <p:txBody>
+          <a:bodyPr wrap="square" rtlCol="0">
+            <a:spAutoFit/>
+          </a:bodyPr>
+          <a:lstStyle>
+            <a:defPPr>
+              <a:defRPr lang="en-US"/>
+            </a:defPPr>
+            <a:lvl1pPr algn="r">
+              <a:defRPr sz="12200" b="0" i="0">
+                <a:solidFill>
+                  <a:schemeClr val="bg2">
+                    <a:lumMod val="40000"/>
+                    <a:lumOff val="60000"/>
+                  </a:schemeClr>
+                </a:solidFill>
+                <a:latin typeface="Arial"/>
+                <a:ea typeface="+mj-ea"/>
+                <a:cs typeface="+mj-cs"/>
+              </a:defRPr>
+            </a:lvl1pPr>
+          </a:lstStyle>
+          <a:p>
+            <a:pPr lvl="0"/>
+            <a:r>
+              <a:rPr lang="en-US" sz="12200" dirty="0"/>
+              <a:t>“</a:t>
+            </a:r>
+          </a:p>
+        </p:txBody>
+      </p:sp>
+      <p:sp>
+        <p:nvSpPr>
+          <p:cNvPr id="15" name="TextBox 14"/>
+          <p:cNvSpPr txBox="1"/>
+          <p:nvPr/>
+        </p:nvSpPr>
+        <p:spPr>
+          <a:xfrm>
+            <a:off x="6999690" y="2613787"/>
+            <a:ext cx="601591" cy="1969770"/>
+          </a:xfrm>
+          <a:prstGeom prst="rect">
+            <a:avLst/>
+          </a:prstGeom>
+          <a:noFill/>
+        </p:spPr>
+        <p:txBody>
+          <a:bodyPr wrap="square" rtlCol="0">
+            <a:spAutoFit/>
+          </a:bodyPr>
+          <a:lstStyle>
+            <a:defPPr>
+              <a:defRPr lang="en-US"/>
+            </a:defPPr>
+            <a:lvl1pPr algn="r">
+              <a:defRPr sz="12200" b="0" i="0">
+                <a:solidFill>
+                  <a:schemeClr val="bg2">
+                    <a:lumMod val="40000"/>
+                    <a:lumOff val="60000"/>
+                  </a:schemeClr>
+                </a:solidFill>
+                <a:latin typeface="Arial"/>
+                <a:ea typeface="+mj-ea"/>
+                <a:cs typeface="+mj-cs"/>
+              </a:defRPr>
+            </a:lvl1pPr>
+          </a:lstStyle>
+          <a:p>
+            <a:pPr lvl="0"/>
+            <a:r>
+              <a:rPr lang="en-US" sz="12200" dirty="0"/>
+              <a:t>”</a:t>
+            </a:r>
+          </a:p>
+        </p:txBody>
+      </p:sp>
+    </p:spTree>
+    <p:extLst>
+      <p:ext uri="{BB962C8B-B14F-4D97-AF65-F5344CB8AC3E}">
+        <p14:creationId xmlns:p14="http://schemas.microsoft.com/office/powerpoint/2010/main" val="2356292172"/>
+      </p:ext>
+    </p:extLst>
+  </p:cSld>
+  <p:clrMapOvr>
+    <a:masterClrMapping/>
+  </p:clrMapOvr>
+</p:sldLayout>
+</file>
+
+<file path=ppt/slideLayouts/slideLayout13.xml><?xml version="1.0" encoding="utf-8"?>
+<p:sldLayout xmlns:a="http://schemas.openxmlformats.org/drawingml/2006/main" xmlns:r="http://schemas.openxmlformats.org/officeDocument/2006/relationships" xmlns:p="http://schemas.openxmlformats.org/presentationml/2006/main" preserve="1">
+  <p:cSld name="Name Card">
+    <p:spTree>
+      <p:nvGrpSpPr>
+        <p:cNvPr id="1" name=""/>
+        <p:cNvGrpSpPr/>
+        <p:nvPr/>
+      </p:nvGrpSpPr>
+      <p:grpSpPr>
+        <a:xfrm>
+          <a:off x="0" y="0"/>
+          <a:ext cx="0" cy="0"/>
+          <a:chOff x="0" y="0"/>
+          <a:chExt cx="0" cy="0"/>
+        </a:xfrm>
+      </p:grpSpPr>
+      <p:sp>
+        <p:nvSpPr>
+          <p:cNvPr id="2" name="Title 1"/>
+          <p:cNvSpPr>
+            <a:spLocks noGrp="1"/>
+          </p:cNvSpPr>
+          <p:nvPr>
+            <p:ph type="title"/>
+          </p:nvPr>
+        </p:nvSpPr>
+        <p:spPr>
+          <a:xfrm>
+            <a:off x="866441" y="3124201"/>
+            <a:ext cx="6620969" cy="1653180"/>
+          </a:xfrm>
+        </p:spPr>
+        <p:txBody>
+          <a:bodyPr anchor="b"/>
+          <a:lstStyle>
+            <a:lvl1pPr algn="l">
+              <a:defRPr sz="4000" b="0" cap="none"/>
+            </a:lvl1pPr>
+          </a:lstStyle>
+          <a:p>
+            <a:r>
+              <a:rPr lang="en-US" smtClean="0"/>
+              <a:t>Click to edit Master title style</a:t>
+            </a:r>
+            <a:endParaRPr lang="en-US" dirty="0"/>
+          </a:p>
+        </p:txBody>
+      </p:sp>
+      <p:sp>
+        <p:nvSpPr>
+          <p:cNvPr id="3" name="Text Placeholder 2"/>
+          <p:cNvSpPr>
+            <a:spLocks noGrp="1"/>
+          </p:cNvSpPr>
+          <p:nvPr>
+            <p:ph type="body" idx="1"/>
+          </p:nvPr>
+        </p:nvSpPr>
+        <p:spPr>
+          <a:xfrm>
+            <a:off x="866442" y="4777381"/>
+            <a:ext cx="6620968" cy="860400"/>
+          </a:xfrm>
+        </p:spPr>
+        <p:txBody>
+          <a:bodyPr anchor="t"/>
+          <a:lstStyle>
+            <a:lvl1pPr marL="0" indent="0" algn="l">
+              <a:buNone/>
+              <a:defRPr sz="2000" cap="none">
+                <a:solidFill>
+                  <a:schemeClr val="bg2">
+                    <a:lumMod val="40000"/>
+                    <a:lumOff val="60000"/>
+                  </a:schemeClr>
+                </a:solidFill>
+              </a:defRPr>
+            </a:lvl1pPr>
+            <a:lvl2pPr marL="457200" indent="0">
+              <a:buNone/>
+              <a:defRPr sz="1800">
+                <a:solidFill>
+                  <a:schemeClr val="tx1">
+                    <a:tint val="75000"/>
+                  </a:schemeClr>
+                </a:solidFill>
+              </a:defRPr>
+            </a:lvl2pPr>
+            <a:lvl3pPr marL="914400" indent="0">
+              <a:buNone/>
+              <a:defRPr sz="1600">
+                <a:solidFill>
+                  <a:schemeClr val="tx1">
+                    <a:tint val="75000"/>
+                  </a:schemeClr>
+                </a:solidFill>
+              </a:defRPr>
+            </a:lvl3pPr>
+            <a:lvl4pPr marL="1371600" indent="0">
+              <a:buNone/>
+              <a:defRPr sz="1400">
+                <a:solidFill>
+                  <a:schemeClr val="tx1">
+                    <a:tint val="75000"/>
+                  </a:schemeClr>
+                </a:solidFill>
+              </a:defRPr>
+            </a:lvl4pPr>
+            <a:lvl5pPr marL="1828800" indent="0">
+              <a:buNone/>
+              <a:defRPr sz="1400">
+                <a:solidFill>
+                  <a:schemeClr val="tx1">
+                    <a:tint val="75000"/>
+                  </a:schemeClr>
+                </a:solidFill>
+              </a:defRPr>
+            </a:lvl5pPr>
+            <a:lvl6pPr marL="2286000" indent="0">
+              <a:buNone/>
+              <a:defRPr sz="1400">
+                <a:solidFill>
+                  <a:schemeClr val="tx1">
+                    <a:tint val="75000"/>
+                  </a:schemeClr>
+                </a:solidFill>
+              </a:defRPr>
+            </a:lvl6pPr>
+            <a:lvl7pPr marL="2743200" indent="0">
+              <a:buNone/>
+              <a:defRPr sz="1400">
+                <a:solidFill>
+                  <a:schemeClr val="tx1">
+                    <a:tint val="75000"/>
+                  </a:schemeClr>
+                </a:solidFill>
+              </a:defRPr>
+            </a:lvl7pPr>
+            <a:lvl8pPr marL="3200400" indent="0">
+              <a:buNone/>
+              <a:defRPr sz="1400">
+                <a:solidFill>
+                  <a:schemeClr val="tx1">
+                    <a:tint val="75000"/>
+                  </a:schemeClr>
+                </a:solidFill>
+              </a:defRPr>
+            </a:lvl8pPr>
+            <a:lvl9pPr marL="3657600" indent="0">
+              <a:buNone/>
+              <a:defRPr sz="1400">
+                <a:solidFill>
+                  <a:schemeClr val="tx1">
+                    <a:tint val="75000"/>
+                  </a:schemeClr>
+                </a:solidFill>
+              </a:defRPr>
+            </a:lvl9pPr>
+          </a:lstStyle>
+          <a:p>
+            <a:pPr lvl="0"/>
+            <a:r>
+              <a:rPr lang="en-US" smtClean="0"/>
+              <a:t>Click to edit Master text styles</a:t>
+            </a:r>
+          </a:p>
+        </p:txBody>
+      </p:sp>
+      <p:sp>
+        <p:nvSpPr>
+          <p:cNvPr id="4" name="Date Placeholder 3"/>
+          <p:cNvSpPr>
+            <a:spLocks noGrp="1"/>
+          </p:cNvSpPr>
+          <p:nvPr>
+            <p:ph type="dt" sz="half" idx="10"/>
+          </p:nvPr>
+        </p:nvSpPr>
+        <p:spPr/>
+        <p:txBody>
+          <a:bodyPr/>
+          <a:lstStyle/>
+          <a:p>
+            <a:pPr>
+              <a:defRPr/>
+            </a:pPr>
+            <a:fld id="{0A213037-694F-447B-A3BE-23F63DEEEAA7}" type="datetimeFigureOut">
+              <a:rPr lang="en-US" smtClean="0"/>
+              <a:pPr>
+                <a:defRPr/>
+              </a:pPr>
+              <a:t>6/19/2013</a:t>
+            </a:fld>
+            <a:endParaRPr lang="en-US"/>
+          </a:p>
+        </p:txBody>
+      </p:sp>
+      <p:sp>
+        <p:nvSpPr>
+          <p:cNvPr id="5" name="Footer Placeholder 4"/>
+          <p:cNvSpPr>
+            <a:spLocks noGrp="1"/>
+          </p:cNvSpPr>
+          <p:nvPr>
+            <p:ph type="ftr" sz="quarter" idx="11"/>
+          </p:nvPr>
+        </p:nvSpPr>
+        <p:spPr/>
+        <p:txBody>
+          <a:bodyPr/>
+          <a:lstStyle/>
+          <a:p>
+            <a:pPr>
+              <a:defRPr/>
+            </a:pPr>
+            <a:endParaRPr lang="en-US"/>
+          </a:p>
+        </p:txBody>
+      </p:sp>
+      <p:sp>
+        <p:nvSpPr>
+          <p:cNvPr id="6" name="Slide Number Placeholder 5"/>
+          <p:cNvSpPr>
+            <a:spLocks noGrp="1"/>
+          </p:cNvSpPr>
+          <p:nvPr>
+            <p:ph type="sldNum" sz="quarter" idx="12"/>
+          </p:nvPr>
+        </p:nvSpPr>
+        <p:spPr/>
+        <p:txBody>
+          <a:bodyPr/>
+          <a:lstStyle/>
+          <a:p>
+            <a:fld id="{6E4747A8-85DC-4456-A491-E7D9C98736A5}" type="slidenum">
+              <a:rPr lang="en-US" smtClean="0"/>
+              <a:pPr/>
+              <a:t>‹#›</a:t>
+            </a:fld>
+            <a:endParaRPr lang="en-US"/>
+          </a:p>
+        </p:txBody>
+      </p:sp>
+    </p:spTree>
+    <p:extLst>
+      <p:ext uri="{BB962C8B-B14F-4D97-AF65-F5344CB8AC3E}">
+        <p14:creationId xmlns:p14="http://schemas.microsoft.com/office/powerpoint/2010/main" val="3541439757"/>
+      </p:ext>
+    </p:extLst>
+  </p:cSld>
+  <p:clrMapOvr>
+    <a:masterClrMapping/>
+  </p:clrMapOvr>
+</p:sldLayout>
+</file>
+
+<file path=ppt/slideLayouts/slideLayout14.xml><?xml version="1.0" encoding="utf-8"?>
+<p:sldLayout xmlns:a="http://schemas.openxmlformats.org/drawingml/2006/main" xmlns:r="http://schemas.openxmlformats.org/officeDocument/2006/relationships" xmlns:p="http://schemas.openxmlformats.org/presentationml/2006/main" preserve="1">
+  <p:cSld name="3 Column">
+    <p:spTree>
+      <p:nvGrpSpPr>
+        <p:cNvPr id="1" name=""/>
+        <p:cNvGrpSpPr/>
+        <p:nvPr/>
+      </p:nvGrpSpPr>
+      <p:grpSpPr>
+        <a:xfrm>
+          <a:off x="0" y="0"/>
+          <a:ext cx="0" cy="0"/>
+          <a:chOff x="0" y="0"/>
+          <a:chExt cx="0" cy="0"/>
+        </a:xfrm>
+      </p:grpSpPr>
+      <p:sp>
+        <p:nvSpPr>
+          <p:cNvPr id="2" name="Title 1"/>
+          <p:cNvSpPr>
+            <a:spLocks noGrp="1"/>
+          </p:cNvSpPr>
+          <p:nvPr>
+            <p:ph type="title"/>
+          </p:nvPr>
+        </p:nvSpPr>
+        <p:spPr/>
+        <p:txBody>
+          <a:bodyPr/>
+          <a:lstStyle>
+            <a:lvl1pPr>
+              <a:defRPr sz="4200"/>
+            </a:lvl1pPr>
+          </a:lstStyle>
+          <a:p>
+            <a:r>
+              <a:rPr lang="en-US" smtClean="0"/>
+              <a:t>Click to edit Master title style</a:t>
+            </a:r>
+            <a:endParaRPr lang="en-US" dirty="0"/>
+          </a:p>
+        </p:txBody>
+      </p:sp>
+      <p:sp>
+        <p:nvSpPr>
+          <p:cNvPr id="3" name="Text Placeholder 2"/>
+          <p:cNvSpPr>
+            <a:spLocks noGrp="1"/>
+          </p:cNvSpPr>
+          <p:nvPr>
+            <p:ph type="body" idx="1"/>
+          </p:nvPr>
+        </p:nvSpPr>
+        <p:spPr>
+          <a:xfrm>
+            <a:off x="474834" y="1981200"/>
+            <a:ext cx="2210725" cy="576262"/>
+          </a:xfrm>
+        </p:spPr>
+        <p:txBody>
+          <a:bodyPr anchor="b">
+            <a:noAutofit/>
+          </a:bodyPr>
+          <a:lstStyle>
+            <a:lvl1pPr marL="0" indent="0">
+              <a:buNone/>
+              <a:defRPr sz="2400" b="0">
+                <a:solidFill>
+                  <a:schemeClr val="bg2">
+                    <a:lumMod val="40000"/>
+                    <a:lumOff val="60000"/>
+                  </a:schemeClr>
+                </a:solidFill>
+              </a:defRPr>
+            </a:lvl1pPr>
+            <a:lvl2pPr marL="457200" indent="0">
+              <a:buNone/>
+              <a:defRPr sz="2000" b="1"/>
+            </a:lvl2pPr>
+            <a:lvl3pPr marL="914400" indent="0">
+              <a:buNone/>
+              <a:defRPr sz="1800" b="1"/>
+            </a:lvl3pPr>
+            <a:lvl4pPr marL="1371600" indent="0">
+              <a:buNone/>
+              <a:defRPr sz="1600" b="1"/>
+            </a:lvl4pPr>
+            <a:lvl5pPr marL="1828800" indent="0">
+              <a:buNone/>
+              <a:defRPr sz="1600" b="1"/>
+            </a:lvl5pPr>
+            <a:lvl6pPr marL="2286000" indent="0">
+              <a:buNone/>
+              <a:defRPr sz="1600" b="1"/>
+            </a:lvl6pPr>
+            <a:lvl7pPr marL="2743200" indent="0">
+              <a:buNone/>
+              <a:defRPr sz="1600" b="1"/>
+            </a:lvl7pPr>
+            <a:lvl8pPr marL="3200400" indent="0">
+              <a:buNone/>
+              <a:defRPr sz="1600" b="1"/>
+            </a:lvl8pPr>
+            <a:lvl9pPr marL="3657600" indent="0">
+              <a:buNone/>
+              <a:defRPr sz="1600" b="1"/>
+            </a:lvl9pPr>
+          </a:lstStyle>
+          <a:p>
+            <a:pPr lvl="0"/>
+            <a:r>
+              <a:rPr lang="en-US" smtClean="0"/>
+              <a:t>Click to edit Master text styles</a:t>
+            </a:r>
+          </a:p>
+        </p:txBody>
+      </p:sp>
+      <p:sp>
+        <p:nvSpPr>
+          <p:cNvPr id="16" name="Text Placeholder 3"/>
+          <p:cNvSpPr>
+            <a:spLocks noGrp="1"/>
+          </p:cNvSpPr>
+          <p:nvPr>
+            <p:ph type="body" sz="half" idx="15"/>
+          </p:nvPr>
+        </p:nvSpPr>
+        <p:spPr>
+          <a:xfrm>
+            <a:off x="489475" y="2667000"/>
+            <a:ext cx="2196084" cy="3589338"/>
+          </a:xfrm>
+        </p:spPr>
+        <p:txBody>
+          <a:bodyPr anchor="t">
+            <a:normAutofit/>
+          </a:bodyPr>
+          <a:lstStyle>
+            <a:lvl1pPr marL="0" indent="0">
+              <a:buNone/>
+              <a:defRPr sz="1400"/>
+            </a:lvl1pPr>
+            <a:lvl2pPr marL="457200" indent="0">
+              <a:buNone/>
+              <a:defRPr sz="1200"/>
+            </a:lvl2pPr>
+            <a:lvl3pPr marL="914400" indent="0">
+              <a:buNone/>
+              <a:defRPr sz="1000"/>
+            </a:lvl3pPr>
+            <a:lvl4pPr marL="1371600" indent="0">
+              <a:buNone/>
+              <a:defRPr sz="900"/>
+            </a:lvl4pPr>
+            <a:lvl5pPr marL="1828800" indent="0">
+              <a:buNone/>
+              <a:defRPr sz="900"/>
+            </a:lvl5pPr>
+            <a:lvl6pPr marL="2286000" indent="0">
+              <a:buNone/>
+              <a:defRPr sz="900"/>
+            </a:lvl6pPr>
+            <a:lvl7pPr marL="2743200" indent="0">
+              <a:buNone/>
+              <a:defRPr sz="900"/>
+            </a:lvl7pPr>
+            <a:lvl8pPr marL="3200400" indent="0">
+              <a:buNone/>
+              <a:defRPr sz="900"/>
+            </a:lvl8pPr>
+            <a:lvl9pPr marL="3657600" indent="0">
+              <a:buNone/>
+              <a:defRPr sz="900"/>
+            </a:lvl9pPr>
+          </a:lstStyle>
+          <a:p>
+            <a:pPr lvl="0"/>
+            <a:r>
+              <a:rPr lang="en-US" smtClean="0"/>
+              <a:t>Click to edit Master text styles</a:t>
+            </a:r>
+          </a:p>
+        </p:txBody>
+      </p:sp>
+      <p:sp>
+        <p:nvSpPr>
+          <p:cNvPr id="5" name="Text Placeholder 4"/>
+          <p:cNvSpPr>
+            <a:spLocks noGrp="1"/>
+          </p:cNvSpPr>
+          <p:nvPr>
+            <p:ph type="body" sz="quarter" idx="3"/>
+          </p:nvPr>
+        </p:nvSpPr>
+        <p:spPr>
+          <a:xfrm>
+            <a:off x="2913504" y="1981200"/>
+            <a:ext cx="2202754" cy="576262"/>
+          </a:xfrm>
+        </p:spPr>
+        <p:txBody>
+          <a:bodyPr anchor="b">
+            <a:noAutofit/>
+          </a:bodyPr>
+          <a:lstStyle>
+            <a:lvl1pPr marL="0" indent="0">
+              <a:buNone/>
+              <a:defRPr sz="2400" b="0">
+                <a:solidFill>
+                  <a:schemeClr val="bg2">
+                    <a:lumMod val="40000"/>
+                    <a:lumOff val="60000"/>
+                  </a:schemeClr>
+                </a:solidFill>
+              </a:defRPr>
+            </a:lvl1pPr>
+            <a:lvl2pPr marL="457200" indent="0">
+              <a:buNone/>
+              <a:defRPr sz="2000" b="1"/>
+            </a:lvl2pPr>
+            <a:lvl3pPr marL="914400" indent="0">
+              <a:buNone/>
+              <a:defRPr sz="1800" b="1"/>
+            </a:lvl3pPr>
+            <a:lvl4pPr marL="1371600" indent="0">
+              <a:buNone/>
+              <a:defRPr sz="1600" b="1"/>
+            </a:lvl4pPr>
+            <a:lvl5pPr marL="1828800" indent="0">
+              <a:buNone/>
+              <a:defRPr sz="1600" b="1"/>
+            </a:lvl5pPr>
+            <a:lvl6pPr marL="2286000" indent="0">
+              <a:buNone/>
+              <a:defRPr sz="1600" b="1"/>
+            </a:lvl6pPr>
+            <a:lvl7pPr marL="2743200" indent="0">
+              <a:buNone/>
+              <a:defRPr sz="1600" b="1"/>
+            </a:lvl7pPr>
+            <a:lvl8pPr marL="3200400" indent="0">
+              <a:buNone/>
+              <a:defRPr sz="1600" b="1"/>
+            </a:lvl8pPr>
+            <a:lvl9pPr marL="3657600" indent="0">
+              <a:buNone/>
+              <a:defRPr sz="1600" b="1"/>
+            </a:lvl9pPr>
+          </a:lstStyle>
+          <a:p>
+            <a:pPr lvl="0"/>
+            <a:r>
+              <a:rPr lang="en-US" smtClean="0"/>
+              <a:t>Click to edit Master text styles</a:t>
+            </a:r>
+          </a:p>
+        </p:txBody>
+      </p:sp>
+      <p:sp>
+        <p:nvSpPr>
+          <p:cNvPr id="19" name="Text Placeholder 3"/>
+          <p:cNvSpPr>
+            <a:spLocks noGrp="1"/>
+          </p:cNvSpPr>
+          <p:nvPr>
+            <p:ph type="body" sz="half" idx="16"/>
+          </p:nvPr>
+        </p:nvSpPr>
+        <p:spPr>
+          <a:xfrm>
+            <a:off x="2905586" y="2667000"/>
+            <a:ext cx="2210671" cy="3589338"/>
+          </a:xfrm>
+        </p:spPr>
+        <p:txBody>
+          <a:bodyPr anchor="t">
+            <a:normAutofit/>
+          </a:bodyPr>
+          <a:lstStyle>
+            <a:lvl1pPr marL="0" indent="0">
+              <a:buNone/>
+              <a:defRPr sz="1400"/>
+            </a:lvl1pPr>
+            <a:lvl2pPr marL="457200" indent="0">
+              <a:buNone/>
+              <a:defRPr sz="1200"/>
+            </a:lvl2pPr>
+            <a:lvl3pPr marL="914400" indent="0">
+              <a:buNone/>
+              <a:defRPr sz="1000"/>
+            </a:lvl3pPr>
+            <a:lvl4pPr marL="1371600" indent="0">
+              <a:buNone/>
+              <a:defRPr sz="900"/>
+            </a:lvl4pPr>
+            <a:lvl5pPr marL="1828800" indent="0">
+              <a:buNone/>
+              <a:defRPr sz="900"/>
+            </a:lvl5pPr>
+            <a:lvl6pPr marL="2286000" indent="0">
+              <a:buNone/>
+              <a:defRPr sz="900"/>
+            </a:lvl6pPr>
+            <a:lvl7pPr marL="2743200" indent="0">
+              <a:buNone/>
+              <a:defRPr sz="900"/>
+            </a:lvl7pPr>
+            <a:lvl8pPr marL="3200400" indent="0">
+              <a:buNone/>
+              <a:defRPr sz="900"/>
+            </a:lvl8pPr>
+            <a:lvl9pPr marL="3657600" indent="0">
+              <a:buNone/>
+              <a:defRPr sz="900"/>
+            </a:lvl9pPr>
+          </a:lstStyle>
+          <a:p>
+            <a:pPr lvl="0"/>
+            <a:r>
+              <a:rPr lang="en-US" smtClean="0"/>
+              <a:t>Click to edit Master text styles</a:t>
+            </a:r>
+          </a:p>
+        </p:txBody>
+      </p:sp>
+      <p:sp>
+        <p:nvSpPr>
+          <p:cNvPr id="14" name="Text Placeholder 4"/>
+          <p:cNvSpPr>
+            <a:spLocks noGrp="1"/>
+          </p:cNvSpPr>
+          <p:nvPr>
+            <p:ph type="body" sz="quarter" idx="13"/>
+          </p:nvPr>
+        </p:nvSpPr>
+        <p:spPr>
+          <a:xfrm>
+            <a:off x="5344917" y="1981200"/>
+            <a:ext cx="2199658" cy="576262"/>
+          </a:xfrm>
+        </p:spPr>
+        <p:txBody>
+          <a:bodyPr anchor="b">
+            <a:noAutofit/>
+          </a:bodyPr>
+          <a:lstStyle>
+            <a:lvl1pPr marL="0" indent="0">
+              <a:buNone/>
+              <a:defRPr sz="2400" b="0">
+                <a:solidFill>
+                  <a:schemeClr val="bg2">
+                    <a:lumMod val="40000"/>
+                    <a:lumOff val="60000"/>
+                  </a:schemeClr>
+                </a:solidFill>
+              </a:defRPr>
+            </a:lvl1pPr>
+            <a:lvl2pPr marL="457200" indent="0">
+              <a:buNone/>
+              <a:defRPr sz="2000" b="1"/>
+            </a:lvl2pPr>
+            <a:lvl3pPr marL="914400" indent="0">
+              <a:buNone/>
+              <a:defRPr sz="1800" b="1"/>
+            </a:lvl3pPr>
+            <a:lvl4pPr marL="1371600" indent="0">
+              <a:buNone/>
+              <a:defRPr sz="1600" b="1"/>
+            </a:lvl4pPr>
+            <a:lvl5pPr marL="1828800" indent="0">
+              <a:buNone/>
+              <a:defRPr sz="1600" b="1"/>
+            </a:lvl5pPr>
+            <a:lvl6pPr marL="2286000" indent="0">
+              <a:buNone/>
+              <a:defRPr sz="1600" b="1"/>
+            </a:lvl6pPr>
+            <a:lvl7pPr marL="2743200" indent="0">
+              <a:buNone/>
+              <a:defRPr sz="1600" b="1"/>
+            </a:lvl7pPr>
+            <a:lvl8pPr marL="3200400" indent="0">
+              <a:buNone/>
+              <a:defRPr sz="1600" b="1"/>
+            </a:lvl8pPr>
+            <a:lvl9pPr marL="3657600" indent="0">
+              <a:buNone/>
+              <a:defRPr sz="1600" b="1"/>
+            </a:lvl9pPr>
+          </a:lstStyle>
+          <a:p>
+            <a:pPr lvl="0"/>
+            <a:r>
+              <a:rPr lang="en-US" smtClean="0"/>
+              <a:t>Click to edit Master text styles</a:t>
+            </a:r>
+          </a:p>
+        </p:txBody>
+      </p:sp>
+      <p:sp>
+        <p:nvSpPr>
+          <p:cNvPr id="20" name="Text Placeholder 3"/>
+          <p:cNvSpPr>
+            <a:spLocks noGrp="1"/>
+          </p:cNvSpPr>
+          <p:nvPr>
+            <p:ph type="body" sz="half" idx="17"/>
+          </p:nvPr>
+        </p:nvSpPr>
+        <p:spPr>
+          <a:xfrm>
+            <a:off x="5344917" y="2667000"/>
+            <a:ext cx="2199658" cy="3589338"/>
+          </a:xfrm>
+        </p:spPr>
+        <p:txBody>
+          <a:bodyPr anchor="t">
+            <a:normAutofit/>
+          </a:bodyPr>
+          <a:lstStyle>
+            <a:lvl1pPr marL="0" indent="0">
+              <a:buNone/>
+              <a:defRPr sz="1400"/>
+            </a:lvl1pPr>
+            <a:lvl2pPr marL="457200" indent="0">
+              <a:buNone/>
+              <a:defRPr sz="1200"/>
+            </a:lvl2pPr>
+            <a:lvl3pPr marL="914400" indent="0">
+              <a:buNone/>
+              <a:defRPr sz="1000"/>
+            </a:lvl3pPr>
+            <a:lvl4pPr marL="1371600" indent="0">
+              <a:buNone/>
+              <a:defRPr sz="900"/>
+            </a:lvl4pPr>
+            <a:lvl5pPr marL="1828800" indent="0">
+              <a:buNone/>
+              <a:defRPr sz="900"/>
+            </a:lvl5pPr>
+            <a:lvl6pPr marL="2286000" indent="0">
+              <a:buNone/>
+              <a:defRPr sz="900"/>
+            </a:lvl6pPr>
+            <a:lvl7pPr marL="2743200" indent="0">
+              <a:buNone/>
+              <a:defRPr sz="900"/>
+            </a:lvl7pPr>
+            <a:lvl8pPr marL="3200400" indent="0">
+              <a:buNone/>
+              <a:defRPr sz="900"/>
+            </a:lvl8pPr>
+            <a:lvl9pPr marL="3657600" indent="0">
+              <a:buNone/>
+              <a:defRPr sz="900"/>
+            </a:lvl9pPr>
+          </a:lstStyle>
+          <a:p>
+            <a:pPr lvl="0"/>
+            <a:r>
+              <a:rPr lang="en-US" smtClean="0"/>
+              <a:t>Click to edit Master text styles</a:t>
+            </a:r>
+          </a:p>
+        </p:txBody>
+      </p:sp>
+      <p:cxnSp>
+        <p:nvCxnSpPr>
+          <p:cNvPr id="17" name="Straight Connector 16"/>
+          <p:cNvCxnSpPr/>
+          <p:nvPr/>
+        </p:nvCxnSpPr>
+        <p:spPr>
+          <a:xfrm>
+            <a:off x="2795334" y="2133600"/>
+            <a:ext cx="0" cy="3962400"/>
+          </a:xfrm>
+          <a:prstGeom prst="line">
+            <a:avLst/>
+          </a:prstGeom>
+          <a:ln w="12700" cmpd="sng">
+            <a:solidFill>
+              <a:schemeClr val="bg2">
+                <a:lumMod val="40000"/>
+                <a:lumOff val="60000"/>
+                <a:alpha val="40000"/>
+              </a:schemeClr>
+            </a:solidFill>
+          </a:ln>
+        </p:spPr>
+        <p:style>
+          <a:lnRef idx="2">
+            <a:schemeClr val="accent1"/>
+          </a:lnRef>
+          <a:fillRef idx="0">
+            <a:schemeClr val="accent1"/>
+          </a:fillRef>
+          <a:effectRef idx="1">
+            <a:schemeClr val="accent1"/>
+          </a:effectRef>
+          <a:fontRef idx="minor">
+            <a:schemeClr val="tx1"/>
+          </a:fontRef>
+        </p:style>
+      </p:cxnSp>
+      <p:cxnSp>
+        <p:nvCxnSpPr>
+          <p:cNvPr id="18" name="Straight Connector 17"/>
+          <p:cNvCxnSpPr/>
+          <p:nvPr/>
+        </p:nvCxnSpPr>
+        <p:spPr>
+          <a:xfrm>
+            <a:off x="5223030" y="2133600"/>
+            <a:ext cx="0" cy="3966882"/>
+          </a:xfrm>
+          <a:prstGeom prst="line">
+            <a:avLst/>
+          </a:prstGeom>
+          <a:ln w="12700" cmpd="sng">
+            <a:solidFill>
+              <a:schemeClr val="bg2">
+                <a:lumMod val="40000"/>
+                <a:lumOff val="60000"/>
+                <a:alpha val="40000"/>
+              </a:schemeClr>
+            </a:solidFill>
+          </a:ln>
+        </p:spPr>
+        <p:style>
+          <a:lnRef idx="2">
+            <a:schemeClr val="accent1"/>
+          </a:lnRef>
+          <a:fillRef idx="0">
+            <a:schemeClr val="accent1"/>
+          </a:fillRef>
+          <a:effectRef idx="1">
+            <a:schemeClr val="accent1"/>
+          </a:effectRef>
+          <a:fontRef idx="minor">
+            <a:schemeClr val="tx1"/>
+          </a:fontRef>
+        </p:style>
+      </p:cxnSp>
+      <p:sp>
+        <p:nvSpPr>
+          <p:cNvPr id="7" name="Date Placeholder 3"/>
+          <p:cNvSpPr>
+            <a:spLocks noGrp="1"/>
+          </p:cNvSpPr>
+          <p:nvPr>
+            <p:ph type="dt" sz="half" idx="10"/>
+          </p:nvPr>
+        </p:nvSpPr>
+        <p:spPr/>
+        <p:txBody>
+          <a:bodyPr/>
+          <a:lstStyle/>
+          <a:p>
+            <a:pPr>
+              <a:defRPr/>
+            </a:pPr>
+            <a:fld id="{0A213037-694F-447B-A3BE-23F63DEEEAA7}" type="datetimeFigureOut">
+              <a:rPr lang="en-US" smtClean="0"/>
+              <a:pPr>
+                <a:defRPr/>
+              </a:pPr>
+              <a:t>6/19/2013</a:t>
+            </a:fld>
+            <a:endParaRPr lang="en-US"/>
+          </a:p>
+        </p:txBody>
+      </p:sp>
+      <p:sp>
+        <p:nvSpPr>
+          <p:cNvPr id="4" name="Footer Placeholder 4"/>
+          <p:cNvSpPr>
+            <a:spLocks noGrp="1"/>
+          </p:cNvSpPr>
+          <p:nvPr>
+            <p:ph type="ftr" sz="quarter" idx="11"/>
+          </p:nvPr>
+        </p:nvSpPr>
+        <p:spPr/>
+        <p:txBody>
+          <a:bodyPr/>
+          <a:lstStyle/>
+          <a:p>
+            <a:pPr>
+              <a:defRPr/>
+            </a:pPr>
+            <a:endParaRPr lang="en-US"/>
+          </a:p>
+        </p:txBody>
+      </p:sp>
+      <p:sp>
+        <p:nvSpPr>
+          <p:cNvPr id="6" name="Slide Number Placeholder 5"/>
+          <p:cNvSpPr>
+            <a:spLocks noGrp="1"/>
+          </p:cNvSpPr>
+          <p:nvPr>
+            <p:ph type="sldNum" sz="quarter" idx="12"/>
+          </p:nvPr>
+        </p:nvSpPr>
+        <p:spPr/>
+        <p:txBody>
+          <a:bodyPr/>
+          <a:lstStyle/>
+          <a:p>
+            <a:fld id="{6E4747A8-85DC-4456-A491-E7D9C98736A5}" type="slidenum">
+              <a:rPr lang="en-US" smtClean="0"/>
+              <a:pPr/>
+              <a:t>‹#›</a:t>
+            </a:fld>
+            <a:endParaRPr lang="en-US"/>
+          </a:p>
+        </p:txBody>
+      </p:sp>
+    </p:spTree>
+    <p:extLst>
+      <p:ext uri="{BB962C8B-B14F-4D97-AF65-F5344CB8AC3E}">
+        <p14:creationId xmlns:p14="http://schemas.microsoft.com/office/powerpoint/2010/main" val="2769685266"/>
+      </p:ext>
+    </p:extLst>
+  </p:cSld>
+  <p:clrMapOvr>
+    <a:masterClrMapping/>
+  </p:clrMapOvr>
+</p:sldLayout>
+</file>
+
+<file path=ppt/slideLayouts/slideLayout15.xml><?xml version="1.0" encoding="utf-8"?>
+<p:sldLayout xmlns:a="http://schemas.openxmlformats.org/drawingml/2006/main" xmlns:r="http://schemas.openxmlformats.org/officeDocument/2006/relationships" xmlns:p="http://schemas.openxmlformats.org/presentationml/2006/main" preserve="1">
+  <p:cSld name="3 Picture Column">
+    <p:spTree>
+      <p:nvGrpSpPr>
+        <p:cNvPr id="1" name=""/>
+        <p:cNvGrpSpPr/>
+        <p:nvPr/>
+      </p:nvGrpSpPr>
+      <p:grpSpPr>
+        <a:xfrm>
+          <a:off x="0" y="0"/>
+          <a:ext cx="0" cy="0"/>
+          <a:chOff x="0" y="0"/>
+          <a:chExt cx="0" cy="0"/>
+        </a:xfrm>
+      </p:grpSpPr>
+      <p:sp>
+        <p:nvSpPr>
+          <p:cNvPr id="2" name="Title 1"/>
+          <p:cNvSpPr>
+            <a:spLocks noGrp="1"/>
+          </p:cNvSpPr>
+          <p:nvPr>
+            <p:ph type="title"/>
+          </p:nvPr>
+        </p:nvSpPr>
+        <p:spPr/>
+        <p:txBody>
+          <a:bodyPr/>
+          <a:lstStyle>
+            <a:lvl1pPr>
+              <a:defRPr sz="4200"/>
+            </a:lvl1pPr>
+          </a:lstStyle>
+          <a:p>
+            <a:r>
+              <a:rPr lang="en-US" smtClean="0"/>
+              <a:t>Click to edit Master title style</a:t>
+            </a:r>
+            <a:endParaRPr lang="en-US" dirty="0"/>
+          </a:p>
+        </p:txBody>
+      </p:sp>
+      <p:sp>
+        <p:nvSpPr>
+          <p:cNvPr id="3" name="Text Placeholder 2"/>
+          <p:cNvSpPr>
+            <a:spLocks noGrp="1"/>
+          </p:cNvSpPr>
+          <p:nvPr>
+            <p:ph type="body" idx="1"/>
+          </p:nvPr>
+        </p:nvSpPr>
+        <p:spPr>
+          <a:xfrm>
+            <a:off x="489475" y="4250949"/>
+            <a:ext cx="2205612" cy="576262"/>
+          </a:xfrm>
+        </p:spPr>
+        <p:txBody>
+          <a:bodyPr anchor="b">
+            <a:noAutofit/>
+          </a:bodyPr>
+          <a:lstStyle>
+            <a:lvl1pPr marL="0" indent="0">
+              <a:buNone/>
+              <a:defRPr sz="2400" b="0">
+                <a:solidFill>
+                  <a:schemeClr val="bg2">
+                    <a:lumMod val="40000"/>
+                    <a:lumOff val="60000"/>
+                  </a:schemeClr>
+                </a:solidFill>
+              </a:defRPr>
+            </a:lvl1pPr>
+            <a:lvl2pPr marL="457200" indent="0">
+              <a:buNone/>
+              <a:defRPr sz="2000" b="1"/>
+            </a:lvl2pPr>
+            <a:lvl3pPr marL="914400" indent="0">
+              <a:buNone/>
+              <a:defRPr sz="1800" b="1"/>
+            </a:lvl3pPr>
+            <a:lvl4pPr marL="1371600" indent="0">
+              <a:buNone/>
+              <a:defRPr sz="1600" b="1"/>
+            </a:lvl4pPr>
+            <a:lvl5pPr marL="1828800" indent="0">
+              <a:buNone/>
+              <a:defRPr sz="1600" b="1"/>
+            </a:lvl5pPr>
+            <a:lvl6pPr marL="2286000" indent="0">
+              <a:buNone/>
+              <a:defRPr sz="1600" b="1"/>
+            </a:lvl6pPr>
+            <a:lvl7pPr marL="2743200" indent="0">
+              <a:buNone/>
+              <a:defRPr sz="1600" b="1"/>
+            </a:lvl7pPr>
+            <a:lvl8pPr marL="3200400" indent="0">
+              <a:buNone/>
+              <a:defRPr sz="1600" b="1"/>
+            </a:lvl8pPr>
+            <a:lvl9pPr marL="3657600" indent="0">
+              <a:buNone/>
+              <a:defRPr sz="1600" b="1"/>
+            </a:lvl9pPr>
+          </a:lstStyle>
+          <a:p>
+            <a:pPr lvl="0"/>
+            <a:r>
+              <a:rPr lang="en-US" smtClean="0"/>
+              <a:t>Click to edit Master text styles</a:t>
+            </a:r>
+          </a:p>
+        </p:txBody>
+      </p:sp>
+      <p:sp>
+        <p:nvSpPr>
+          <p:cNvPr id="29" name="Picture Placeholder 2"/>
+          <p:cNvSpPr>
+            <a:spLocks noGrp="1" noChangeAspect="1"/>
+          </p:cNvSpPr>
+          <p:nvPr>
+            <p:ph type="pic" idx="15"/>
+          </p:nvPr>
+        </p:nvSpPr>
+        <p:spPr>
+          <a:xfrm>
+            <a:off x="489475" y="2209800"/>
+            <a:ext cx="2205612" cy="1524000"/>
+          </a:xfrm>
+          <a:prstGeom prst="roundRect">
+            <a:avLst>
+              <a:gd name="adj" fmla="val 1858"/>
+            </a:avLst>
+          </a:prstGeom>
+          <a:effectLst>
+            <a:outerShdw blurRad="50800" dist="50800" dir="5400000" algn="tl" rotWithShape="0">
+              <a:srgbClr val="000000">
+                <a:alpha val="43000"/>
+              </a:srgbClr>
+            </a:outerShdw>
+          </a:effectLst>
+        </p:spPr>
+        <p:txBody>
+          <a:bodyPr anchor="t">
+            <a:normAutofit/>
+          </a:bodyPr>
+          <a:lstStyle>
+            <a:lvl1pPr marL="0" indent="0" algn="ctr">
+              <a:buNone/>
+              <a:defRPr sz="1600"/>
+            </a:lvl1pPr>
+            <a:lvl2pPr marL="457200" indent="0">
+              <a:buNone/>
+              <a:defRPr sz="1600"/>
+            </a:lvl2pPr>
+            <a:lvl3pPr marL="914400" indent="0">
+              <a:buNone/>
+              <a:defRPr sz="1600"/>
+            </a:lvl3pPr>
+            <a:lvl4pPr marL="1371600" indent="0">
+              <a:buNone/>
+              <a:defRPr sz="1600"/>
+            </a:lvl4pPr>
+            <a:lvl5pPr marL="1828800" indent="0">
+              <a:buNone/>
+              <a:defRPr sz="1600"/>
+            </a:lvl5pPr>
+            <a:lvl6pPr marL="2286000" indent="0">
+              <a:buNone/>
+              <a:defRPr sz="1600"/>
+            </a:lvl6pPr>
+            <a:lvl7pPr marL="2743200" indent="0">
+              <a:buNone/>
+              <a:defRPr sz="1600"/>
+            </a:lvl7pPr>
+            <a:lvl8pPr marL="3200400" indent="0">
+              <a:buNone/>
+              <a:defRPr sz="1600"/>
+            </a:lvl8pPr>
+            <a:lvl9pPr marL="3657600" indent="0">
+              <a:buNone/>
+              <a:defRPr sz="1600"/>
+            </a:lvl9pPr>
+          </a:lstStyle>
+          <a:p>
+            <a:r>
+              <a:rPr lang="en-US" smtClean="0"/>
+              <a:t>Click icon to add picture</a:t>
+            </a:r>
+            <a:endParaRPr lang="en-US" dirty="0"/>
+          </a:p>
+        </p:txBody>
+      </p:sp>
+      <p:sp>
+        <p:nvSpPr>
+          <p:cNvPr id="22" name="Text Placeholder 3"/>
+          <p:cNvSpPr>
+            <a:spLocks noGrp="1"/>
+          </p:cNvSpPr>
+          <p:nvPr>
+            <p:ph type="body" sz="half" idx="18"/>
+          </p:nvPr>
+        </p:nvSpPr>
+        <p:spPr>
+          <a:xfrm>
+            <a:off x="489475" y="4827212"/>
+            <a:ext cx="2205612" cy="659189"/>
+          </a:xfrm>
+        </p:spPr>
+        <p:txBody>
+          <a:bodyPr anchor="t">
+            <a:normAutofit/>
+          </a:bodyPr>
+          <a:lstStyle>
+            <a:lvl1pPr marL="0" indent="0">
+              <a:buNone/>
+              <a:defRPr sz="1400"/>
+            </a:lvl1pPr>
+            <a:lvl2pPr marL="457200" indent="0">
+              <a:buNone/>
+              <a:defRPr sz="1200"/>
+            </a:lvl2pPr>
+            <a:lvl3pPr marL="914400" indent="0">
+              <a:buNone/>
+              <a:defRPr sz="1000"/>
+            </a:lvl3pPr>
+            <a:lvl4pPr marL="1371600" indent="0">
+              <a:buNone/>
+              <a:defRPr sz="900"/>
+            </a:lvl4pPr>
+            <a:lvl5pPr marL="1828800" indent="0">
+              <a:buNone/>
+              <a:defRPr sz="900"/>
+            </a:lvl5pPr>
+            <a:lvl6pPr marL="2286000" indent="0">
+              <a:buNone/>
+              <a:defRPr sz="900"/>
+            </a:lvl6pPr>
+            <a:lvl7pPr marL="2743200" indent="0">
+              <a:buNone/>
+              <a:defRPr sz="900"/>
+            </a:lvl7pPr>
+            <a:lvl8pPr marL="3200400" indent="0">
+              <a:buNone/>
+              <a:defRPr sz="900"/>
+            </a:lvl8pPr>
+            <a:lvl9pPr marL="3657600" indent="0">
+              <a:buNone/>
+              <a:defRPr sz="900"/>
+            </a:lvl9pPr>
+          </a:lstStyle>
+          <a:p>
+            <a:pPr lvl="0"/>
+            <a:r>
+              <a:rPr lang="en-US" smtClean="0"/>
+              <a:t>Click to edit Master text styles</a:t>
+            </a:r>
+          </a:p>
+        </p:txBody>
+      </p:sp>
+      <p:sp>
+        <p:nvSpPr>
+          <p:cNvPr id="5" name="Text Placeholder 4"/>
+          <p:cNvSpPr>
+            <a:spLocks noGrp="1"/>
+          </p:cNvSpPr>
+          <p:nvPr>
+            <p:ph type="body" sz="quarter" idx="3"/>
+          </p:nvPr>
+        </p:nvSpPr>
+        <p:spPr>
+          <a:xfrm>
+            <a:off x="2917792" y="4250949"/>
+            <a:ext cx="2198466" cy="576262"/>
+          </a:xfrm>
+        </p:spPr>
+        <p:txBody>
+          <a:bodyPr anchor="b">
+            <a:noAutofit/>
+          </a:bodyPr>
+          <a:lstStyle>
+            <a:lvl1pPr marL="0" indent="0">
+              <a:buNone/>
+              <a:defRPr sz="2400" b="0">
+                <a:solidFill>
+                  <a:schemeClr val="bg2">
+                    <a:lumMod val="40000"/>
+                    <a:lumOff val="60000"/>
+                  </a:schemeClr>
+                </a:solidFill>
+              </a:defRPr>
+            </a:lvl1pPr>
+            <a:lvl2pPr marL="457200" indent="0">
+              <a:buNone/>
+              <a:defRPr sz="2000" b="1"/>
+            </a:lvl2pPr>
+            <a:lvl3pPr marL="914400" indent="0">
+              <a:buNone/>
+              <a:defRPr sz="1800" b="1"/>
+            </a:lvl3pPr>
+            <a:lvl4pPr marL="1371600" indent="0">
+              <a:buNone/>
+              <a:defRPr sz="1600" b="1"/>
+            </a:lvl4pPr>
+            <a:lvl5pPr marL="1828800" indent="0">
+              <a:buNone/>
+              <a:defRPr sz="1600" b="1"/>
+            </a:lvl5pPr>
+            <a:lvl6pPr marL="2286000" indent="0">
+              <a:buNone/>
+              <a:defRPr sz="1600" b="1"/>
+            </a:lvl6pPr>
+            <a:lvl7pPr marL="2743200" indent="0">
+              <a:buNone/>
+              <a:defRPr sz="1600" b="1"/>
+            </a:lvl7pPr>
+            <a:lvl8pPr marL="3200400" indent="0">
+              <a:buNone/>
+              <a:defRPr sz="1600" b="1"/>
+            </a:lvl8pPr>
+            <a:lvl9pPr marL="3657600" indent="0">
+              <a:buNone/>
+              <a:defRPr sz="1600" b="1"/>
+            </a:lvl9pPr>
+          </a:lstStyle>
+          <a:p>
+            <a:pPr lvl="0"/>
+            <a:r>
+              <a:rPr lang="en-US" smtClean="0"/>
+              <a:t>Click to edit Master text styles</a:t>
+            </a:r>
+          </a:p>
+        </p:txBody>
+      </p:sp>
+      <p:sp>
+        <p:nvSpPr>
+          <p:cNvPr id="30" name="Picture Placeholder 2"/>
+          <p:cNvSpPr>
+            <a:spLocks noGrp="1" noChangeAspect="1"/>
+          </p:cNvSpPr>
+          <p:nvPr>
+            <p:ph type="pic" idx="21"/>
+          </p:nvPr>
+        </p:nvSpPr>
+        <p:spPr>
+          <a:xfrm>
+            <a:off x="2917791" y="2209800"/>
+            <a:ext cx="2198466" cy="1524000"/>
+          </a:xfrm>
+          <a:prstGeom prst="roundRect">
+            <a:avLst>
+              <a:gd name="adj" fmla="val 1858"/>
+            </a:avLst>
+          </a:prstGeom>
+          <a:effectLst>
+            <a:outerShdw blurRad="50800" dist="50800" dir="5400000" algn="tl" rotWithShape="0">
+              <a:srgbClr val="000000">
+                <a:alpha val="43000"/>
+              </a:srgbClr>
+            </a:outerShdw>
+          </a:effectLst>
+        </p:spPr>
+        <p:txBody>
+          <a:bodyPr anchor="t">
+            <a:normAutofit/>
+          </a:bodyPr>
+          <a:lstStyle>
+            <a:lvl1pPr marL="0" indent="0" algn="ctr">
+              <a:buNone/>
+              <a:defRPr sz="1600"/>
+            </a:lvl1pPr>
+            <a:lvl2pPr marL="457200" indent="0">
+              <a:buNone/>
+              <a:defRPr sz="1600"/>
+            </a:lvl2pPr>
+            <a:lvl3pPr marL="914400" indent="0">
+              <a:buNone/>
+              <a:defRPr sz="1600"/>
+            </a:lvl3pPr>
+            <a:lvl4pPr marL="1371600" indent="0">
+              <a:buNone/>
+              <a:defRPr sz="1600"/>
+            </a:lvl4pPr>
+            <a:lvl5pPr marL="1828800" indent="0">
+              <a:buNone/>
+              <a:defRPr sz="1600"/>
+            </a:lvl5pPr>
+            <a:lvl6pPr marL="2286000" indent="0">
+              <a:buNone/>
+              <a:defRPr sz="1600"/>
+            </a:lvl6pPr>
+            <a:lvl7pPr marL="2743200" indent="0">
+              <a:buNone/>
+              <a:defRPr sz="1600"/>
+            </a:lvl7pPr>
+            <a:lvl8pPr marL="3200400" indent="0">
+              <a:buNone/>
+              <a:defRPr sz="1600"/>
+            </a:lvl8pPr>
+            <a:lvl9pPr marL="3657600" indent="0">
+              <a:buNone/>
+              <a:defRPr sz="1600"/>
+            </a:lvl9pPr>
+          </a:lstStyle>
+          <a:p>
+            <a:r>
+              <a:rPr lang="en-US" smtClean="0"/>
+              <a:t>Click icon to add picture</a:t>
+            </a:r>
+            <a:endParaRPr lang="en-US" dirty="0"/>
+          </a:p>
+        </p:txBody>
+      </p:sp>
+      <p:sp>
+        <p:nvSpPr>
+          <p:cNvPr id="23" name="Text Placeholder 3"/>
+          <p:cNvSpPr>
+            <a:spLocks noGrp="1"/>
+          </p:cNvSpPr>
+          <p:nvPr>
+            <p:ph type="body" sz="half" idx="19"/>
+          </p:nvPr>
+        </p:nvSpPr>
+        <p:spPr>
+          <a:xfrm>
+            <a:off x="2916776" y="4827211"/>
+            <a:ext cx="2201378" cy="659189"/>
+          </a:xfrm>
+        </p:spPr>
+        <p:txBody>
+          <a:bodyPr anchor="t">
+            <a:normAutofit/>
+          </a:bodyPr>
+          <a:lstStyle>
+            <a:lvl1pPr marL="0" indent="0">
+              <a:buNone/>
+              <a:defRPr sz="1400"/>
+            </a:lvl1pPr>
+            <a:lvl2pPr marL="457200" indent="0">
+              <a:buNone/>
+              <a:defRPr sz="1200"/>
+            </a:lvl2pPr>
+            <a:lvl3pPr marL="914400" indent="0">
+              <a:buNone/>
+              <a:defRPr sz="1000"/>
+            </a:lvl3pPr>
+            <a:lvl4pPr marL="1371600" indent="0">
+              <a:buNone/>
+              <a:defRPr sz="900"/>
+            </a:lvl4pPr>
+            <a:lvl5pPr marL="1828800" indent="0">
+              <a:buNone/>
+              <a:defRPr sz="900"/>
+            </a:lvl5pPr>
+            <a:lvl6pPr marL="2286000" indent="0">
+              <a:buNone/>
+              <a:defRPr sz="900"/>
+            </a:lvl6pPr>
+            <a:lvl7pPr marL="2743200" indent="0">
+              <a:buNone/>
+              <a:defRPr sz="900"/>
+            </a:lvl7pPr>
+            <a:lvl8pPr marL="3200400" indent="0">
+              <a:buNone/>
+              <a:defRPr sz="900"/>
+            </a:lvl8pPr>
+            <a:lvl9pPr marL="3657600" indent="0">
+              <a:buNone/>
+              <a:defRPr sz="900"/>
+            </a:lvl9pPr>
+          </a:lstStyle>
+          <a:p>
+            <a:pPr lvl="0"/>
+            <a:r>
+              <a:rPr lang="en-US" smtClean="0"/>
+              <a:t>Click to edit Master text styles</a:t>
+            </a:r>
+          </a:p>
+        </p:txBody>
+      </p:sp>
+      <p:sp>
+        <p:nvSpPr>
+          <p:cNvPr id="14" name="Text Placeholder 4"/>
+          <p:cNvSpPr>
+            <a:spLocks noGrp="1"/>
+          </p:cNvSpPr>
+          <p:nvPr>
+            <p:ph type="body" sz="quarter" idx="13"/>
+          </p:nvPr>
+        </p:nvSpPr>
+        <p:spPr>
+          <a:xfrm>
+            <a:off x="5344917" y="4250949"/>
+            <a:ext cx="2199658" cy="576262"/>
+          </a:xfrm>
+        </p:spPr>
+        <p:txBody>
+          <a:bodyPr anchor="b">
+            <a:noAutofit/>
+          </a:bodyPr>
+          <a:lstStyle>
+            <a:lvl1pPr marL="0" indent="0">
+              <a:buNone/>
+              <a:defRPr sz="2400" b="0">
+                <a:solidFill>
+                  <a:schemeClr val="bg2">
+                    <a:lumMod val="40000"/>
+                    <a:lumOff val="60000"/>
+                  </a:schemeClr>
+                </a:solidFill>
+              </a:defRPr>
+            </a:lvl1pPr>
+            <a:lvl2pPr marL="457200" indent="0">
+              <a:buNone/>
+              <a:defRPr sz="2000" b="1"/>
+            </a:lvl2pPr>
+            <a:lvl3pPr marL="914400" indent="0">
+              <a:buNone/>
+              <a:defRPr sz="1800" b="1"/>
+            </a:lvl3pPr>
+            <a:lvl4pPr marL="1371600" indent="0">
+              <a:buNone/>
+              <a:defRPr sz="1600" b="1"/>
+            </a:lvl4pPr>
+            <a:lvl5pPr marL="1828800" indent="0">
+              <a:buNone/>
+              <a:defRPr sz="1600" b="1"/>
+            </a:lvl5pPr>
+            <a:lvl6pPr marL="2286000" indent="0">
+              <a:buNone/>
+              <a:defRPr sz="1600" b="1"/>
+            </a:lvl6pPr>
+            <a:lvl7pPr marL="2743200" indent="0">
+              <a:buNone/>
+              <a:defRPr sz="1600" b="1"/>
+            </a:lvl7pPr>
+            <a:lvl8pPr marL="3200400" indent="0">
+              <a:buNone/>
+              <a:defRPr sz="1600" b="1"/>
+            </a:lvl8pPr>
+            <a:lvl9pPr marL="3657600" indent="0">
+              <a:buNone/>
+              <a:defRPr sz="1600" b="1"/>
+            </a:lvl9pPr>
+          </a:lstStyle>
+          <a:p>
+            <a:pPr lvl="0"/>
+            <a:r>
+              <a:rPr lang="en-US" smtClean="0"/>
+              <a:t>Click to edit Master text styles</a:t>
+            </a:r>
+          </a:p>
+        </p:txBody>
+      </p:sp>
+      <p:sp>
+        <p:nvSpPr>
+          <p:cNvPr id="31" name="Picture Placeholder 2"/>
+          <p:cNvSpPr>
+            <a:spLocks noGrp="1" noChangeAspect="1"/>
+          </p:cNvSpPr>
+          <p:nvPr>
+            <p:ph type="pic" idx="22"/>
+          </p:nvPr>
+        </p:nvSpPr>
+        <p:spPr>
+          <a:xfrm>
+            <a:off x="5344916" y="2209800"/>
+            <a:ext cx="2199658" cy="1524000"/>
+          </a:xfrm>
+          <a:prstGeom prst="roundRect">
+            <a:avLst>
+              <a:gd name="adj" fmla="val 1858"/>
+            </a:avLst>
+          </a:prstGeom>
+          <a:effectLst>
+            <a:outerShdw blurRad="50800" dist="50800" dir="5400000" algn="tl" rotWithShape="0">
+              <a:srgbClr val="000000">
+                <a:alpha val="43000"/>
+              </a:srgbClr>
+            </a:outerShdw>
+          </a:effectLst>
+        </p:spPr>
+        <p:txBody>
+          <a:bodyPr anchor="t">
+            <a:normAutofit/>
+          </a:bodyPr>
+          <a:lstStyle>
+            <a:lvl1pPr marL="0" indent="0" algn="ctr">
+              <a:buNone/>
+              <a:defRPr sz="1600"/>
+            </a:lvl1pPr>
+            <a:lvl2pPr marL="457200" indent="0">
+              <a:buNone/>
+              <a:defRPr sz="1600"/>
+            </a:lvl2pPr>
+            <a:lvl3pPr marL="914400" indent="0">
+              <a:buNone/>
+              <a:defRPr sz="1600"/>
+            </a:lvl3pPr>
+            <a:lvl4pPr marL="1371600" indent="0">
+              <a:buNone/>
+              <a:defRPr sz="1600"/>
+            </a:lvl4pPr>
+            <a:lvl5pPr marL="1828800" indent="0">
+              <a:buNone/>
+              <a:defRPr sz="1600"/>
+            </a:lvl5pPr>
+            <a:lvl6pPr marL="2286000" indent="0">
+              <a:buNone/>
+              <a:defRPr sz="1600"/>
+            </a:lvl6pPr>
+            <a:lvl7pPr marL="2743200" indent="0">
+              <a:buNone/>
+              <a:defRPr sz="1600"/>
+            </a:lvl7pPr>
+            <a:lvl8pPr marL="3200400" indent="0">
+              <a:buNone/>
+              <a:defRPr sz="1600"/>
+            </a:lvl8pPr>
+            <a:lvl9pPr marL="3657600" indent="0">
+              <a:buNone/>
+              <a:defRPr sz="1600"/>
+            </a:lvl9pPr>
+          </a:lstStyle>
+          <a:p>
+            <a:r>
+              <a:rPr lang="en-US" smtClean="0"/>
+              <a:t>Click icon to add picture</a:t>
+            </a:r>
+            <a:endParaRPr lang="en-US" dirty="0"/>
+          </a:p>
+        </p:txBody>
+      </p:sp>
+      <p:sp>
+        <p:nvSpPr>
+          <p:cNvPr id="24" name="Text Placeholder 3"/>
+          <p:cNvSpPr>
+            <a:spLocks noGrp="1"/>
+          </p:cNvSpPr>
+          <p:nvPr>
+            <p:ph type="body" sz="half" idx="20"/>
+          </p:nvPr>
+        </p:nvSpPr>
+        <p:spPr>
+          <a:xfrm>
+            <a:off x="5344824" y="4827209"/>
+            <a:ext cx="2202571" cy="659189"/>
+          </a:xfrm>
+        </p:spPr>
+        <p:txBody>
+          <a:bodyPr anchor="t">
+            <a:normAutofit/>
+          </a:bodyPr>
+          <a:lstStyle>
+            <a:lvl1pPr marL="0" indent="0">
+              <a:buNone/>
+              <a:defRPr sz="1400"/>
+            </a:lvl1pPr>
+            <a:lvl2pPr marL="457200" indent="0">
+              <a:buNone/>
+              <a:defRPr sz="1200"/>
+            </a:lvl2pPr>
+            <a:lvl3pPr marL="914400" indent="0">
+              <a:buNone/>
+              <a:defRPr sz="1000"/>
+            </a:lvl3pPr>
+            <a:lvl4pPr marL="1371600" indent="0">
+              <a:buNone/>
+              <a:defRPr sz="900"/>
+            </a:lvl4pPr>
+            <a:lvl5pPr marL="1828800" indent="0">
+              <a:buNone/>
+              <a:defRPr sz="900"/>
+            </a:lvl5pPr>
+            <a:lvl6pPr marL="2286000" indent="0">
+              <a:buNone/>
+              <a:defRPr sz="900"/>
+            </a:lvl6pPr>
+            <a:lvl7pPr marL="2743200" indent="0">
+              <a:buNone/>
+              <a:defRPr sz="900"/>
+            </a:lvl7pPr>
+            <a:lvl8pPr marL="3200400" indent="0">
+              <a:buNone/>
+              <a:defRPr sz="900"/>
+            </a:lvl8pPr>
+            <a:lvl9pPr marL="3657600" indent="0">
+              <a:buNone/>
+              <a:defRPr sz="900"/>
+            </a:lvl9pPr>
+          </a:lstStyle>
+          <a:p>
+            <a:pPr lvl="0"/>
+            <a:r>
+              <a:rPr lang="en-US" smtClean="0"/>
+              <a:t>Click to edit Master text styles</a:t>
+            </a:r>
+          </a:p>
+        </p:txBody>
+      </p:sp>
+      <p:cxnSp>
+        <p:nvCxnSpPr>
+          <p:cNvPr id="19" name="Straight Connector 18"/>
+          <p:cNvCxnSpPr/>
+          <p:nvPr/>
+        </p:nvCxnSpPr>
+        <p:spPr>
+          <a:xfrm>
+            <a:off x="2795334" y="2133600"/>
+            <a:ext cx="0" cy="3962400"/>
+          </a:xfrm>
+          <a:prstGeom prst="line">
+            <a:avLst/>
+          </a:prstGeom>
+          <a:ln w="12700" cmpd="sng">
+            <a:solidFill>
+              <a:schemeClr val="bg2">
+                <a:lumMod val="40000"/>
+                <a:lumOff val="60000"/>
+                <a:alpha val="40000"/>
+              </a:schemeClr>
+            </a:solidFill>
+          </a:ln>
+        </p:spPr>
+        <p:style>
+          <a:lnRef idx="2">
+            <a:schemeClr val="accent1"/>
+          </a:lnRef>
+          <a:fillRef idx="0">
+            <a:schemeClr val="accent1"/>
+          </a:fillRef>
+          <a:effectRef idx="1">
+            <a:schemeClr val="accent1"/>
+          </a:effectRef>
+          <a:fontRef idx="minor">
+            <a:schemeClr val="tx1"/>
+          </a:fontRef>
+        </p:style>
+      </p:cxnSp>
+      <p:cxnSp>
+        <p:nvCxnSpPr>
+          <p:cNvPr id="20" name="Straight Connector 19"/>
+          <p:cNvCxnSpPr/>
+          <p:nvPr/>
+        </p:nvCxnSpPr>
+        <p:spPr>
+          <a:xfrm>
+            <a:off x="5223030" y="2133600"/>
+            <a:ext cx="0" cy="3966882"/>
+          </a:xfrm>
+          <a:prstGeom prst="line">
+            <a:avLst/>
+          </a:prstGeom>
+          <a:ln w="12700" cmpd="sng">
+            <a:solidFill>
+              <a:schemeClr val="bg2">
+                <a:lumMod val="40000"/>
+                <a:lumOff val="60000"/>
+                <a:alpha val="40000"/>
+              </a:schemeClr>
+            </a:solidFill>
+          </a:ln>
+        </p:spPr>
+        <p:style>
+          <a:lnRef idx="2">
+            <a:schemeClr val="accent1"/>
+          </a:lnRef>
+          <a:fillRef idx="0">
+            <a:schemeClr val="accent1"/>
+          </a:fillRef>
+          <a:effectRef idx="1">
+            <a:schemeClr val="accent1"/>
+          </a:effectRef>
+          <a:fontRef idx="minor">
+            <a:schemeClr val="tx1"/>
+          </a:fontRef>
+        </p:style>
+      </p:cxnSp>
+      <p:sp>
+        <p:nvSpPr>
+          <p:cNvPr id="7" name="Date Placeholder 3"/>
+          <p:cNvSpPr>
+            <a:spLocks noGrp="1"/>
+          </p:cNvSpPr>
+          <p:nvPr>
+            <p:ph type="dt" sz="half" idx="10"/>
+          </p:nvPr>
+        </p:nvSpPr>
+        <p:spPr/>
+        <p:txBody>
+          <a:bodyPr/>
+          <a:lstStyle/>
+          <a:p>
+            <a:pPr>
+              <a:defRPr/>
+            </a:pPr>
+            <a:fld id="{0A213037-694F-447B-A3BE-23F63DEEEAA7}" type="datetimeFigureOut">
+              <a:rPr lang="en-US" smtClean="0"/>
+              <a:pPr>
+                <a:defRPr/>
+              </a:pPr>
+              <a:t>6/19/2013</a:t>
+            </a:fld>
+            <a:endParaRPr lang="en-US"/>
+          </a:p>
+        </p:txBody>
+      </p:sp>
+      <p:sp>
+        <p:nvSpPr>
+          <p:cNvPr id="4" name="Footer Placeholder 4"/>
+          <p:cNvSpPr>
+            <a:spLocks noGrp="1"/>
+          </p:cNvSpPr>
+          <p:nvPr>
+            <p:ph type="ftr" sz="quarter" idx="11"/>
+          </p:nvPr>
+        </p:nvSpPr>
+        <p:spPr/>
+        <p:txBody>
+          <a:bodyPr/>
+          <a:lstStyle/>
+          <a:p>
+            <a:pPr>
+              <a:defRPr/>
+            </a:pPr>
+            <a:endParaRPr lang="en-US"/>
+          </a:p>
+        </p:txBody>
+      </p:sp>
+      <p:sp>
+        <p:nvSpPr>
+          <p:cNvPr id="6" name="Slide Number Placeholder 5"/>
+          <p:cNvSpPr>
+            <a:spLocks noGrp="1"/>
+          </p:cNvSpPr>
+          <p:nvPr>
+            <p:ph type="sldNum" sz="quarter" idx="12"/>
+          </p:nvPr>
+        </p:nvSpPr>
+        <p:spPr/>
+        <p:txBody>
+          <a:bodyPr/>
+          <a:lstStyle/>
+          <a:p>
+            <a:fld id="{6E4747A8-85DC-4456-A491-E7D9C98736A5}" type="slidenum">
+              <a:rPr lang="en-US" smtClean="0"/>
+              <a:pPr/>
+              <a:t>‹#›</a:t>
+            </a:fld>
+            <a:endParaRPr lang="en-US"/>
+          </a:p>
+        </p:txBody>
+      </p:sp>
+    </p:spTree>
+    <p:extLst>
+      <p:ext uri="{BB962C8B-B14F-4D97-AF65-F5344CB8AC3E}">
+        <p14:creationId xmlns:p14="http://schemas.microsoft.com/office/powerpoint/2010/main" val="1972353199"/>
+      </p:ext>
+    </p:extLst>
+  </p:cSld>
+  <p:clrMapOvr>
+    <a:masterClrMapping/>
+  </p:clrMapOvr>
+</p:sldLayout>
+</file>
+
+<file path=ppt/slideLayouts/slideLayout16.xml><?xml version="1.0" encoding="utf-8"?>
 <p:sldLayout xmlns:a="http://schemas.openxmlformats.org/drawingml/2006/main" xmlns:r="http://schemas.openxmlformats.org/officeDocument/2006/relationships" xmlns:p="http://schemas.openxmlformats.org/presentationml/2006/main" type="vertTx" preserve="1">
   <p:cSld name="Title and Vertical Text">
     <p:spTree>
@@ -1639,7 +4258,7 @@
               <a:rPr lang="en-US" smtClean="0"/>
               <a:t>Click to edit Master title style</a:t>
             </a:r>
-            <a:endParaRPr lang="en-US"/>
+            <a:endParaRPr lang="en-US" dirty="0"/>
           </a:p>
         </p:txBody>
       </p:sp>
@@ -1655,7 +4274,7 @@
         </p:nvSpPr>
         <p:spPr/>
         <p:txBody>
-          <a:bodyPr vert="eaVert"/>
+          <a:bodyPr vert="eaVert" anchor="t" anchorCtr="0"/>
           <a:lstStyle/>
           <a:p>
             <a:pPr lvl="0"/>
@@ -1691,7 +4310,7 @@
               <a:rPr lang="en-US" smtClean="0"/>
               <a:t>Fifth level</a:t>
             </a:r>
-            <a:endParaRPr lang="en-US"/>
+            <a:endParaRPr lang="en-US" dirty="0"/>
           </a:p>
         </p:txBody>
       </p:sp>
@@ -1708,21 +4327,17 @@
         <p:spPr/>
         <p:txBody>
           <a:bodyPr/>
-          <a:lstStyle>
-            <a:lvl1pPr>
-              <a:defRPr/>
-            </a:lvl1pPr>
-          </a:lstStyle>
+          <a:lstStyle/>
           <a:p>
             <a:pPr>
               <a:defRPr/>
             </a:pPr>
             <a:fld id="{F0E56FF7-B65A-4658-B4C2-1F8B7A7393E7}" type="datetimeFigureOut">
-              <a:rPr lang="en-US"/>
+              <a:rPr lang="en-US" smtClean="0"/>
               <a:pPr>
                 <a:defRPr/>
               </a:pPr>
-              <a:t>6/5/2013</a:t>
+              <a:t>6/19/2013</a:t>
             </a:fld>
             <a:endParaRPr lang="en-US"/>
           </a:p>
@@ -1741,11 +4356,7 @@
         <p:spPr/>
         <p:txBody>
           <a:bodyPr/>
-          <a:lstStyle>
-            <a:lvl1pPr>
-              <a:defRPr/>
-            </a:lvl1pPr>
-          </a:lstStyle>
+          <a:lstStyle/>
           <a:p>
             <a:pPr>
               <a:defRPr/>
@@ -1767,14 +4378,10 @@
         <p:spPr/>
         <p:txBody>
           <a:bodyPr/>
-          <a:lstStyle>
-            <a:lvl1pPr>
-              <a:defRPr/>
-            </a:lvl1pPr>
-          </a:lstStyle>
+          <a:lstStyle/>
           <a:p>
             <a:fld id="{EB51497A-BFDF-45CD-B6B8-22F7A5D94B4A}" type="slidenum">
-              <a:rPr lang="en-US"/>
+              <a:rPr lang="en-US" smtClean="0"/>
               <a:pPr/>
               <a:t>‹#›</a:t>
             </a:fld>
@@ -1785,7 +4392,7 @@
     </p:spTree>
     <p:extLst>
       <p:ext uri="{BB962C8B-B14F-4D97-AF65-F5344CB8AC3E}">
-        <p14:creationId xmlns:p14="http://schemas.microsoft.com/office/powerpoint/2010/main" val="1682249092"/>
+        <p14:creationId xmlns:p14="http://schemas.microsoft.com/office/powerpoint/2010/main" val="3423161525"/>
       </p:ext>
     </p:extLst>
   </p:cSld>
@@ -1795,7 +4402,7 @@
 </p:sldLayout>
 </file>
 
-<file path=ppt/slideLayouts/slideLayout11.xml><?xml version="1.0" encoding="utf-8"?>
+<file path=ppt/slideLayouts/slideLayout17.xml><?xml version="1.0" encoding="utf-8"?>
 <p:sldLayout xmlns:a="http://schemas.openxmlformats.org/drawingml/2006/main" xmlns:r="http://schemas.openxmlformats.org/officeDocument/2006/relationships" xmlns:p="http://schemas.openxmlformats.org/presentationml/2006/main" type="vertTitleAndTx" preserve="1">
   <p:cSld name="Vertical Title and Text">
     <p:spTree>
@@ -1824,107 +4431,103 @@
         </p:nvSpPr>
         <p:spPr>
           <a:xfrm>
-            <a:off x="6629400" y="274638"/>
-            <a:ext cx="2057400" cy="5851525"/>
+            <a:off x="6229782" y="430214"/>
+            <a:ext cx="1314793" cy="5826125"/>
           </a:xfrm>
         </p:spPr>
         <p:txBody>
+          <a:bodyPr vert="eaVert" anchor="b" anchorCtr="0"/>
+          <a:lstStyle/>
+          <a:p>
+            <a:r>
+              <a:rPr lang="en-US" smtClean="0"/>
+              <a:t>Click to edit Master title style</a:t>
+            </a:r>
+            <a:endParaRPr lang="en-US" dirty="0"/>
+          </a:p>
+        </p:txBody>
+      </p:sp>
+      <p:sp>
+        <p:nvSpPr>
+          <p:cNvPr id="3" name="Vertical Text Placeholder 2"/>
+          <p:cNvSpPr>
+            <a:spLocks noGrp="1"/>
+          </p:cNvSpPr>
+          <p:nvPr>
+            <p:ph type="body" orient="vert" idx="1"/>
+          </p:nvPr>
+        </p:nvSpPr>
+        <p:spPr>
+          <a:xfrm>
+            <a:off x="489475" y="773205"/>
+            <a:ext cx="5568812" cy="5483134"/>
+          </a:xfrm>
+        </p:spPr>
+        <p:txBody>
           <a:bodyPr vert="eaVert"/>
           <a:lstStyle/>
           <a:p>
-            <a:r>
-              <a:rPr lang="en-US" smtClean="0"/>
-              <a:t>Click to edit Master title style</a:t>
-            </a:r>
-            <a:endParaRPr lang="en-US"/>
-          </a:p>
-        </p:txBody>
-      </p:sp>
-      <p:sp>
-        <p:nvSpPr>
-          <p:cNvPr id="3" name="Vertical Text Placeholder 2"/>
-          <p:cNvSpPr>
-            <a:spLocks noGrp="1"/>
-          </p:cNvSpPr>
-          <p:nvPr>
-            <p:ph type="body" orient="vert" idx="1"/>
-          </p:nvPr>
-        </p:nvSpPr>
-        <p:spPr>
-          <a:xfrm>
-            <a:off x="457200" y="274638"/>
-            <a:ext cx="6019800" cy="5851525"/>
-          </a:xfrm>
-        </p:spPr>
-        <p:txBody>
-          <a:bodyPr vert="eaVert"/>
+            <a:pPr lvl="0"/>
+            <a:r>
+              <a:rPr lang="en-US" smtClean="0"/>
+              <a:t>Click to edit Master text styles</a:t>
+            </a:r>
+          </a:p>
+          <a:p>
+            <a:pPr lvl="1"/>
+            <a:r>
+              <a:rPr lang="en-US" smtClean="0"/>
+              <a:t>Second level</a:t>
+            </a:r>
+          </a:p>
+          <a:p>
+            <a:pPr lvl="2"/>
+            <a:r>
+              <a:rPr lang="en-US" smtClean="0"/>
+              <a:t>Third level</a:t>
+            </a:r>
+          </a:p>
+          <a:p>
+            <a:pPr lvl="3"/>
+            <a:r>
+              <a:rPr lang="en-US" smtClean="0"/>
+              <a:t>Fourth level</a:t>
+            </a:r>
+          </a:p>
+          <a:p>
+            <a:pPr lvl="4"/>
+            <a:r>
+              <a:rPr lang="en-US" smtClean="0"/>
+              <a:t>Fifth level</a:t>
+            </a:r>
+            <a:endParaRPr lang="en-US" dirty="0"/>
+          </a:p>
+        </p:txBody>
+      </p:sp>
+      <p:sp>
+        <p:nvSpPr>
+          <p:cNvPr id="4" name="Date Placeholder 3"/>
+          <p:cNvSpPr>
+            <a:spLocks noGrp="1"/>
+          </p:cNvSpPr>
+          <p:nvPr>
+            <p:ph type="dt" sz="half" idx="10"/>
+          </p:nvPr>
+        </p:nvSpPr>
+        <p:spPr/>
+        <p:txBody>
+          <a:bodyPr/>
           <a:lstStyle/>
-          <a:p>
-            <a:pPr lvl="0"/>
-            <a:r>
-              <a:rPr lang="en-US" smtClean="0"/>
-              <a:t>Click to edit Master text styles</a:t>
-            </a:r>
-          </a:p>
-          <a:p>
-            <a:pPr lvl="1"/>
-            <a:r>
-              <a:rPr lang="en-US" smtClean="0"/>
-              <a:t>Second level</a:t>
-            </a:r>
-          </a:p>
-          <a:p>
-            <a:pPr lvl="2"/>
-            <a:r>
-              <a:rPr lang="en-US" smtClean="0"/>
-              <a:t>Third level</a:t>
-            </a:r>
-          </a:p>
-          <a:p>
-            <a:pPr lvl="3"/>
-            <a:r>
-              <a:rPr lang="en-US" smtClean="0"/>
-              <a:t>Fourth level</a:t>
-            </a:r>
-          </a:p>
-          <a:p>
-            <a:pPr lvl="4"/>
-            <a:r>
-              <a:rPr lang="en-US" smtClean="0"/>
-              <a:t>Fifth level</a:t>
-            </a:r>
-            <a:endParaRPr lang="en-US"/>
-          </a:p>
-        </p:txBody>
-      </p:sp>
-      <p:sp>
-        <p:nvSpPr>
-          <p:cNvPr id="4" name="Date Placeholder 3"/>
-          <p:cNvSpPr>
-            <a:spLocks noGrp="1"/>
-          </p:cNvSpPr>
-          <p:nvPr>
-            <p:ph type="dt" sz="half" idx="10"/>
-          </p:nvPr>
-        </p:nvSpPr>
-        <p:spPr/>
-        <p:txBody>
-          <a:bodyPr/>
-          <a:lstStyle>
-            <a:lvl1pPr>
-              <a:defRPr/>
-            </a:lvl1pPr>
-          </a:lstStyle>
           <a:p>
             <a:pPr>
               <a:defRPr/>
             </a:pPr>
             <a:fld id="{0BC9FA92-A50A-4EFF-B3D2-5F7348C88AF0}" type="datetimeFigureOut">
-              <a:rPr lang="en-US"/>
+              <a:rPr lang="en-US" smtClean="0"/>
               <a:pPr>
                 <a:defRPr/>
               </a:pPr>
-              <a:t>6/5/2013</a:t>
+              <a:t>6/19/2013</a:t>
             </a:fld>
             <a:endParaRPr lang="en-US"/>
           </a:p>
@@ -1943,11 +4546,7 @@
         <p:spPr/>
         <p:txBody>
           <a:bodyPr/>
-          <a:lstStyle>
-            <a:lvl1pPr>
-              <a:defRPr/>
-            </a:lvl1pPr>
-          </a:lstStyle>
+          <a:lstStyle/>
           <a:p>
             <a:pPr>
               <a:defRPr/>
@@ -1969,14 +4568,10 @@
         <p:spPr/>
         <p:txBody>
           <a:bodyPr/>
-          <a:lstStyle>
-            <a:lvl1pPr>
-              <a:defRPr/>
-            </a:lvl1pPr>
-          </a:lstStyle>
+          <a:lstStyle/>
           <a:p>
             <a:fld id="{7BD40688-013C-41E4-8A67-D16979B5EFDD}" type="slidenum">
-              <a:rPr lang="en-US"/>
+              <a:rPr lang="en-US" smtClean="0"/>
               <a:pPr/>
               <a:t>‹#›</a:t>
             </a:fld>
@@ -1987,7 +4582,7 @@
     </p:spTree>
     <p:extLst>
       <p:ext uri="{BB962C8B-B14F-4D97-AF65-F5344CB8AC3E}">
-        <p14:creationId xmlns:p14="http://schemas.microsoft.com/office/powerpoint/2010/main" val="3518464504"/>
+        <p14:creationId xmlns:p14="http://schemas.microsoft.com/office/powerpoint/2010/main" val="2226294500"/>
       </p:ext>
     </p:extLst>
   </p:cSld>
@@ -2033,7 +4628,7 @@
               <a:rPr lang="en-US" smtClean="0"/>
               <a:t>Click to edit Master title style</a:t>
             </a:r>
-            <a:endParaRPr lang="en-US"/>
+            <a:endParaRPr lang="en-US" dirty="0"/>
           </a:p>
         </p:txBody>
       </p:sp>
@@ -2085,13 +4680,13 @@
               <a:rPr lang="en-US" smtClean="0"/>
               <a:t>Fifth level</a:t>
             </a:r>
-            <a:endParaRPr lang="en-US"/>
-          </a:p>
-        </p:txBody>
-      </p:sp>
-      <p:sp>
-        <p:nvSpPr>
-          <p:cNvPr id="4" name="Date Placeholder 3"/>
+            <a:endParaRPr lang="en-US" dirty="0"/>
+          </a:p>
+        </p:txBody>
+      </p:sp>
+      <p:sp>
+        <p:nvSpPr>
+          <p:cNvPr id="7" name="Date Placeholder 3"/>
           <p:cNvSpPr>
             <a:spLocks noGrp="1"/>
           </p:cNvSpPr>
@@ -2102,21 +4697,17 @@
         <p:spPr/>
         <p:txBody>
           <a:bodyPr/>
-          <a:lstStyle>
-            <a:lvl1pPr>
-              <a:defRPr/>
-            </a:lvl1pPr>
-          </a:lstStyle>
+          <a:lstStyle/>
           <a:p>
             <a:pPr>
               <a:defRPr/>
             </a:pPr>
             <a:fld id="{1714AFE7-0044-4D50-9680-1F8688024935}" type="datetimeFigureOut">
-              <a:rPr lang="en-US"/>
+              <a:rPr lang="en-US" smtClean="0"/>
               <a:pPr>
                 <a:defRPr/>
               </a:pPr>
-              <a:t>6/5/2013</a:t>
+              <a:t>6/19/2013</a:t>
             </a:fld>
             <a:endParaRPr lang="en-US"/>
           </a:p>
@@ -2135,11 +4726,7 @@
         <p:spPr/>
         <p:txBody>
           <a:bodyPr/>
-          <a:lstStyle>
-            <a:lvl1pPr>
-              <a:defRPr/>
-            </a:lvl1pPr>
-          </a:lstStyle>
+          <a:lstStyle/>
           <a:p>
             <a:pPr>
               <a:defRPr/>
@@ -2161,14 +4748,10 @@
         <p:spPr/>
         <p:txBody>
           <a:bodyPr/>
-          <a:lstStyle>
-            <a:lvl1pPr>
-              <a:defRPr/>
-            </a:lvl1pPr>
-          </a:lstStyle>
+          <a:lstStyle/>
           <a:p>
             <a:fld id="{2B988098-5649-41C5-85E8-1E71477A47BA}" type="slidenum">
-              <a:rPr lang="en-US"/>
+              <a:rPr lang="en-US" smtClean="0"/>
               <a:pPr/>
               <a:t>‹#›</a:t>
             </a:fld>
@@ -2179,7 +4762,7 @@
     </p:spTree>
     <p:extLst>
       <p:ext uri="{BB962C8B-B14F-4D97-AF65-F5344CB8AC3E}">
-        <p14:creationId xmlns:p14="http://schemas.microsoft.com/office/powerpoint/2010/main" val="2581502090"/>
+        <p14:creationId xmlns:p14="http://schemas.microsoft.com/office/powerpoint/2010/main" val="253107420"/>
       </p:ext>
     </p:extLst>
   </p:cSld>
@@ -2218,51 +4801,52 @@
         </p:nvSpPr>
         <p:spPr>
           <a:xfrm>
-            <a:off x="722313" y="4406900"/>
-            <a:ext cx="7772400" cy="1362075"/>
+            <a:off x="866443" y="2861734"/>
+            <a:ext cx="6620967" cy="1915647"/>
           </a:xfrm>
         </p:spPr>
         <p:txBody>
+          <a:bodyPr anchor="b"/>
+          <a:lstStyle>
+            <a:lvl1pPr algn="l">
+              <a:defRPr sz="4000" b="0" cap="none"/>
+            </a:lvl1pPr>
+          </a:lstStyle>
+          <a:p>
+            <a:r>
+              <a:rPr lang="en-US" smtClean="0"/>
+              <a:t>Click to edit Master title style</a:t>
+            </a:r>
+            <a:endParaRPr lang="en-US" dirty="0"/>
+          </a:p>
+        </p:txBody>
+      </p:sp>
+      <p:sp>
+        <p:nvSpPr>
+          <p:cNvPr id="3" name="Text Placeholder 2"/>
+          <p:cNvSpPr>
+            <a:spLocks noGrp="1"/>
+          </p:cNvSpPr>
+          <p:nvPr>
+            <p:ph type="body" idx="1"/>
+          </p:nvPr>
+        </p:nvSpPr>
+        <p:spPr>
+          <a:xfrm>
+            <a:off x="866442" y="4777381"/>
+            <a:ext cx="6620968" cy="860400"/>
+          </a:xfrm>
+        </p:spPr>
+        <p:txBody>
           <a:bodyPr anchor="t"/>
           <a:lstStyle>
-            <a:lvl1pPr algn="l">
-              <a:defRPr sz="4000" b="1" cap="all"/>
-            </a:lvl1pPr>
-          </a:lstStyle>
-          <a:p>
-            <a:r>
-              <a:rPr lang="en-US" smtClean="0"/>
-              <a:t>Click to edit Master title style</a:t>
-            </a:r>
-            <a:endParaRPr lang="en-US"/>
-          </a:p>
-        </p:txBody>
-      </p:sp>
-      <p:sp>
-        <p:nvSpPr>
-          <p:cNvPr id="3" name="Text Placeholder 2"/>
-          <p:cNvSpPr>
-            <a:spLocks noGrp="1"/>
-          </p:cNvSpPr>
-          <p:nvPr>
-            <p:ph type="body" idx="1"/>
-          </p:nvPr>
-        </p:nvSpPr>
-        <p:spPr>
-          <a:xfrm>
-            <a:off x="722313" y="2906713"/>
-            <a:ext cx="7772400" cy="1500187"/>
-          </a:xfrm>
-        </p:spPr>
-        <p:txBody>
-          <a:bodyPr anchor="b"/>
-          <a:lstStyle>
-            <a:lvl1pPr marL="0" indent="0">
-              <a:buNone/>
-              <a:defRPr sz="2000">
+            <a:lvl1pPr marL="0" indent="0" algn="l">
+              <a:buNone/>
+              <a:defRPr sz="2000" cap="all">
                 <a:solidFill>
-                  <a:schemeClr val="tx1">
-                    <a:tint val="75000"/>
+                  <a:schemeClr val="bg2">
+                    <a:lumMod val="40000"/>
+                    <a:lumOff val="60000"/>
                   </a:schemeClr>
                 </a:solidFill>
               </a:defRPr>
@@ -2370,21 +4954,17 @@
         <p:spPr/>
         <p:txBody>
           <a:bodyPr/>
-          <a:lstStyle>
-            <a:lvl1pPr>
-              <a:defRPr/>
-            </a:lvl1pPr>
-          </a:lstStyle>
+          <a:lstStyle/>
           <a:p>
             <a:pPr>
               <a:defRPr/>
             </a:pPr>
             <a:fld id="{3529A072-81DE-4F19-AA71-B5C903DDAD00}" type="datetimeFigureOut">
-              <a:rPr lang="en-US"/>
+              <a:rPr lang="en-US" smtClean="0"/>
               <a:pPr>
                 <a:defRPr/>
               </a:pPr>
-              <a:t>6/5/2013</a:t>
+              <a:t>6/19/2013</a:t>
             </a:fld>
             <a:endParaRPr lang="en-US"/>
           </a:p>
@@ -2403,11 +4983,7 @@
         <p:spPr/>
         <p:txBody>
           <a:bodyPr/>
-          <a:lstStyle>
-            <a:lvl1pPr>
-              <a:defRPr/>
-            </a:lvl1pPr>
-          </a:lstStyle>
+          <a:lstStyle/>
           <a:p>
             <a:pPr>
               <a:defRPr/>
@@ -2429,14 +5005,10 @@
         <p:spPr/>
         <p:txBody>
           <a:bodyPr/>
-          <a:lstStyle>
-            <a:lvl1pPr>
-              <a:defRPr/>
-            </a:lvl1pPr>
-          </a:lstStyle>
+          <a:lstStyle/>
           <a:p>
             <a:fld id="{738D58E4-4515-41E4-A536-A872408309BD}" type="slidenum">
-              <a:rPr lang="en-US"/>
+              <a:rPr lang="en-US" smtClean="0"/>
               <a:pPr/>
               <a:t>‹#›</a:t>
             </a:fld>
@@ -2447,7 +5019,7 @@
     </p:spTree>
     <p:extLst>
       <p:ext uri="{BB962C8B-B14F-4D97-AF65-F5344CB8AC3E}">
-        <p14:creationId xmlns:p14="http://schemas.microsoft.com/office/powerpoint/2010/main" val="1478108521"/>
+        <p14:creationId xmlns:p14="http://schemas.microsoft.com/office/powerpoint/2010/main" val="62455549"/>
       </p:ext>
     </p:extLst>
   </p:cSld>
@@ -2493,7 +5065,7 @@
               <a:rPr lang="en-US" smtClean="0"/>
               <a:t>Click to edit Master title style</a:t>
             </a:r>
-            <a:endParaRPr lang="en-US"/>
+            <a:endParaRPr lang="en-US" dirty="0"/>
           </a:p>
         </p:txBody>
       </p:sp>
@@ -2509,39 +5081,41 @@
         </p:nvSpPr>
         <p:spPr>
           <a:xfrm>
-            <a:off x="457200" y="1600200"/>
-            <a:ext cx="4038600" cy="4525963"/>
+            <a:off x="827700" y="2060576"/>
+            <a:ext cx="3298113" cy="4195763"/>
           </a:xfrm>
         </p:spPr>
         <p:txBody>
-          <a:bodyPr/>
+          <a:bodyPr>
+            <a:normAutofit/>
+          </a:bodyPr>
           <a:lstStyle>
             <a:lvl1pPr>
-              <a:defRPr sz="2800"/>
+              <a:defRPr sz="1800"/>
             </a:lvl1pPr>
             <a:lvl2pPr>
-              <a:defRPr sz="2400"/>
+              <a:defRPr sz="1600"/>
             </a:lvl2pPr>
             <a:lvl3pPr>
-              <a:defRPr sz="2000"/>
+              <a:defRPr sz="1400"/>
             </a:lvl3pPr>
             <a:lvl4pPr>
-              <a:defRPr sz="1800"/>
+              <a:defRPr sz="1200"/>
             </a:lvl4pPr>
             <a:lvl5pPr>
-              <a:defRPr sz="1800"/>
+              <a:defRPr sz="1200"/>
             </a:lvl5pPr>
             <a:lvl6pPr>
-              <a:defRPr sz="1800"/>
+              <a:defRPr sz="1200"/>
             </a:lvl6pPr>
             <a:lvl7pPr>
-              <a:defRPr sz="1800"/>
+              <a:defRPr sz="1200"/>
             </a:lvl7pPr>
             <a:lvl8pPr>
-              <a:defRPr sz="1800"/>
+              <a:defRPr sz="1200"/>
             </a:lvl8pPr>
             <a:lvl9pPr>
-              <a:defRPr sz="1800"/>
+              <a:defRPr sz="1200"/>
             </a:lvl9pPr>
           </a:lstStyle>
           <a:p>
@@ -2578,7 +5152,7 @@
               <a:rPr lang="en-US" smtClean="0"/>
               <a:t>Fifth level</a:t>
             </a:r>
-            <a:endParaRPr lang="en-US"/>
+            <a:endParaRPr lang="en-US" dirty="0"/>
           </a:p>
         </p:txBody>
       </p:sp>
@@ -2594,39 +5168,41 @@
         </p:nvSpPr>
         <p:spPr>
           <a:xfrm>
-            <a:off x="4648200" y="1600200"/>
-            <a:ext cx="4038600" cy="4525963"/>
+            <a:off x="4241975" y="2056093"/>
+            <a:ext cx="3298115" cy="4200245"/>
           </a:xfrm>
         </p:spPr>
         <p:txBody>
-          <a:bodyPr/>
+          <a:bodyPr>
+            <a:normAutofit/>
+          </a:bodyPr>
           <a:lstStyle>
             <a:lvl1pPr>
-              <a:defRPr sz="2800"/>
+              <a:defRPr sz="1800"/>
             </a:lvl1pPr>
             <a:lvl2pPr>
-              <a:defRPr sz="2400"/>
+              <a:defRPr sz="1600"/>
             </a:lvl2pPr>
             <a:lvl3pPr>
-              <a:defRPr sz="2000"/>
+              <a:defRPr sz="1400"/>
             </a:lvl3pPr>
             <a:lvl4pPr>
-              <a:defRPr sz="1800"/>
+              <a:defRPr sz="1200"/>
             </a:lvl4pPr>
             <a:lvl5pPr>
-              <a:defRPr sz="1800"/>
+              <a:defRPr sz="1200"/>
             </a:lvl5pPr>
             <a:lvl6pPr>
-              <a:defRPr sz="1800"/>
+              <a:defRPr sz="1200"/>
             </a:lvl6pPr>
             <a:lvl7pPr>
-              <a:defRPr sz="1800"/>
+              <a:defRPr sz="1200"/>
             </a:lvl7pPr>
             <a:lvl8pPr>
-              <a:defRPr sz="1800"/>
+              <a:defRPr sz="1200"/>
             </a:lvl8pPr>
             <a:lvl9pPr>
-              <a:defRPr sz="1800"/>
+              <a:defRPr sz="1200"/>
             </a:lvl9pPr>
           </a:lstStyle>
           <a:p>
@@ -2663,13 +5239,13 @@
               <a:rPr lang="en-US" smtClean="0"/>
               <a:t>Fifth level</a:t>
             </a:r>
-            <a:endParaRPr lang="en-US"/>
-          </a:p>
-        </p:txBody>
-      </p:sp>
-      <p:sp>
-        <p:nvSpPr>
-          <p:cNvPr id="5" name="Date Placeholder 3"/>
+            <a:endParaRPr lang="en-US" dirty="0"/>
+          </a:p>
+        </p:txBody>
+      </p:sp>
+      <p:sp>
+        <p:nvSpPr>
+          <p:cNvPr id="5" name="Date Placeholder 4"/>
           <p:cNvSpPr>
             <a:spLocks noGrp="1"/>
           </p:cNvSpPr>
@@ -2680,21 +5256,17 @@
         <p:spPr/>
         <p:txBody>
           <a:bodyPr/>
-          <a:lstStyle>
-            <a:lvl1pPr>
-              <a:defRPr/>
-            </a:lvl1pPr>
-          </a:lstStyle>
+          <a:lstStyle/>
           <a:p>
             <a:pPr>
               <a:defRPr/>
             </a:pPr>
             <a:fld id="{87CEBF7B-848E-40EF-BF15-FC89EC3AD6B1}" type="datetimeFigureOut">
-              <a:rPr lang="en-US"/>
+              <a:rPr lang="en-US" smtClean="0"/>
               <a:pPr>
                 <a:defRPr/>
               </a:pPr>
-              <a:t>6/5/2013</a:t>
+              <a:t>6/19/2013</a:t>
             </a:fld>
             <a:endParaRPr lang="en-US"/>
           </a:p>
@@ -2702,7 +5274,7 @@
       </p:sp>
       <p:sp>
         <p:nvSpPr>
-          <p:cNvPr id="6" name="Footer Placeholder 4"/>
+          <p:cNvPr id="6" name="Footer Placeholder 5"/>
           <p:cNvSpPr>
             <a:spLocks noGrp="1"/>
           </p:cNvSpPr>
@@ -2713,11 +5285,7 @@
         <p:spPr/>
         <p:txBody>
           <a:bodyPr/>
-          <a:lstStyle>
-            <a:lvl1pPr>
-              <a:defRPr/>
-            </a:lvl1pPr>
-          </a:lstStyle>
+          <a:lstStyle/>
           <a:p>
             <a:pPr>
               <a:defRPr/>
@@ -2728,7 +5296,7 @@
       </p:sp>
       <p:sp>
         <p:nvSpPr>
-          <p:cNvPr id="7" name="Slide Number Placeholder 5"/>
+          <p:cNvPr id="7" name="Slide Number Placeholder 6"/>
           <p:cNvSpPr>
             <a:spLocks noGrp="1"/>
           </p:cNvSpPr>
@@ -2739,14 +5307,10 @@
         <p:spPr/>
         <p:txBody>
           <a:bodyPr/>
-          <a:lstStyle>
-            <a:lvl1pPr>
-              <a:defRPr/>
-            </a:lvl1pPr>
-          </a:lstStyle>
+          <a:lstStyle/>
           <a:p>
             <a:fld id="{FDB54EF1-F019-4528-A4A9-0C3AB0FF94D3}" type="slidenum">
-              <a:rPr lang="en-US"/>
+              <a:rPr lang="en-US" smtClean="0"/>
               <a:pPr/>
               <a:t>‹#›</a:t>
             </a:fld>
@@ -2757,7 +5321,7 @@
     </p:spTree>
     <p:extLst>
       <p:ext uri="{BB962C8B-B14F-4D97-AF65-F5344CB8AC3E}">
-        <p14:creationId xmlns:p14="http://schemas.microsoft.com/office/powerpoint/2010/main" val="2797233335"/>
+        <p14:creationId xmlns:p14="http://schemas.microsoft.com/office/powerpoint/2010/main" val="1412868901"/>
       </p:ext>
     </p:extLst>
   </p:cSld>
@@ -2807,7 +5371,7 @@
               <a:rPr lang="en-US" smtClean="0"/>
               <a:t>Click to edit Master title style</a:t>
             </a:r>
-            <a:endParaRPr lang="en-US"/>
+            <a:endParaRPr lang="en-US" dirty="0"/>
           </a:p>
         </p:txBody>
       </p:sp>
@@ -2823,16 +5387,25 @@
         </p:nvSpPr>
         <p:spPr>
           <a:xfrm>
-            <a:off x="457200" y="1535113"/>
-            <a:ext cx="4040188" cy="639762"/>
+            <a:off x="827700" y="1905000"/>
+            <a:ext cx="3298112" cy="576262"/>
           </a:xfrm>
         </p:spPr>
         <p:txBody>
-          <a:bodyPr anchor="b"/>
+          <a:bodyPr anchor="b">
+            <a:noAutofit/>
+          </a:bodyPr>
           <a:lstStyle>
             <a:lvl1pPr marL="0" indent="0">
               <a:buNone/>
-              <a:defRPr sz="2400" b="1"/>
+              <a:defRPr sz="2400" b="0">
+                <a:solidFill>
+                  <a:schemeClr val="bg2">
+                    <a:lumMod val="40000"/>
+                    <a:lumOff val="60000"/>
+                  </a:schemeClr>
+                </a:solidFill>
+              </a:defRPr>
             </a:lvl1pPr>
             <a:lvl2pPr marL="457200" indent="0">
               <a:buNone/>
@@ -2888,39 +5461,41 @@
         </p:nvSpPr>
         <p:spPr>
           <a:xfrm>
-            <a:off x="457200" y="2174875"/>
-            <a:ext cx="4040188" cy="3951288"/>
+            <a:off x="827700" y="2514600"/>
+            <a:ext cx="3298113" cy="3741738"/>
           </a:xfrm>
         </p:spPr>
         <p:txBody>
-          <a:bodyPr/>
+          <a:bodyPr>
+            <a:normAutofit/>
+          </a:bodyPr>
           <a:lstStyle>
             <a:lvl1pPr>
-              <a:defRPr sz="2400"/>
+              <a:defRPr sz="1800"/>
             </a:lvl1pPr>
             <a:lvl2pPr>
-              <a:defRPr sz="2000"/>
+              <a:defRPr sz="1600"/>
             </a:lvl2pPr>
             <a:lvl3pPr>
-              <a:defRPr sz="1800"/>
+              <a:defRPr sz="1400"/>
             </a:lvl3pPr>
             <a:lvl4pPr>
-              <a:defRPr sz="1600"/>
+              <a:defRPr sz="1200"/>
             </a:lvl4pPr>
             <a:lvl5pPr>
-              <a:defRPr sz="1600"/>
+              <a:defRPr sz="1200"/>
             </a:lvl5pPr>
             <a:lvl6pPr>
-              <a:defRPr sz="1600"/>
+              <a:defRPr sz="1200"/>
             </a:lvl6pPr>
             <a:lvl7pPr>
-              <a:defRPr sz="1600"/>
+              <a:defRPr sz="1200"/>
             </a:lvl7pPr>
             <a:lvl8pPr>
-              <a:defRPr sz="1600"/>
+              <a:defRPr sz="1200"/>
             </a:lvl8pPr>
             <a:lvl9pPr>
-              <a:defRPr sz="1600"/>
+              <a:defRPr sz="1200"/>
             </a:lvl9pPr>
           </a:lstStyle>
           <a:p>
@@ -2957,7 +5532,7 @@
               <a:rPr lang="en-US" smtClean="0"/>
               <a:t>Fifth level</a:t>
             </a:r>
-            <a:endParaRPr lang="en-US"/>
+            <a:endParaRPr lang="en-US" dirty="0"/>
           </a:p>
         </p:txBody>
       </p:sp>
@@ -2973,16 +5548,25 @@
         </p:nvSpPr>
         <p:spPr>
           <a:xfrm>
-            <a:off x="4645025" y="1535113"/>
-            <a:ext cx="4041775" cy="639762"/>
+            <a:off x="4241976" y="1905000"/>
+            <a:ext cx="3298113" cy="576262"/>
           </a:xfrm>
         </p:spPr>
         <p:txBody>
-          <a:bodyPr anchor="b"/>
+          <a:bodyPr anchor="b">
+            <a:noAutofit/>
+          </a:bodyPr>
           <a:lstStyle>
             <a:lvl1pPr marL="0" indent="0">
               <a:buNone/>
-              <a:defRPr sz="2400" b="1"/>
+              <a:defRPr sz="2400" b="0">
+                <a:solidFill>
+                  <a:schemeClr val="bg2">
+                    <a:lumMod val="40000"/>
+                    <a:lumOff val="60000"/>
+                  </a:schemeClr>
+                </a:solidFill>
+              </a:defRPr>
             </a:lvl1pPr>
             <a:lvl2pPr marL="457200" indent="0">
               <a:buNone/>
@@ -3038,39 +5622,41 @@
         </p:nvSpPr>
         <p:spPr>
           <a:xfrm>
-            <a:off x="4645025" y="2174875"/>
-            <a:ext cx="4041775" cy="3951288"/>
+            <a:off x="4241976" y="2514600"/>
+            <a:ext cx="3298113" cy="3741738"/>
           </a:xfrm>
         </p:spPr>
         <p:txBody>
-          <a:bodyPr/>
+          <a:bodyPr>
+            <a:normAutofit/>
+          </a:bodyPr>
           <a:lstStyle>
             <a:lvl1pPr>
-              <a:defRPr sz="2400"/>
+              <a:defRPr sz="1800"/>
             </a:lvl1pPr>
             <a:lvl2pPr>
-              <a:defRPr sz="2000"/>
+              <a:defRPr sz="1600"/>
             </a:lvl2pPr>
             <a:lvl3pPr>
-              <a:defRPr sz="1800"/>
+              <a:defRPr sz="1400"/>
             </a:lvl3pPr>
             <a:lvl4pPr>
-              <a:defRPr sz="1600"/>
+              <a:defRPr sz="1200"/>
             </a:lvl4pPr>
             <a:lvl5pPr>
-              <a:defRPr sz="1600"/>
+              <a:defRPr sz="1200"/>
             </a:lvl5pPr>
             <a:lvl6pPr>
-              <a:defRPr sz="1600"/>
+              <a:defRPr sz="1200"/>
             </a:lvl6pPr>
             <a:lvl7pPr>
-              <a:defRPr sz="1600"/>
+              <a:defRPr sz="1200"/>
             </a:lvl7pPr>
             <a:lvl8pPr>
-              <a:defRPr sz="1600"/>
+              <a:defRPr sz="1200"/>
             </a:lvl8pPr>
             <a:lvl9pPr>
-              <a:defRPr sz="1600"/>
+              <a:defRPr sz="1200"/>
             </a:lvl9pPr>
           </a:lstStyle>
           <a:p>
@@ -3107,13 +5693,13 @@
               <a:rPr lang="en-US" smtClean="0"/>
               <a:t>Fifth level</a:t>
             </a:r>
-            <a:endParaRPr lang="en-US"/>
-          </a:p>
-        </p:txBody>
-      </p:sp>
-      <p:sp>
-        <p:nvSpPr>
-          <p:cNvPr id="7" name="Date Placeholder 3"/>
+            <a:endParaRPr lang="en-US" dirty="0"/>
+          </a:p>
+        </p:txBody>
+      </p:sp>
+      <p:sp>
+        <p:nvSpPr>
+          <p:cNvPr id="7" name="Date Placeholder 6"/>
           <p:cNvSpPr>
             <a:spLocks noGrp="1"/>
           </p:cNvSpPr>
@@ -3124,21 +5710,17 @@
         <p:spPr/>
         <p:txBody>
           <a:bodyPr/>
-          <a:lstStyle>
-            <a:lvl1pPr>
-              <a:defRPr/>
-            </a:lvl1pPr>
-          </a:lstStyle>
+          <a:lstStyle/>
           <a:p>
             <a:pPr>
               <a:defRPr/>
             </a:pPr>
             <a:fld id="{D7F61BB3-CF01-473A-8503-7E997EA8C05B}" type="datetimeFigureOut">
-              <a:rPr lang="en-US"/>
+              <a:rPr lang="en-US" smtClean="0"/>
               <a:pPr>
                 <a:defRPr/>
               </a:pPr>
-              <a:t>6/5/2013</a:t>
+              <a:t>6/19/2013</a:t>
             </a:fld>
             <a:endParaRPr lang="en-US"/>
           </a:p>
@@ -3146,7 +5728,7 @@
       </p:sp>
       <p:sp>
         <p:nvSpPr>
-          <p:cNvPr id="8" name="Footer Placeholder 4"/>
+          <p:cNvPr id="8" name="Footer Placeholder 7"/>
           <p:cNvSpPr>
             <a:spLocks noGrp="1"/>
           </p:cNvSpPr>
@@ -3157,11 +5739,7 @@
         <p:spPr/>
         <p:txBody>
           <a:bodyPr/>
-          <a:lstStyle>
-            <a:lvl1pPr>
-              <a:defRPr/>
-            </a:lvl1pPr>
-          </a:lstStyle>
+          <a:lstStyle/>
           <a:p>
             <a:pPr>
               <a:defRPr/>
@@ -3172,7 +5750,7 @@
       </p:sp>
       <p:sp>
         <p:nvSpPr>
-          <p:cNvPr id="9" name="Slide Number Placeholder 5"/>
+          <p:cNvPr id="9" name="Slide Number Placeholder 8"/>
           <p:cNvSpPr>
             <a:spLocks noGrp="1"/>
           </p:cNvSpPr>
@@ -3183,14 +5761,10 @@
         <p:spPr/>
         <p:txBody>
           <a:bodyPr/>
-          <a:lstStyle>
-            <a:lvl1pPr>
-              <a:defRPr/>
-            </a:lvl1pPr>
-          </a:lstStyle>
+          <a:lstStyle/>
           <a:p>
             <a:fld id="{496ABC47-21C0-424C-A93B-5C97CB10EAFA}" type="slidenum">
-              <a:rPr lang="en-US"/>
+              <a:rPr lang="en-US" smtClean="0"/>
               <a:pPr/>
               <a:t>‹#›</a:t>
             </a:fld>
@@ -3201,7 +5775,7 @@
     </p:spTree>
     <p:extLst>
       <p:ext uri="{BB962C8B-B14F-4D97-AF65-F5344CB8AC3E}">
-        <p14:creationId xmlns:p14="http://schemas.microsoft.com/office/powerpoint/2010/main" val="1349485441"/>
+        <p14:creationId xmlns:p14="http://schemas.microsoft.com/office/powerpoint/2010/main" val="3807701974"/>
       </p:ext>
     </p:extLst>
   </p:cSld>
@@ -3247,13 +5821,13 @@
               <a:rPr lang="en-US" smtClean="0"/>
               <a:t>Click to edit Master title style</a:t>
             </a:r>
-            <a:endParaRPr lang="en-US"/>
-          </a:p>
-        </p:txBody>
-      </p:sp>
-      <p:sp>
-        <p:nvSpPr>
-          <p:cNvPr id="3" name="Date Placeholder 3"/>
+            <a:endParaRPr lang="en-US" dirty="0"/>
+          </a:p>
+        </p:txBody>
+      </p:sp>
+      <p:sp>
+        <p:nvSpPr>
+          <p:cNvPr id="7" name="Date Placeholder 2"/>
           <p:cNvSpPr>
             <a:spLocks noGrp="1"/>
           </p:cNvSpPr>
@@ -3264,21 +5838,17 @@
         <p:spPr/>
         <p:txBody>
           <a:bodyPr/>
-          <a:lstStyle>
-            <a:lvl1pPr>
-              <a:defRPr/>
-            </a:lvl1pPr>
-          </a:lstStyle>
+          <a:lstStyle/>
           <a:p>
             <a:pPr>
               <a:defRPr/>
             </a:pPr>
             <a:fld id="{B61ACC9D-1E70-4105-9121-461BDC8F1571}" type="datetimeFigureOut">
-              <a:rPr lang="en-US"/>
+              <a:rPr lang="en-US" smtClean="0"/>
               <a:pPr>
                 <a:defRPr/>
               </a:pPr>
-              <a:t>6/5/2013</a:t>
+              <a:t>6/19/2013</a:t>
             </a:fld>
             <a:endParaRPr lang="en-US"/>
           </a:p>
@@ -3286,7 +5856,7 @@
       </p:sp>
       <p:sp>
         <p:nvSpPr>
-          <p:cNvPr id="4" name="Footer Placeholder 4"/>
+          <p:cNvPr id="5" name="Footer Placeholder 3"/>
           <p:cNvSpPr>
             <a:spLocks noGrp="1"/>
           </p:cNvSpPr>
@@ -3297,11 +5867,7 @@
         <p:spPr/>
         <p:txBody>
           <a:bodyPr/>
-          <a:lstStyle>
-            <a:lvl1pPr>
-              <a:defRPr/>
-            </a:lvl1pPr>
-          </a:lstStyle>
+          <a:lstStyle/>
           <a:p>
             <a:pPr>
               <a:defRPr/>
@@ -3312,7 +5878,7 @@
       </p:sp>
       <p:sp>
         <p:nvSpPr>
-          <p:cNvPr id="5" name="Slide Number Placeholder 5"/>
+          <p:cNvPr id="6" name="Slide Number Placeholder 4"/>
           <p:cNvSpPr>
             <a:spLocks noGrp="1"/>
           </p:cNvSpPr>
@@ -3323,14 +5889,10 @@
         <p:spPr/>
         <p:txBody>
           <a:bodyPr/>
-          <a:lstStyle>
-            <a:lvl1pPr>
-              <a:defRPr/>
-            </a:lvl1pPr>
-          </a:lstStyle>
+          <a:lstStyle/>
           <a:p>
             <a:fld id="{76158A22-AD47-4B71-A888-D83FC3EB478E}" type="slidenum">
-              <a:rPr lang="en-US"/>
+              <a:rPr lang="en-US" smtClean="0"/>
               <a:pPr/>
               <a:t>‹#›</a:t>
             </a:fld>
@@ -3341,7 +5903,7 @@
     </p:spTree>
     <p:extLst>
       <p:ext uri="{BB962C8B-B14F-4D97-AF65-F5344CB8AC3E}">
-        <p14:creationId xmlns:p14="http://schemas.microsoft.com/office/powerpoint/2010/main" val="1431277641"/>
+        <p14:creationId xmlns:p14="http://schemas.microsoft.com/office/powerpoint/2010/main" val="995852586"/>
       </p:ext>
     </p:extLst>
   </p:cSld>
@@ -3370,7 +5932,7 @@
       </p:grpSpPr>
       <p:sp>
         <p:nvSpPr>
-          <p:cNvPr id="2" name="Date Placeholder 3"/>
+          <p:cNvPr id="7" name="Date Placeholder 1"/>
           <p:cNvSpPr>
             <a:spLocks noGrp="1"/>
           </p:cNvSpPr>
@@ -3381,21 +5943,17 @@
         <p:spPr/>
         <p:txBody>
           <a:bodyPr/>
-          <a:lstStyle>
-            <a:lvl1pPr>
-              <a:defRPr/>
-            </a:lvl1pPr>
-          </a:lstStyle>
+          <a:lstStyle/>
           <a:p>
             <a:pPr>
               <a:defRPr/>
             </a:pPr>
             <a:fld id="{C189BC6E-BCFE-4C2E-9EC2-84A87479A859}" type="datetimeFigureOut">
-              <a:rPr lang="en-US"/>
+              <a:rPr lang="en-US" smtClean="0"/>
               <a:pPr>
                 <a:defRPr/>
               </a:pPr>
-              <a:t>6/5/2013</a:t>
+              <a:t>6/19/2013</a:t>
             </a:fld>
             <a:endParaRPr lang="en-US"/>
           </a:p>
@@ -3403,7 +5961,7 @@
       </p:sp>
       <p:sp>
         <p:nvSpPr>
-          <p:cNvPr id="3" name="Footer Placeholder 4"/>
+          <p:cNvPr id="5" name="Footer Placeholder 2"/>
           <p:cNvSpPr>
             <a:spLocks noGrp="1"/>
           </p:cNvSpPr>
@@ -3414,11 +5972,7 @@
         <p:spPr/>
         <p:txBody>
           <a:bodyPr/>
-          <a:lstStyle>
-            <a:lvl1pPr>
-              <a:defRPr/>
-            </a:lvl1pPr>
-          </a:lstStyle>
+          <a:lstStyle/>
           <a:p>
             <a:pPr>
               <a:defRPr/>
@@ -3429,7 +5983,7 @@
       </p:sp>
       <p:sp>
         <p:nvSpPr>
-          <p:cNvPr id="4" name="Slide Number Placeholder 5"/>
+          <p:cNvPr id="6" name="Slide Number Placeholder 3"/>
           <p:cNvSpPr>
             <a:spLocks noGrp="1"/>
           </p:cNvSpPr>
@@ -3440,14 +5994,10 @@
         <p:spPr/>
         <p:txBody>
           <a:bodyPr/>
-          <a:lstStyle>
-            <a:lvl1pPr>
-              <a:defRPr/>
-            </a:lvl1pPr>
-          </a:lstStyle>
+          <a:lstStyle/>
           <a:p>
             <a:fld id="{1D5ED971-695D-4FA7-ACCD-7C1E3E38FDE4}" type="slidenum">
-              <a:rPr lang="en-US"/>
+              <a:rPr lang="en-US" smtClean="0"/>
               <a:pPr/>
               <a:t>‹#›</a:t>
             </a:fld>
@@ -3458,7 +6008,7 @@
     </p:spTree>
     <p:extLst>
       <p:ext uri="{BB962C8B-B14F-4D97-AF65-F5344CB8AC3E}">
-        <p14:creationId xmlns:p14="http://schemas.microsoft.com/office/powerpoint/2010/main" val="3294469491"/>
+        <p14:creationId xmlns:p14="http://schemas.microsoft.com/office/powerpoint/2010/main" val="3659621906"/>
       </p:ext>
     </p:extLst>
   </p:cSld>
@@ -3497,15 +6047,15 @@
         </p:nvSpPr>
         <p:spPr>
           <a:xfrm>
-            <a:off x="457200" y="273050"/>
-            <a:ext cx="3008313" cy="1162050"/>
+            <a:off x="866441" y="1447800"/>
+            <a:ext cx="2551462" cy="1447800"/>
           </a:xfrm>
         </p:spPr>
         <p:txBody>
           <a:bodyPr anchor="b"/>
           <a:lstStyle>
             <a:lvl1pPr algn="l">
-              <a:defRPr sz="2000" b="1"/>
+              <a:defRPr sz="2400" b="0"/>
             </a:lvl1pPr>
           </a:lstStyle>
           <a:p>
@@ -3513,7 +6063,7 @@
               <a:rPr lang="en-US" smtClean="0"/>
               <a:t>Click to edit Master title style</a:t>
             </a:r>
-            <a:endParaRPr lang="en-US"/>
+            <a:endParaRPr lang="en-US" dirty="0"/>
           </a:p>
         </p:txBody>
       </p:sp>
@@ -3529,39 +6079,41 @@
         </p:nvSpPr>
         <p:spPr>
           <a:xfrm>
-            <a:off x="3575050" y="273050"/>
-            <a:ext cx="5111750" cy="5853113"/>
+            <a:off x="3589397" y="1447800"/>
+            <a:ext cx="3898013" cy="4572000"/>
           </a:xfrm>
         </p:spPr>
         <p:txBody>
-          <a:bodyPr/>
+          <a:bodyPr anchor="ctr">
+            <a:normAutofit/>
+          </a:bodyPr>
           <a:lstStyle>
             <a:lvl1pPr>
-              <a:defRPr sz="3200"/>
+              <a:defRPr sz="2000"/>
             </a:lvl1pPr>
             <a:lvl2pPr>
-              <a:defRPr sz="2800"/>
+              <a:defRPr sz="1800"/>
             </a:lvl2pPr>
             <a:lvl3pPr>
-              <a:defRPr sz="2400"/>
+              <a:defRPr sz="1600"/>
             </a:lvl3pPr>
             <a:lvl4pPr>
-              <a:defRPr sz="2000"/>
+              <a:defRPr sz="1400"/>
             </a:lvl4pPr>
             <a:lvl5pPr>
-              <a:defRPr sz="2000"/>
+              <a:defRPr sz="1400"/>
             </a:lvl5pPr>
             <a:lvl6pPr>
-              <a:defRPr sz="2000"/>
+              <a:defRPr sz="1400"/>
             </a:lvl6pPr>
             <a:lvl7pPr>
-              <a:defRPr sz="2000"/>
+              <a:defRPr sz="1400"/>
             </a:lvl7pPr>
             <a:lvl8pPr>
-              <a:defRPr sz="2000"/>
+              <a:defRPr sz="1400"/>
             </a:lvl8pPr>
             <a:lvl9pPr>
-              <a:defRPr sz="2000"/>
+              <a:defRPr sz="1400"/>
             </a:lvl9pPr>
           </a:lstStyle>
           <a:p>
@@ -3598,7 +6150,7 @@
               <a:rPr lang="en-US" smtClean="0"/>
               <a:t>Fifth level</a:t>
             </a:r>
-            <a:endParaRPr lang="en-US"/>
+            <a:endParaRPr lang="en-US" dirty="0"/>
           </a:p>
         </p:txBody>
       </p:sp>
@@ -3614,8 +6166,8 @@
         </p:nvSpPr>
         <p:spPr>
           <a:xfrm>
-            <a:off x="457200" y="1435100"/>
-            <a:ext cx="3008313" cy="4691063"/>
+            <a:off x="866441" y="3129281"/>
+            <a:ext cx="2551462" cy="2895599"/>
           </a:xfrm>
         </p:spPr>
         <p:txBody>
@@ -3669,7 +6221,7 @@
       </p:sp>
       <p:sp>
         <p:nvSpPr>
-          <p:cNvPr id="5" name="Date Placeholder 3"/>
+          <p:cNvPr id="7" name="Date Placeholder 4"/>
           <p:cNvSpPr>
             <a:spLocks noGrp="1"/>
           </p:cNvSpPr>
@@ -3680,21 +6232,17 @@
         <p:spPr/>
         <p:txBody>
           <a:bodyPr/>
-          <a:lstStyle>
-            <a:lvl1pPr>
-              <a:defRPr/>
-            </a:lvl1pPr>
-          </a:lstStyle>
+          <a:lstStyle/>
           <a:p>
             <a:pPr>
               <a:defRPr/>
             </a:pPr>
             <a:fld id="{E64A2086-C60E-4037-9DCB-9B78F1103CE4}" type="datetimeFigureOut">
-              <a:rPr lang="en-US"/>
+              <a:rPr lang="en-US" smtClean="0"/>
               <a:pPr>
                 <a:defRPr/>
               </a:pPr>
-              <a:t>6/5/2013</a:t>
+              <a:t>6/19/2013</a:t>
             </a:fld>
             <a:endParaRPr lang="en-US"/>
           </a:p>
@@ -3702,7 +6250,7 @@
       </p:sp>
       <p:sp>
         <p:nvSpPr>
-          <p:cNvPr id="6" name="Footer Placeholder 4"/>
+          <p:cNvPr id="5" name="Footer Placeholder 5"/>
           <p:cNvSpPr>
             <a:spLocks noGrp="1"/>
           </p:cNvSpPr>
@@ -3713,11 +6261,7 @@
         <p:spPr/>
         <p:txBody>
           <a:bodyPr/>
-          <a:lstStyle>
-            <a:lvl1pPr>
-              <a:defRPr/>
-            </a:lvl1pPr>
-          </a:lstStyle>
+          <a:lstStyle/>
           <a:p>
             <a:pPr>
               <a:defRPr/>
@@ -3728,7 +6272,7 @@
       </p:sp>
       <p:sp>
         <p:nvSpPr>
-          <p:cNvPr id="7" name="Slide Number Placeholder 5"/>
+          <p:cNvPr id="6" name="Slide Number Placeholder 6"/>
           <p:cNvSpPr>
             <a:spLocks noGrp="1"/>
           </p:cNvSpPr>
@@ -3739,14 +6283,10 @@
         <p:spPr/>
         <p:txBody>
           <a:bodyPr/>
-          <a:lstStyle>
-            <a:lvl1pPr>
-              <a:defRPr/>
-            </a:lvl1pPr>
-          </a:lstStyle>
+          <a:lstStyle/>
           <a:p>
             <a:fld id="{6BC7E1ED-3803-4FEE-A590-18EB2AC4764E}" type="slidenum">
-              <a:rPr lang="en-US"/>
+              <a:rPr lang="en-US" smtClean="0"/>
               <a:pPr/>
               <a:t>‹#›</a:t>
             </a:fld>
@@ -3757,7 +6297,7 @@
     </p:spTree>
     <p:extLst>
       <p:ext uri="{BB962C8B-B14F-4D97-AF65-F5344CB8AC3E}">
-        <p14:creationId xmlns:p14="http://schemas.microsoft.com/office/powerpoint/2010/main" val="1931325380"/>
+        <p14:creationId xmlns:p14="http://schemas.microsoft.com/office/powerpoint/2010/main" val="524164333"/>
       </p:ext>
     </p:extLst>
   </p:cSld>
@@ -3796,15 +6336,17 @@
         </p:nvSpPr>
         <p:spPr>
           <a:xfrm>
-            <a:off x="1792288" y="4800600"/>
-            <a:ext cx="5486400" cy="566738"/>
+            <a:off x="865656" y="1854192"/>
+            <a:ext cx="3820674" cy="1574808"/>
           </a:xfrm>
         </p:spPr>
         <p:txBody>
-          <a:bodyPr anchor="b"/>
+          <a:bodyPr anchor="b">
+            <a:normAutofit/>
+          </a:bodyPr>
           <a:lstStyle>
             <a:lvl1pPr algn="l">
-              <a:defRPr sz="2000" b="1"/>
+              <a:defRPr sz="3600" b="0"/>
             </a:lvl1pPr>
           </a:lstStyle>
           <a:p>
@@ -3812,7 +6354,7 @@
               <a:rPr lang="en-US" smtClean="0"/>
               <a:t>Click to edit Master title style</a:t>
             </a:r>
-            <a:endParaRPr lang="en-US"/>
+            <a:endParaRPr lang="en-US" dirty="0"/>
           </a:p>
         </p:txBody>
       </p:sp>
@@ -3820,7 +6362,7 @@
         <p:nvSpPr>
           <p:cNvPr id="3" name="Picture Placeholder 2"/>
           <p:cNvSpPr>
-            <a:spLocks noGrp="1"/>
+            <a:spLocks noGrp="1" noChangeAspect="1"/>
           </p:cNvSpPr>
           <p:nvPr>
             <p:ph type="pic" idx="1"/>
@@ -3828,79 +6370,96 @@
         </p:nvSpPr>
         <p:spPr>
           <a:xfrm>
-            <a:off x="1792288" y="612775"/>
-            <a:ext cx="5486400" cy="4114800"/>
+            <a:off x="5213517" y="1143000"/>
+            <a:ext cx="2400925" cy="4572000"/>
+          </a:xfrm>
+          <a:prstGeom prst="roundRect">
+            <a:avLst>
+              <a:gd name="adj" fmla="val 1858"/>
+            </a:avLst>
+          </a:prstGeom>
+          <a:effectLst>
+            <a:outerShdw blurRad="50800" dist="50800" dir="5400000" algn="tl" rotWithShape="0">
+              <a:srgbClr val="000000">
+                <a:alpha val="43000"/>
+              </a:srgbClr>
+            </a:outerShdw>
+          </a:effectLst>
+        </p:spPr>
+        <p:txBody>
+          <a:bodyPr anchor="t">
+            <a:normAutofit/>
+          </a:bodyPr>
+          <a:lstStyle>
+            <a:lvl1pPr marL="0" indent="0" algn="ctr">
+              <a:buNone/>
+              <a:defRPr sz="1600"/>
+            </a:lvl1pPr>
+            <a:lvl2pPr marL="457200" indent="0">
+              <a:buNone/>
+              <a:defRPr sz="1600"/>
+            </a:lvl2pPr>
+            <a:lvl3pPr marL="914400" indent="0">
+              <a:buNone/>
+              <a:defRPr sz="1600"/>
+            </a:lvl3pPr>
+            <a:lvl4pPr marL="1371600" indent="0">
+              <a:buNone/>
+              <a:defRPr sz="1600"/>
+            </a:lvl4pPr>
+            <a:lvl5pPr marL="1828800" indent="0">
+              <a:buNone/>
+              <a:defRPr sz="1600"/>
+            </a:lvl5pPr>
+            <a:lvl6pPr marL="2286000" indent="0">
+              <a:buNone/>
+              <a:defRPr sz="1600"/>
+            </a:lvl6pPr>
+            <a:lvl7pPr marL="2743200" indent="0">
+              <a:buNone/>
+              <a:defRPr sz="1600"/>
+            </a:lvl7pPr>
+            <a:lvl8pPr marL="3200400" indent="0">
+              <a:buNone/>
+              <a:defRPr sz="1600"/>
+            </a:lvl8pPr>
+            <a:lvl9pPr marL="3657600" indent="0">
+              <a:buNone/>
+              <a:defRPr sz="1600"/>
+            </a:lvl9pPr>
+          </a:lstStyle>
+          <a:p>
+            <a:r>
+              <a:rPr lang="en-US" smtClean="0"/>
+              <a:t>Click icon to add picture</a:t>
+            </a:r>
+            <a:endParaRPr lang="en-US" dirty="0"/>
+          </a:p>
+        </p:txBody>
+      </p:sp>
+      <p:sp>
+        <p:nvSpPr>
+          <p:cNvPr id="4" name="Text Placeholder 3"/>
+          <p:cNvSpPr>
+            <a:spLocks noGrp="1"/>
+          </p:cNvSpPr>
+          <p:nvPr>
+            <p:ph type="body" sz="half" idx="2"/>
+          </p:nvPr>
+        </p:nvSpPr>
+        <p:spPr>
+          <a:xfrm>
+            <a:off x="866441" y="3657600"/>
+            <a:ext cx="3814728" cy="1371600"/>
           </a:xfrm>
         </p:spPr>
         <p:txBody>
-          <a:bodyPr rtlCol="0">
+          <a:bodyPr>
             <a:normAutofit/>
           </a:bodyPr>
           <a:lstStyle>
             <a:lvl1pPr marL="0" indent="0">
               <a:buNone/>
-              <a:defRPr sz="3200"/>
-            </a:lvl1pPr>
-            <a:lvl2pPr marL="457200" indent="0">
-              <a:buNone/>
-              <a:defRPr sz="2800"/>
-            </a:lvl2pPr>
-            <a:lvl3pPr marL="914400" indent="0">
-              <a:buNone/>
-              <a:defRPr sz="2400"/>
-            </a:lvl3pPr>
-            <a:lvl4pPr marL="1371600" indent="0">
-              <a:buNone/>
-              <a:defRPr sz="2000"/>
-            </a:lvl4pPr>
-            <a:lvl5pPr marL="1828800" indent="0">
-              <a:buNone/>
-              <a:defRPr sz="2000"/>
-            </a:lvl5pPr>
-            <a:lvl6pPr marL="2286000" indent="0">
-              <a:buNone/>
-              <a:defRPr sz="2000"/>
-            </a:lvl6pPr>
-            <a:lvl7pPr marL="2743200" indent="0">
-              <a:buNone/>
-              <a:defRPr sz="2000"/>
-            </a:lvl7pPr>
-            <a:lvl8pPr marL="3200400" indent="0">
-              <a:buNone/>
-              <a:defRPr sz="2000"/>
-            </a:lvl8pPr>
-            <a:lvl9pPr marL="3657600" indent="0">
-              <a:buNone/>
-              <a:defRPr sz="2000"/>
-            </a:lvl9pPr>
-          </a:lstStyle>
-          <a:p>
-            <a:pPr lvl="0"/>
-            <a:endParaRPr lang="en-US" noProof="0" smtClean="0"/>
-          </a:p>
-        </p:txBody>
-      </p:sp>
-      <p:sp>
-        <p:nvSpPr>
-          <p:cNvPr id="4" name="Text Placeholder 3"/>
-          <p:cNvSpPr>
-            <a:spLocks noGrp="1"/>
-          </p:cNvSpPr>
-          <p:nvPr>
-            <p:ph type="body" sz="half" idx="2"/>
-          </p:nvPr>
-        </p:nvSpPr>
-        <p:spPr>
-          <a:xfrm>
-            <a:off x="1792288" y="5367338"/>
-            <a:ext cx="5486400" cy="804862"/>
-          </a:xfrm>
-        </p:spPr>
-        <p:txBody>
-          <a:bodyPr/>
-          <a:lstStyle>
-            <a:lvl1pPr marL="0" indent="0">
-              <a:buNone/>
               <a:defRPr sz="1400"/>
             </a:lvl1pPr>
             <a:lvl2pPr marL="457200" indent="0">
@@ -3947,7 +6506,7 @@
       </p:sp>
       <p:sp>
         <p:nvSpPr>
-          <p:cNvPr id="5" name="Date Placeholder 3"/>
+          <p:cNvPr id="5" name="Date Placeholder 4"/>
           <p:cNvSpPr>
             <a:spLocks noGrp="1"/>
           </p:cNvSpPr>
@@ -3958,21 +6517,17 @@
         <p:spPr/>
         <p:txBody>
           <a:bodyPr/>
-          <a:lstStyle>
-            <a:lvl1pPr>
-              <a:defRPr/>
-            </a:lvl1pPr>
-          </a:lstStyle>
+          <a:lstStyle/>
           <a:p>
             <a:pPr>
               <a:defRPr/>
             </a:pPr>
             <a:fld id="{4C79B858-63FC-43BE-9920-7745FD798E83}" type="datetimeFigureOut">
-              <a:rPr lang="en-US"/>
+              <a:rPr lang="en-US" smtClean="0"/>
               <a:pPr>
                 <a:defRPr/>
               </a:pPr>
-              <a:t>6/5/2013</a:t>
+              <a:t>6/19/2013</a:t>
             </a:fld>
             <a:endParaRPr lang="en-US"/>
           </a:p>
@@ -3980,7 +6535,7 @@
       </p:sp>
       <p:sp>
         <p:nvSpPr>
-          <p:cNvPr id="6" name="Footer Placeholder 4"/>
+          <p:cNvPr id="6" name="Footer Placeholder 5"/>
           <p:cNvSpPr>
             <a:spLocks noGrp="1"/>
           </p:cNvSpPr>
@@ -3991,11 +6546,7 @@
         <p:spPr/>
         <p:txBody>
           <a:bodyPr/>
-          <a:lstStyle>
-            <a:lvl1pPr>
-              <a:defRPr/>
-            </a:lvl1pPr>
-          </a:lstStyle>
+          <a:lstStyle/>
           <a:p>
             <a:pPr>
               <a:defRPr/>
@@ -4006,7 +6557,7 @@
       </p:sp>
       <p:sp>
         <p:nvSpPr>
-          <p:cNvPr id="7" name="Slide Number Placeholder 5"/>
+          <p:cNvPr id="7" name="Slide Number Placeholder 6"/>
           <p:cNvSpPr>
             <a:spLocks noGrp="1"/>
           </p:cNvSpPr>
@@ -4017,14 +6568,10 @@
         <p:spPr/>
         <p:txBody>
           <a:bodyPr/>
-          <a:lstStyle>
-            <a:lvl1pPr>
-              <a:defRPr/>
-            </a:lvl1pPr>
-          </a:lstStyle>
+          <a:lstStyle/>
           <a:p>
             <a:fld id="{AA607DE3-F7A8-42D7-9B91-8F23335BE1CD}" type="slidenum">
-              <a:rPr lang="en-US"/>
+              <a:rPr lang="en-US" smtClean="0"/>
               <a:pPr/>
               <a:t>‹#›</a:t>
             </a:fld>
@@ -4035,7 +6582,7 @@
     </p:spTree>
     <p:extLst>
       <p:ext uri="{BB962C8B-B14F-4D97-AF65-F5344CB8AC3E}">
-        <p14:creationId xmlns:p14="http://schemas.microsoft.com/office/powerpoint/2010/main" val="1694457740"/>
+        <p14:creationId xmlns:p14="http://schemas.microsoft.com/office/powerpoint/2010/main" val="2406452729"/>
       </p:ext>
     </p:extLst>
   </p:cSld>
@@ -4049,8 +6596,8 @@
 <p:sldMaster xmlns:a="http://schemas.openxmlformats.org/drawingml/2006/main" xmlns:r="http://schemas.openxmlformats.org/officeDocument/2006/relationships" xmlns:p="http://schemas.openxmlformats.org/presentationml/2006/main">
   <p:cSld>
     <p:bg>
-      <p:bgRef idx="1001">
-        <a:schemeClr val="bg1"/>
+      <p:bgRef idx="1003">
+        <a:schemeClr val="bg2"/>
       </p:bgRef>
     </p:bg>
     <p:spTree>
@@ -4069,287 +6616,574 @@
       </p:grpSpPr>
       <p:sp>
         <p:nvSpPr>
-          <p:cNvPr id="1026" name="Title Placeholder 1"/>
-          <p:cNvSpPr>
-            <a:spLocks noGrp="1"/>
-          </p:cNvSpPr>
-          <p:nvPr>
-            <p:ph type="title"/>
-          </p:nvPr>
-        </p:nvSpPr>
-        <p:spPr bwMode="auto">
+          <p:cNvPr id="22" name="Oval 21"/>
+          <p:cNvSpPr/>
+          <p:nvPr/>
+        </p:nvSpPr>
+        <p:spPr>
           <a:xfrm>
-            <a:off x="457200" y="274638"/>
-            <a:ext cx="8229600" cy="1143000"/>
+            <a:off x="6299432" y="1676400"/>
+            <a:ext cx="2819400" cy="2819400"/>
+          </a:xfrm>
+          <a:prstGeom prst="ellipse">
+            <a:avLst/>
+          </a:prstGeom>
+          <a:gradFill flip="none" rotWithShape="1">
+            <a:gsLst>
+              <a:gs pos="0">
+                <a:schemeClr val="bg2">
+                  <a:lumMod val="60000"/>
+                  <a:lumOff val="40000"/>
+                  <a:alpha val="7000"/>
+                </a:schemeClr>
+              </a:gs>
+              <a:gs pos="69000">
+                <a:schemeClr val="bg2">
+                  <a:lumMod val="60000"/>
+                  <a:lumOff val="40000"/>
+                  <a:alpha val="0"/>
+                </a:schemeClr>
+              </a:gs>
+              <a:gs pos="36000">
+                <a:schemeClr val="bg2">
+                  <a:lumMod val="60000"/>
+                  <a:lumOff val="40000"/>
+                  <a:alpha val="6000"/>
+                </a:schemeClr>
+              </a:gs>
+            </a:gsLst>
+            <a:path path="circle">
+              <a:fillToRect l="50000" t="50000" r="50000" b="50000"/>
+            </a:path>
+            <a:tileRect/>
+          </a:gradFill>
+          <a:ln>
+            <a:noFill/>
+          </a:ln>
+          <a:effectLst/>
+        </p:spPr>
+        <p:style>
+          <a:lnRef idx="1">
+            <a:schemeClr val="accent1"/>
+          </a:lnRef>
+          <a:fillRef idx="3">
+            <a:schemeClr val="accent1"/>
+          </a:fillRef>
+          <a:effectRef idx="2">
+            <a:schemeClr val="accent1"/>
+          </a:effectRef>
+          <a:fontRef idx="minor">
+            <a:schemeClr val="lt1"/>
+          </a:fontRef>
+        </p:style>
+      </p:sp>
+      <p:sp>
+        <p:nvSpPr>
+          <p:cNvPr id="23" name="Oval 22"/>
+          <p:cNvSpPr/>
+          <p:nvPr/>
+        </p:nvSpPr>
+        <p:spPr>
+          <a:xfrm>
+            <a:off x="5689832" y="-457200"/>
+            <a:ext cx="1600200" cy="1600200"/>
+          </a:xfrm>
+          <a:prstGeom prst="ellipse">
+            <a:avLst/>
+          </a:prstGeom>
+          <a:gradFill flip="none" rotWithShape="1">
+            <a:gsLst>
+              <a:gs pos="0">
+                <a:schemeClr val="bg2">
+                  <a:lumMod val="60000"/>
+                  <a:lumOff val="40000"/>
+                  <a:alpha val="14000"/>
+                </a:schemeClr>
+              </a:gs>
+              <a:gs pos="73000">
+                <a:schemeClr val="bg2">
+                  <a:lumMod val="60000"/>
+                  <a:lumOff val="40000"/>
+                  <a:alpha val="0"/>
+                </a:schemeClr>
+              </a:gs>
+              <a:gs pos="36000">
+                <a:schemeClr val="bg2">
+                  <a:lumMod val="60000"/>
+                  <a:lumOff val="40000"/>
+                  <a:alpha val="7000"/>
+                </a:schemeClr>
+              </a:gs>
+            </a:gsLst>
+            <a:path path="circle">
+              <a:fillToRect l="50000" t="50000" r="50000" b="50000"/>
+            </a:path>
+            <a:tileRect/>
+          </a:gradFill>
+          <a:ln>
+            <a:noFill/>
+          </a:ln>
+          <a:effectLst/>
+        </p:spPr>
+        <p:style>
+          <a:lnRef idx="1">
+            <a:schemeClr val="accent1"/>
+          </a:lnRef>
+          <a:fillRef idx="3">
+            <a:schemeClr val="accent1"/>
+          </a:fillRef>
+          <a:effectRef idx="2">
+            <a:schemeClr val="accent1"/>
+          </a:effectRef>
+          <a:fontRef idx="minor">
+            <a:schemeClr val="lt1"/>
+          </a:fontRef>
+        </p:style>
+      </p:sp>
+      <p:sp>
+        <p:nvSpPr>
+          <p:cNvPr id="24" name="Oval 23"/>
+          <p:cNvSpPr/>
+          <p:nvPr/>
+        </p:nvSpPr>
+        <p:spPr>
+          <a:xfrm>
+            <a:off x="6299432" y="6096000"/>
+            <a:ext cx="990600" cy="990600"/>
+          </a:xfrm>
+          <a:prstGeom prst="ellipse">
+            <a:avLst/>
+          </a:prstGeom>
+          <a:gradFill flip="none" rotWithShape="1">
+            <a:gsLst>
+              <a:gs pos="0">
+                <a:schemeClr val="bg2">
+                  <a:lumMod val="60000"/>
+                  <a:lumOff val="40000"/>
+                  <a:alpha val="9000"/>
+                </a:schemeClr>
+              </a:gs>
+              <a:gs pos="66000">
+                <a:schemeClr val="bg2">
+                  <a:lumMod val="60000"/>
+                  <a:lumOff val="40000"/>
+                  <a:alpha val="0"/>
+                </a:schemeClr>
+              </a:gs>
+              <a:gs pos="36000">
+                <a:schemeClr val="bg2">
+                  <a:lumMod val="60000"/>
+                  <a:lumOff val="40000"/>
+                  <a:alpha val="5000"/>
+                </a:schemeClr>
+              </a:gs>
+            </a:gsLst>
+            <a:path path="circle">
+              <a:fillToRect l="50000" t="50000" r="50000" b="50000"/>
+            </a:path>
+            <a:tileRect/>
+          </a:gradFill>
+          <a:ln>
+            <a:noFill/>
+          </a:ln>
+          <a:effectLst/>
+        </p:spPr>
+        <p:style>
+          <a:lnRef idx="1">
+            <a:schemeClr val="accent1"/>
+          </a:lnRef>
+          <a:fillRef idx="3">
+            <a:schemeClr val="accent1"/>
+          </a:fillRef>
+          <a:effectRef idx="2">
+            <a:schemeClr val="accent1"/>
+          </a:effectRef>
+          <a:fontRef idx="minor">
+            <a:schemeClr val="lt1"/>
+          </a:fontRef>
+        </p:style>
+      </p:sp>
+      <p:sp>
+        <p:nvSpPr>
+          <p:cNvPr id="20" name="Oval 19"/>
+          <p:cNvSpPr/>
+          <p:nvPr/>
+        </p:nvSpPr>
+        <p:spPr>
+          <a:xfrm>
+            <a:off x="-153988" y="2667000"/>
+            <a:ext cx="4191000" cy="4191000"/>
+          </a:xfrm>
+          <a:prstGeom prst="ellipse">
+            <a:avLst/>
+          </a:prstGeom>
+          <a:gradFill flip="none" rotWithShape="1">
+            <a:gsLst>
+              <a:gs pos="0">
+                <a:schemeClr val="bg2">
+                  <a:lumMod val="60000"/>
+                  <a:lumOff val="40000"/>
+                  <a:alpha val="11000"/>
+                </a:schemeClr>
+              </a:gs>
+              <a:gs pos="75000">
+                <a:schemeClr val="bg2">
+                  <a:lumMod val="60000"/>
+                  <a:lumOff val="40000"/>
+                  <a:alpha val="0"/>
+                </a:schemeClr>
+              </a:gs>
+              <a:gs pos="36000">
+                <a:schemeClr val="bg2">
+                  <a:lumMod val="60000"/>
+                  <a:lumOff val="40000"/>
+                  <a:alpha val="10000"/>
+                </a:schemeClr>
+              </a:gs>
+            </a:gsLst>
+            <a:path path="circle">
+              <a:fillToRect l="50000" t="50000" r="50000" b="50000"/>
+            </a:path>
+            <a:tileRect/>
+          </a:gradFill>
+          <a:ln>
+            <a:noFill/>
+          </a:ln>
+          <a:effectLst/>
+        </p:spPr>
+        <p:style>
+          <a:lnRef idx="1">
+            <a:schemeClr val="accent1"/>
+          </a:lnRef>
+          <a:fillRef idx="3">
+            <a:schemeClr val="accent1"/>
+          </a:fillRef>
+          <a:effectRef idx="2">
+            <a:schemeClr val="accent1"/>
+          </a:effectRef>
+          <a:fontRef idx="minor">
+            <a:schemeClr val="lt1"/>
+          </a:fontRef>
+        </p:style>
+      </p:sp>
+      <p:sp>
+        <p:nvSpPr>
+          <p:cNvPr id="21" name="Oval 20"/>
+          <p:cNvSpPr/>
+          <p:nvPr/>
+        </p:nvSpPr>
+        <p:spPr>
+          <a:xfrm>
+            <a:off x="-839788" y="2895600"/>
+            <a:ext cx="2362200" cy="2362200"/>
+          </a:xfrm>
+          <a:prstGeom prst="ellipse">
+            <a:avLst/>
+          </a:prstGeom>
+          <a:gradFill flip="none" rotWithShape="1">
+            <a:gsLst>
+              <a:gs pos="0">
+                <a:schemeClr val="bg2">
+                  <a:lumMod val="60000"/>
+                  <a:lumOff val="40000"/>
+                  <a:alpha val="8000"/>
+                </a:schemeClr>
+              </a:gs>
+              <a:gs pos="72000">
+                <a:schemeClr val="bg2">
+                  <a:lumMod val="60000"/>
+                  <a:lumOff val="40000"/>
+                  <a:alpha val="0"/>
+                </a:schemeClr>
+              </a:gs>
+              <a:gs pos="36000">
+                <a:schemeClr val="bg2">
+                  <a:lumMod val="60000"/>
+                  <a:lumOff val="40000"/>
+                  <a:alpha val="8000"/>
+                </a:schemeClr>
+              </a:gs>
+            </a:gsLst>
+            <a:path path="circle">
+              <a:fillToRect l="50000" t="50000" r="50000" b="50000"/>
+            </a:path>
+            <a:tileRect/>
+          </a:gradFill>
+          <a:ln>
+            <a:noFill/>
+          </a:ln>
+          <a:effectLst/>
+        </p:spPr>
+        <p:style>
+          <a:lnRef idx="1">
+            <a:schemeClr val="accent1"/>
+          </a:lnRef>
+          <a:fillRef idx="3">
+            <a:schemeClr val="accent1"/>
+          </a:fillRef>
+          <a:effectRef idx="2">
+            <a:schemeClr val="accent1"/>
+          </a:effectRef>
+          <a:fontRef idx="minor">
+            <a:schemeClr val="lt1"/>
+          </a:fontRef>
+        </p:style>
+      </p:sp>
+      <p:sp>
+        <p:nvSpPr>
+          <p:cNvPr id="19" name="Rectangle 18"/>
+          <p:cNvSpPr/>
+          <p:nvPr/>
+        </p:nvSpPr>
+        <p:spPr>
+          <a:xfrm>
+            <a:off x="7745644" y="0"/>
+            <a:ext cx="685800" cy="1099458"/>
           </a:xfrm>
           <a:prstGeom prst="rect">
             <a:avLst/>
           </a:prstGeom>
-          <a:noFill/>
+          <a:solidFill>
+            <a:schemeClr val="accent1"/>
+          </a:solidFill>
           <a:ln>
             <a:noFill/>
           </a:ln>
-          <a:extLst>
-            <a:ext uri="{909E8E84-426E-40DD-AFC4-6F175D3DCCD1}">
-              <a14:hiddenFill xmlns:a14="http://schemas.microsoft.com/office/drawing/2010/main">
-                <a:solidFill>
-                  <a:srgbClr val="FFFFFF"/>
-                </a:solidFill>
-              </a14:hiddenFill>
-            </a:ext>
-            <a:ext uri="{91240B29-F687-4F45-9708-019B960494DF}">
-              <a14:hiddenLine xmlns:a14="http://schemas.microsoft.com/office/drawing/2010/main" w="9525">
-                <a:solidFill>
-                  <a:srgbClr val="000000"/>
-                </a:solidFill>
-                <a:miter lim="800000"/>
-                <a:headEnd/>
-                <a:tailEnd/>
-              </a14:hiddenLine>
-            </a:ext>
-          </a:extLst>
         </p:spPr>
-        <p:txBody>
-          <a:bodyPr vert="horz" wrap="square" lIns="91440" tIns="45720" rIns="91440" bIns="45720" numCol="1" anchor="ctr" anchorCtr="0" compatLnSpc="1">
-            <a:prstTxWarp prst="textNoShape">
-              <a:avLst/>
-            </a:prstTxWarp>
-          </a:bodyPr>
-          <a:lstStyle/>
-          <a:p>
-            <a:pPr lvl="0"/>
-            <a:r>
-              <a:rPr lang="en-US" smtClean="0"/>
-              <a:t>Click to edit Master title style</a:t>
-            </a:r>
-          </a:p>
-        </p:txBody>
-      </p:sp>
-      <p:sp>
-        <p:nvSpPr>
-          <p:cNvPr id="1027" name="Text Placeholder 2"/>
-          <p:cNvSpPr>
-            <a:spLocks noGrp="1"/>
-          </p:cNvSpPr>
-          <p:nvPr>
-            <p:ph type="body" idx="1"/>
-          </p:nvPr>
-        </p:nvSpPr>
-        <p:spPr bwMode="auto">
-          <a:xfrm>
-            <a:off x="457200" y="1600200"/>
-            <a:ext cx="8229600" cy="4525963"/>
-          </a:xfrm>
-          <a:prstGeom prst="rect">
-            <a:avLst/>
-          </a:prstGeom>
-          <a:noFill/>
-          <a:ln>
-            <a:noFill/>
-          </a:ln>
-          <a:extLst>
-            <a:ext uri="{909E8E84-426E-40DD-AFC4-6F175D3DCCD1}">
-              <a14:hiddenFill xmlns:a14="http://schemas.microsoft.com/office/drawing/2010/main">
-                <a:solidFill>
-                  <a:srgbClr val="FFFFFF"/>
-                </a:solidFill>
-              </a14:hiddenFill>
-            </a:ext>
-            <a:ext uri="{91240B29-F687-4F45-9708-019B960494DF}">
-              <a14:hiddenLine xmlns:a14="http://schemas.microsoft.com/office/drawing/2010/main" w="9525">
-                <a:solidFill>
-                  <a:srgbClr val="000000"/>
-                </a:solidFill>
-                <a:miter lim="800000"/>
-                <a:headEnd/>
-                <a:tailEnd/>
-              </a14:hiddenLine>
-            </a:ext>
-          </a:extLst>
-        </p:spPr>
-        <p:txBody>
-          <a:bodyPr vert="horz" wrap="square" lIns="91440" tIns="45720" rIns="91440" bIns="45720" numCol="1" anchor="t" anchorCtr="0" compatLnSpc="1">
-            <a:prstTxWarp prst="textNoShape">
-              <a:avLst/>
-            </a:prstTxWarp>
-          </a:bodyPr>
-          <a:lstStyle/>
-          <a:p>
-            <a:pPr lvl="0"/>
-            <a:r>
-              <a:rPr lang="en-US" smtClean="0"/>
-              <a:t>Click to edit Master text styles</a:t>
-            </a:r>
-          </a:p>
-          <a:p>
-            <a:pPr lvl="1"/>
-            <a:r>
-              <a:rPr lang="en-US" smtClean="0"/>
-              <a:t>Second level</a:t>
-            </a:r>
-          </a:p>
-          <a:p>
-            <a:pPr lvl="2"/>
-            <a:r>
-              <a:rPr lang="en-US" smtClean="0"/>
-              <a:t>Third level</a:t>
-            </a:r>
-          </a:p>
-          <a:p>
-            <a:pPr lvl="3"/>
-            <a:r>
-              <a:rPr lang="en-US" smtClean="0"/>
-              <a:t>Fourth level</a:t>
-            </a:r>
-          </a:p>
-          <a:p>
-            <a:pPr lvl="4"/>
-            <a:r>
-              <a:rPr lang="en-US" smtClean="0"/>
-              <a:t>Fifth level</a:t>
-            </a:r>
-          </a:p>
-        </p:txBody>
-      </p:sp>
-      <p:sp>
-        <p:nvSpPr>
-          <p:cNvPr id="4" name="Date Placeholder 3"/>
-          <p:cNvSpPr>
-            <a:spLocks noGrp="1"/>
-          </p:cNvSpPr>
-          <p:nvPr>
-            <p:ph type="dt" sz="half" idx="2"/>
+        <p:style>
+          <a:lnRef idx="1">
+            <a:schemeClr val="accent1"/>
+          </a:lnRef>
+          <a:fillRef idx="3">
+            <a:schemeClr val="accent1"/>
+          </a:fillRef>
+          <a:effectRef idx="2">
+            <a:schemeClr val="accent1"/>
+          </a:effectRef>
+          <a:fontRef idx="minor">
+            <a:schemeClr val="lt1"/>
+          </a:fontRef>
+        </p:style>
+      </p:sp>
+      <p:sp>
+        <p:nvSpPr>
+          <p:cNvPr id="2" name="Title Placeholder 1"/>
+          <p:cNvSpPr>
+            <a:spLocks noGrp="1"/>
+          </p:cNvSpPr>
+          <p:nvPr>
+            <p:ph type="title"/>
           </p:nvPr>
         </p:nvSpPr>
         <p:spPr>
           <a:xfrm>
-            <a:off x="457200" y="6356350"/>
-            <a:ext cx="2133600" cy="365125"/>
+            <a:off x="484710" y="452718"/>
+            <a:ext cx="7055380" cy="1400530"/>
           </a:xfrm>
           <a:prstGeom prst="rect">
             <a:avLst/>
           </a:prstGeom>
         </p:spPr>
         <p:txBody>
-          <a:bodyPr vert="horz" lIns="91440" tIns="45720" rIns="91440" bIns="45720" rtlCol="0" anchor="ctr"/>
+          <a:bodyPr vert="horz" lIns="91440" tIns="45720" rIns="91440" bIns="45720" rtlCol="0" anchor="t">
+            <a:noAutofit/>
+          </a:bodyPr>
+          <a:lstStyle/>
+          <a:p>
+            <a:r>
+              <a:rPr lang="en-US" smtClean="0"/>
+              <a:t>Click to edit Master title style</a:t>
+            </a:r>
+            <a:endParaRPr lang="en-US" dirty="0"/>
+          </a:p>
+        </p:txBody>
+      </p:sp>
+      <p:sp>
+        <p:nvSpPr>
+          <p:cNvPr id="3" name="Text Placeholder 2"/>
+          <p:cNvSpPr>
+            <a:spLocks noGrp="1"/>
+          </p:cNvSpPr>
+          <p:nvPr>
+            <p:ph type="body" idx="1"/>
+          </p:nvPr>
+        </p:nvSpPr>
+        <p:spPr>
+          <a:xfrm>
+            <a:off x="827700" y="2052925"/>
+            <a:ext cx="6711654" cy="4195481"/>
+          </a:xfrm>
+          <a:prstGeom prst="rect">
+            <a:avLst/>
+          </a:prstGeom>
+        </p:spPr>
+        <p:txBody>
+          <a:bodyPr vert="horz" lIns="91440" tIns="45720" rIns="91440" bIns="45720" rtlCol="0">
+            <a:normAutofit/>
+          </a:bodyPr>
+          <a:lstStyle/>
+          <a:p>
+            <a:pPr lvl="0"/>
+            <a:r>
+              <a:rPr lang="en-US" smtClean="0"/>
+              <a:t>Click to edit Master text styles</a:t>
+            </a:r>
+          </a:p>
+          <a:p>
+            <a:pPr lvl="1"/>
+            <a:r>
+              <a:rPr lang="en-US" smtClean="0"/>
+              <a:t>Second level</a:t>
+            </a:r>
+          </a:p>
+          <a:p>
+            <a:pPr lvl="2"/>
+            <a:r>
+              <a:rPr lang="en-US" smtClean="0"/>
+              <a:t>Third level</a:t>
+            </a:r>
+          </a:p>
+          <a:p>
+            <a:pPr lvl="3"/>
+            <a:r>
+              <a:rPr lang="en-US" smtClean="0"/>
+              <a:t>Fourth level</a:t>
+            </a:r>
+          </a:p>
+          <a:p>
+            <a:pPr lvl="4"/>
+            <a:r>
+              <a:rPr lang="en-US" smtClean="0"/>
+              <a:t>Fifth level</a:t>
+            </a:r>
+            <a:endParaRPr lang="en-US" dirty="0"/>
+          </a:p>
+        </p:txBody>
+      </p:sp>
+      <p:sp>
+        <p:nvSpPr>
+          <p:cNvPr id="4" name="Date Placeholder 3"/>
+          <p:cNvSpPr>
+            <a:spLocks noGrp="1"/>
+          </p:cNvSpPr>
+          <p:nvPr>
+            <p:ph type="dt" sz="half" idx="2"/>
+          </p:nvPr>
+        </p:nvSpPr>
+        <p:spPr>
+          <a:xfrm rot="5400000">
+            <a:off x="7494989" y="1828771"/>
+            <a:ext cx="990599" cy="228659"/>
+          </a:xfrm>
+          <a:prstGeom prst="rect">
+            <a:avLst/>
+          </a:prstGeom>
+        </p:spPr>
+        <p:txBody>
+          <a:bodyPr vert="horz" lIns="91440" tIns="45720" rIns="91440" bIns="45720" rtlCol="0" anchor="t"/>
           <a:lstStyle>
-            <a:lvl1pPr algn="l" fontAlgn="auto">
-              <a:spcBef>
-                <a:spcPts val="0"/>
-              </a:spcBef>
-              <a:spcAft>
-                <a:spcPts val="0"/>
-              </a:spcAft>
-              <a:defRPr sz="1200" smtClean="0">
+            <a:lvl1pPr algn="l">
+              <a:defRPr sz="1100" b="0" i="0">
+                <a:solidFill>
+                  <a:schemeClr val="tx1">
+                    <a:tint val="75000"/>
+                    <a:alpha val="60000"/>
+                  </a:schemeClr>
+                </a:solidFill>
+              </a:defRPr>
+            </a:lvl1pPr>
+          </a:lstStyle>
+          <a:p>
+            <a:pPr>
+              <a:defRPr/>
+            </a:pPr>
+            <a:fld id="{0A213037-694F-447B-A3BE-23F63DEEEAA7}" type="datetimeFigureOut">
+              <a:rPr lang="en-US" smtClean="0"/>
+              <a:pPr>
+                <a:defRPr/>
+              </a:pPr>
+              <a:t>6/19/2013</a:t>
+            </a:fld>
+            <a:endParaRPr lang="en-US"/>
+          </a:p>
+        </p:txBody>
+      </p:sp>
+      <p:sp>
+        <p:nvSpPr>
+          <p:cNvPr id="5" name="Footer Placeholder 4"/>
+          <p:cNvSpPr>
+            <a:spLocks noGrp="1"/>
+          </p:cNvSpPr>
+          <p:nvPr>
+            <p:ph type="ftr" sz="quarter" idx="3"/>
+          </p:nvPr>
+        </p:nvSpPr>
+        <p:spPr>
+          <a:xfrm rot="5400000">
+            <a:off x="6233335" y="3263371"/>
+            <a:ext cx="3859795" cy="228660"/>
+          </a:xfrm>
+          <a:prstGeom prst="rect">
+            <a:avLst/>
+          </a:prstGeom>
+        </p:spPr>
+        <p:txBody>
+          <a:bodyPr vert="horz" lIns="91440" tIns="45720" rIns="91440" bIns="45720" rtlCol="0" anchor="b"/>
+          <a:lstStyle>
+            <a:lvl1pPr algn="l">
+              <a:defRPr sz="1100" b="0" i="0">
+                <a:solidFill>
+                  <a:schemeClr val="tx1">
+                    <a:tint val="75000"/>
+                    <a:alpha val="60000"/>
+                  </a:schemeClr>
+                </a:solidFill>
+              </a:defRPr>
+            </a:lvl1pPr>
+          </a:lstStyle>
+          <a:p>
+            <a:pPr>
+              <a:defRPr/>
+            </a:pPr>
+            <a:endParaRPr lang="en-US"/>
+          </a:p>
+        </p:txBody>
+      </p:sp>
+      <p:sp>
+        <p:nvSpPr>
+          <p:cNvPr id="6" name="Slide Number Placeholder 5"/>
+          <p:cNvSpPr>
+            <a:spLocks noGrp="1"/>
+          </p:cNvSpPr>
+          <p:nvPr>
+            <p:ph type="sldNum" sz="quarter" idx="4"/>
+          </p:nvPr>
+        </p:nvSpPr>
+        <p:spPr bwMode="gray">
+          <a:xfrm>
+            <a:off x="7766431" y="295736"/>
+            <a:ext cx="628813" cy="767687"/>
+          </a:xfrm>
+          <a:prstGeom prst="rect">
+            <a:avLst/>
+          </a:prstGeom>
+        </p:spPr>
+        <p:txBody>
+          <a:bodyPr vert="horz" lIns="91440" tIns="45720" rIns="91440" bIns="45720" rtlCol="0" anchor="b"/>
+          <a:lstStyle>
+            <a:lvl1pPr algn="ctr">
+              <a:defRPr sz="2801" b="0" i="0">
                 <a:solidFill>
                   <a:schemeClr val="tx1">
                     <a:tint val="75000"/>
                   </a:schemeClr>
                 </a:solidFill>
-                <a:latin typeface="+mn-lt"/>
               </a:defRPr>
             </a:lvl1pPr>
           </a:lstStyle>
           <a:p>
-            <a:pPr>
-              <a:defRPr/>
-            </a:pPr>
-            <a:fld id="{0A213037-694F-447B-A3BE-23F63DEEEAA7}" type="datetimeFigureOut">
-              <a:rPr lang="en-US"/>
-              <a:pPr>
-                <a:defRPr/>
-              </a:pPr>
-              <a:t>6/5/2013</a:t>
-            </a:fld>
-            <a:endParaRPr lang="en-US"/>
-          </a:p>
-        </p:txBody>
-      </p:sp>
-      <p:sp>
-        <p:nvSpPr>
-          <p:cNvPr id="5" name="Footer Placeholder 4"/>
-          <p:cNvSpPr>
-            <a:spLocks noGrp="1"/>
-          </p:cNvSpPr>
-          <p:nvPr>
-            <p:ph type="ftr" sz="quarter" idx="3"/>
-          </p:nvPr>
-        </p:nvSpPr>
-        <p:spPr>
-          <a:xfrm>
-            <a:off x="3124200" y="6356350"/>
-            <a:ext cx="2895600" cy="365125"/>
-          </a:xfrm>
-          <a:prstGeom prst="rect">
-            <a:avLst/>
-          </a:prstGeom>
-        </p:spPr>
-        <p:txBody>
-          <a:bodyPr vert="horz" lIns="91440" tIns="45720" rIns="91440" bIns="45720" rtlCol="0" anchor="ctr"/>
-          <a:lstStyle>
-            <a:lvl1pPr algn="ctr" fontAlgn="auto">
-              <a:spcBef>
-                <a:spcPts val="0"/>
-              </a:spcBef>
-              <a:spcAft>
-                <a:spcPts val="0"/>
-              </a:spcAft>
-              <a:defRPr sz="1200" smtClean="0">
-                <a:solidFill>
-                  <a:schemeClr val="tx1">
-                    <a:tint val="75000"/>
-                  </a:schemeClr>
-                </a:solidFill>
-                <a:latin typeface="+mn-lt"/>
-              </a:defRPr>
-            </a:lvl1pPr>
-          </a:lstStyle>
-          <a:p>
-            <a:pPr>
-              <a:defRPr/>
-            </a:pPr>
-            <a:endParaRPr lang="en-US"/>
-          </a:p>
-        </p:txBody>
-      </p:sp>
-      <p:sp>
-        <p:nvSpPr>
-          <p:cNvPr id="6" name="Slide Number Placeholder 5"/>
-          <p:cNvSpPr>
-            <a:spLocks noGrp="1"/>
-          </p:cNvSpPr>
-          <p:nvPr>
-            <p:ph type="sldNum" sz="quarter" idx="4"/>
-          </p:nvPr>
-        </p:nvSpPr>
-        <p:spPr>
-          <a:xfrm>
-            <a:off x="6553200" y="6356350"/>
-            <a:ext cx="2133600" cy="365125"/>
-          </a:xfrm>
-          <a:prstGeom prst="rect">
-            <a:avLst/>
-          </a:prstGeom>
-        </p:spPr>
-        <p:txBody>
-          <a:bodyPr vert="horz" wrap="square" lIns="91440" tIns="45720" rIns="91440" bIns="45720" numCol="1" anchor="ctr" anchorCtr="0" compatLnSpc="1">
-            <a:prstTxWarp prst="textNoShape">
-              <a:avLst/>
-            </a:prstTxWarp>
-          </a:bodyPr>
-          <a:lstStyle>
-            <a:lvl1pPr algn="r">
-              <a:defRPr sz="1200">
-                <a:solidFill>
-                  <a:srgbClr val="898989"/>
-                </a:solidFill>
-                <a:latin typeface="Calibri" panose="020F0502020204030204" pitchFamily="34" charset="0"/>
-              </a:defRPr>
-            </a:lvl1pPr>
-          </a:lstStyle>
-          <a:p>
             <a:fld id="{6E4747A8-85DC-4456-A491-E7D9C98736A5}" type="slidenum">
-              <a:rPr lang="en-US"/>
+              <a:rPr lang="en-US" smtClean="0"/>
               <a:pPr/>
               <a:t>‹#›</a:t>
             </a:fld>
@@ -4358,31 +7192,123 @@
         </p:txBody>
       </p:sp>
     </p:spTree>
+    <p:extLst>
+      <p:ext uri="{BB962C8B-B14F-4D97-AF65-F5344CB8AC3E}">
+        <p14:creationId xmlns:p14="http://schemas.microsoft.com/office/powerpoint/2010/main" val="2901644904"/>
+      </p:ext>
+    </p:extLst>
   </p:cSld>
-  <p:clrMap bg1="lt1" tx1="dk1" bg2="lt2" tx2="dk2" accent1="accent1" accent2="accent2" accent3="accent3" accent4="accent4" accent5="accent5" accent6="accent6" hlink="hlink" folHlink="folHlink"/>
+  <p:clrMap bg1="dk1" tx1="lt1" bg2="dk2" tx2="lt2" accent1="accent1" accent2="accent2" accent3="accent3" accent4="accent4" accent5="accent5" accent6="accent6" hlink="hlink" folHlink="folHlink"/>
   <p:sldLayoutIdLst>
-    <p:sldLayoutId id="2147483649" r:id="rId1"/>
-    <p:sldLayoutId id="2147483650" r:id="rId2"/>
-    <p:sldLayoutId id="2147483651" r:id="rId3"/>
-    <p:sldLayoutId id="2147483652" r:id="rId4"/>
-    <p:sldLayoutId id="2147483653" r:id="rId5"/>
-    <p:sldLayoutId id="2147483654" r:id="rId6"/>
-    <p:sldLayoutId id="2147483655" r:id="rId7"/>
-    <p:sldLayoutId id="2147483656" r:id="rId8"/>
-    <p:sldLayoutId id="2147483657" r:id="rId9"/>
-    <p:sldLayoutId id="2147483658" r:id="rId10"/>
-    <p:sldLayoutId id="2147483659" r:id="rId11"/>
+    <p:sldLayoutId id="2147483661" r:id="rId1"/>
+    <p:sldLayoutId id="2147483662" r:id="rId2"/>
+    <p:sldLayoutId id="2147483663" r:id="rId3"/>
+    <p:sldLayoutId id="2147483664" r:id="rId4"/>
+    <p:sldLayoutId id="2147483665" r:id="rId5"/>
+    <p:sldLayoutId id="2147483666" r:id="rId6"/>
+    <p:sldLayoutId id="2147483667" r:id="rId7"/>
+    <p:sldLayoutId id="2147483668" r:id="rId8"/>
+    <p:sldLayoutId id="2147483669" r:id="rId9"/>
+    <p:sldLayoutId id="2147483670" r:id="rId10"/>
+    <p:sldLayoutId id="2147483671" r:id="rId11"/>
+    <p:sldLayoutId id="2147483672" r:id="rId12"/>
+    <p:sldLayoutId id="2147483673" r:id="rId13"/>
+    <p:sldLayoutId id="2147483674" r:id="rId14"/>
+    <p:sldLayoutId id="2147483675" r:id="rId15"/>
+    <p:sldLayoutId id="2147483676" r:id="rId16"/>
+    <p:sldLayoutId id="2147483677" r:id="rId17"/>
   </p:sldLayoutIdLst>
   <p:txStyles>
     <p:titleStyle>
-      <a:lvl1pPr algn="ctr" rtl="0" fontAlgn="base">
+      <a:lvl1pPr algn="l" defTabSz="457207" rtl="0" eaLnBrk="1" latinLnBrk="0" hangingPunct="1">
         <a:spcBef>
           <a:spcPct val="0"/>
         </a:spcBef>
+        <a:buNone/>
+        <a:defRPr sz="4200" b="0" i="0" kern="1200">
+          <a:solidFill>
+            <a:schemeClr val="tx2"/>
+          </a:solidFill>
+          <a:latin typeface="+mj-lt"/>
+          <a:ea typeface="+mj-ea"/>
+          <a:cs typeface="+mj-cs"/>
+        </a:defRPr>
+      </a:lvl1pPr>
+      <a:lvl2pPr eaLnBrk="1" hangingPunct="1">
+        <a:defRPr>
+          <a:solidFill>
+            <a:schemeClr val="tx2"/>
+          </a:solidFill>
+        </a:defRPr>
+      </a:lvl2pPr>
+      <a:lvl3pPr eaLnBrk="1" hangingPunct="1">
+        <a:defRPr>
+          <a:solidFill>
+            <a:schemeClr val="tx2"/>
+          </a:solidFill>
+        </a:defRPr>
+      </a:lvl3pPr>
+      <a:lvl4pPr eaLnBrk="1" hangingPunct="1">
+        <a:defRPr>
+          <a:solidFill>
+            <a:schemeClr val="tx2"/>
+          </a:solidFill>
+        </a:defRPr>
+      </a:lvl4pPr>
+      <a:lvl5pPr eaLnBrk="1" hangingPunct="1">
+        <a:defRPr>
+          <a:solidFill>
+            <a:schemeClr val="tx2"/>
+          </a:solidFill>
+        </a:defRPr>
+      </a:lvl5pPr>
+      <a:lvl6pPr eaLnBrk="1" hangingPunct="1">
+        <a:defRPr>
+          <a:solidFill>
+            <a:schemeClr val="tx2"/>
+          </a:solidFill>
+        </a:defRPr>
+      </a:lvl6pPr>
+      <a:lvl7pPr eaLnBrk="1" hangingPunct="1">
+        <a:defRPr>
+          <a:solidFill>
+            <a:schemeClr val="tx2"/>
+          </a:solidFill>
+        </a:defRPr>
+      </a:lvl7pPr>
+      <a:lvl8pPr eaLnBrk="1" hangingPunct="1">
+        <a:defRPr>
+          <a:solidFill>
+            <a:schemeClr val="tx2"/>
+          </a:solidFill>
+        </a:defRPr>
+      </a:lvl8pPr>
+      <a:lvl9pPr eaLnBrk="1" hangingPunct="1">
+        <a:defRPr>
+          <a:solidFill>
+            <a:schemeClr val="tx2"/>
+          </a:solidFill>
+        </a:defRPr>
+      </a:lvl9pPr>
+    </p:titleStyle>
+    <p:bodyStyle>
+      <a:lvl1pPr marL="342906" indent="-342906" algn="l" defTabSz="457207" rtl="0" eaLnBrk="1" latinLnBrk="0" hangingPunct="1">
+        <a:spcBef>
+          <a:spcPts val="1000"/>
+        </a:spcBef>
         <a:spcAft>
-          <a:spcPct val="0"/>
+          <a:spcPts val="0"/>
         </a:spcAft>
-        <a:defRPr sz="4400" kern="1200">
+        <a:buClr>
+          <a:schemeClr val="bg2">
+            <a:lumMod val="40000"/>
+            <a:lumOff val="60000"/>
+          </a:schemeClr>
+        </a:buClr>
+        <a:buSzPct val="80000"/>
+        <a:buFont typeface="Wingdings 3" charset="2"/>
+        <a:buChar char=""/>
+        <a:defRPr sz="2000" b="0" i="0" kern="1200">
           <a:solidFill>
             <a:schemeClr val="tx1"/>
           </a:solidFill>
@@ -4391,268 +7317,204 @@
           <a:cs typeface="+mj-cs"/>
         </a:defRPr>
       </a:lvl1pPr>
-      <a:lvl2pPr algn="ctr" rtl="0" fontAlgn="base">
+      <a:lvl2pPr marL="742962" indent="-285755" algn="l" defTabSz="457207" rtl="0" eaLnBrk="1" latinLnBrk="0" hangingPunct="1">
         <a:spcBef>
-          <a:spcPct val="0"/>
+          <a:spcPts val="1000"/>
         </a:spcBef>
         <a:spcAft>
-          <a:spcPct val="0"/>
+          <a:spcPts val="0"/>
         </a:spcAft>
-        <a:defRPr sz="4400">
+        <a:buClr>
+          <a:schemeClr val="bg2">
+            <a:lumMod val="40000"/>
+            <a:lumOff val="60000"/>
+          </a:schemeClr>
+        </a:buClr>
+        <a:buSzPct val="80000"/>
+        <a:buFont typeface="Wingdings 3" charset="2"/>
+        <a:buChar char=""/>
+        <a:defRPr sz="1800" b="0" i="0" kern="1200">
           <a:solidFill>
             <a:schemeClr val="tx1"/>
           </a:solidFill>
-          <a:latin typeface="Calibri" panose="020F0502020204030204" pitchFamily="34" charset="0"/>
+          <a:latin typeface="+mj-lt"/>
+          <a:ea typeface="+mj-ea"/>
+          <a:cs typeface="+mj-cs"/>
         </a:defRPr>
       </a:lvl2pPr>
-      <a:lvl3pPr algn="ctr" rtl="0" fontAlgn="base">
+      <a:lvl3pPr marL="1143020" indent="-228604" algn="l" defTabSz="457207" rtl="0" eaLnBrk="1" latinLnBrk="0" hangingPunct="1">
         <a:spcBef>
-          <a:spcPct val="0"/>
+          <a:spcPts val="1000"/>
         </a:spcBef>
         <a:spcAft>
-          <a:spcPct val="0"/>
+          <a:spcPts val="0"/>
         </a:spcAft>
-        <a:defRPr sz="4400">
+        <a:buClr>
+          <a:schemeClr val="bg2">
+            <a:lumMod val="40000"/>
+            <a:lumOff val="60000"/>
+          </a:schemeClr>
+        </a:buClr>
+        <a:buSzPct val="80000"/>
+        <a:buFont typeface="Wingdings 3" charset="2"/>
+        <a:buChar char=""/>
+        <a:defRPr sz="1600" b="0" i="0" kern="1200">
           <a:solidFill>
             <a:schemeClr val="tx1"/>
           </a:solidFill>
-          <a:latin typeface="Calibri" panose="020F0502020204030204" pitchFamily="34" charset="0"/>
+          <a:latin typeface="+mj-lt"/>
+          <a:ea typeface="+mj-ea"/>
+          <a:cs typeface="+mj-cs"/>
         </a:defRPr>
       </a:lvl3pPr>
-      <a:lvl4pPr algn="ctr" rtl="0" fontAlgn="base">
+      <a:lvl4pPr marL="1600227" indent="-228604" algn="l" defTabSz="457207" rtl="0" eaLnBrk="1" latinLnBrk="0" hangingPunct="1">
         <a:spcBef>
-          <a:spcPct val="0"/>
+          <a:spcPts val="1000"/>
         </a:spcBef>
         <a:spcAft>
-          <a:spcPct val="0"/>
+          <a:spcPts val="0"/>
         </a:spcAft>
-        <a:defRPr sz="4400">
+        <a:buClr>
+          <a:schemeClr val="bg2">
+            <a:lumMod val="40000"/>
+            <a:lumOff val="60000"/>
+          </a:schemeClr>
+        </a:buClr>
+        <a:buSzPct val="80000"/>
+        <a:buFont typeface="Wingdings 3" charset="2"/>
+        <a:buChar char=""/>
+        <a:defRPr sz="1400" b="0" i="0" kern="1200">
           <a:solidFill>
             <a:schemeClr val="tx1"/>
           </a:solidFill>
-          <a:latin typeface="Calibri" panose="020F0502020204030204" pitchFamily="34" charset="0"/>
+          <a:latin typeface="+mj-lt"/>
+          <a:ea typeface="+mj-ea"/>
+          <a:cs typeface="+mj-cs"/>
         </a:defRPr>
       </a:lvl4pPr>
-      <a:lvl5pPr algn="ctr" rtl="0" fontAlgn="base">
+      <a:lvl5pPr marL="2057434" indent="-228604" algn="l" defTabSz="457207" rtl="0" eaLnBrk="1" latinLnBrk="0" hangingPunct="1">
         <a:spcBef>
-          <a:spcPct val="0"/>
+          <a:spcPts val="1000"/>
         </a:spcBef>
         <a:spcAft>
-          <a:spcPct val="0"/>
+          <a:spcPts val="0"/>
         </a:spcAft>
-        <a:defRPr sz="4400">
+        <a:buClr>
+          <a:schemeClr val="bg2">
+            <a:lumMod val="40000"/>
+            <a:lumOff val="60000"/>
+          </a:schemeClr>
+        </a:buClr>
+        <a:buSzPct val="80000"/>
+        <a:buFont typeface="Wingdings 3" charset="2"/>
+        <a:buChar char=""/>
+        <a:defRPr sz="1400" b="0" i="0" kern="1200">
           <a:solidFill>
             <a:schemeClr val="tx1"/>
           </a:solidFill>
-          <a:latin typeface="Calibri" panose="020F0502020204030204" pitchFamily="34" charset="0"/>
+          <a:latin typeface="+mj-lt"/>
+          <a:ea typeface="+mj-ea"/>
+          <a:cs typeface="+mj-cs"/>
         </a:defRPr>
       </a:lvl5pPr>
-      <a:lvl6pPr marL="457200" algn="ctr" rtl="0" fontAlgn="base">
+      <a:lvl6pPr marL="2514642" indent="-228604" algn="l" defTabSz="457207" rtl="0" eaLnBrk="1" latinLnBrk="0" hangingPunct="1">
         <a:spcBef>
-          <a:spcPct val="0"/>
+          <a:spcPts val="1000"/>
         </a:spcBef>
         <a:spcAft>
-          <a:spcPct val="0"/>
+          <a:spcPts val="0"/>
         </a:spcAft>
-        <a:defRPr sz="4400">
+        <a:buClr>
+          <a:schemeClr val="bg2">
+            <a:lumMod val="40000"/>
+            <a:lumOff val="60000"/>
+          </a:schemeClr>
+        </a:buClr>
+        <a:buSzPct val="80000"/>
+        <a:buFont typeface="Wingdings 3" charset="2"/>
+        <a:buChar char=""/>
+        <a:defRPr sz="1400" b="0" i="0" kern="1200">
           <a:solidFill>
             <a:schemeClr val="tx1"/>
           </a:solidFill>
-          <a:latin typeface="Calibri" panose="020F0502020204030204" pitchFamily="34" charset="0"/>
+          <a:latin typeface="+mj-lt"/>
+          <a:ea typeface="+mj-ea"/>
+          <a:cs typeface="+mj-cs"/>
         </a:defRPr>
       </a:lvl6pPr>
-      <a:lvl7pPr marL="914400" algn="ctr" rtl="0" fontAlgn="base">
+      <a:lvl7pPr marL="2971849" indent="-228604" algn="l" defTabSz="457207" rtl="0" eaLnBrk="1" latinLnBrk="0" hangingPunct="1">
         <a:spcBef>
-          <a:spcPct val="0"/>
+          <a:spcPts val="1000"/>
         </a:spcBef>
         <a:spcAft>
-          <a:spcPct val="0"/>
+          <a:spcPts val="0"/>
         </a:spcAft>
-        <a:defRPr sz="4400">
+        <a:buClr>
+          <a:schemeClr val="bg2">
+            <a:lumMod val="40000"/>
+            <a:lumOff val="60000"/>
+          </a:schemeClr>
+        </a:buClr>
+        <a:buSzPct val="80000"/>
+        <a:buFont typeface="Wingdings 3" charset="2"/>
+        <a:buChar char=""/>
+        <a:defRPr sz="1400" b="0" i="0" kern="1200">
           <a:solidFill>
             <a:schemeClr val="tx1"/>
           </a:solidFill>
-          <a:latin typeface="Calibri" panose="020F0502020204030204" pitchFamily="34" charset="0"/>
+          <a:latin typeface="+mj-lt"/>
+          <a:ea typeface="+mj-ea"/>
+          <a:cs typeface="+mj-cs"/>
         </a:defRPr>
       </a:lvl7pPr>
-      <a:lvl8pPr marL="1371600" algn="ctr" rtl="0" fontAlgn="base">
+      <a:lvl8pPr marL="3429057" indent="-228604" algn="l" defTabSz="457207" rtl="0" eaLnBrk="1" latinLnBrk="0" hangingPunct="1">
         <a:spcBef>
-          <a:spcPct val="0"/>
+          <a:spcPts val="1000"/>
         </a:spcBef>
         <a:spcAft>
-          <a:spcPct val="0"/>
+          <a:spcPts val="0"/>
         </a:spcAft>
-        <a:defRPr sz="4400">
+        <a:buClr>
+          <a:schemeClr val="bg2">
+            <a:lumMod val="40000"/>
+            <a:lumOff val="60000"/>
+          </a:schemeClr>
+        </a:buClr>
+        <a:buSzPct val="80000"/>
+        <a:buFont typeface="Wingdings 3" charset="2"/>
+        <a:buChar char=""/>
+        <a:defRPr sz="1400" b="0" i="0" kern="1200">
           <a:solidFill>
             <a:schemeClr val="tx1"/>
           </a:solidFill>
-          <a:latin typeface="Calibri" panose="020F0502020204030204" pitchFamily="34" charset="0"/>
+          <a:latin typeface="+mj-lt"/>
+          <a:ea typeface="+mj-ea"/>
+          <a:cs typeface="+mj-cs"/>
         </a:defRPr>
       </a:lvl8pPr>
-      <a:lvl9pPr marL="1828800" algn="ctr" rtl="0" fontAlgn="base">
+      <a:lvl9pPr marL="3886264" indent="-228604" algn="l" defTabSz="457207" rtl="0" eaLnBrk="1" latinLnBrk="0" hangingPunct="1">
         <a:spcBef>
-          <a:spcPct val="0"/>
+          <a:spcPts val="1000"/>
         </a:spcBef>
         <a:spcAft>
-          <a:spcPct val="0"/>
+          <a:spcPts val="0"/>
         </a:spcAft>
-        <a:defRPr sz="4400">
+        <a:buClr>
+          <a:schemeClr val="bg2">
+            <a:lumMod val="40000"/>
+            <a:lumOff val="60000"/>
+          </a:schemeClr>
+        </a:buClr>
+        <a:buSzPct val="80000"/>
+        <a:buFont typeface="Wingdings 3" charset="2"/>
+        <a:buChar char=""/>
+        <a:defRPr sz="1400" b="0" i="0" kern="1200">
           <a:solidFill>
             <a:schemeClr val="tx1"/>
           </a:solidFill>
-          <a:latin typeface="Calibri" panose="020F0502020204030204" pitchFamily="34" charset="0"/>
-        </a:defRPr>
-      </a:lvl9pPr>
-    </p:titleStyle>
-    <p:bodyStyle>
-      <a:lvl1pPr marL="342900" indent="-342900" algn="l" rtl="0" fontAlgn="base">
-        <a:spcBef>
-          <a:spcPct val="20000"/>
-        </a:spcBef>
-        <a:spcAft>
-          <a:spcPct val="0"/>
-        </a:spcAft>
-        <a:buFont typeface="Arial" panose="020B0604020202020204" pitchFamily="34" charset="0"/>
-        <a:buChar char="•"/>
-        <a:defRPr sz="3200" kern="1200">
-          <a:solidFill>
-            <a:schemeClr val="tx1"/>
-          </a:solidFill>
-          <a:latin typeface="+mn-lt"/>
-          <a:ea typeface="+mn-ea"/>
-          <a:cs typeface="+mn-cs"/>
-        </a:defRPr>
-      </a:lvl1pPr>
-      <a:lvl2pPr marL="742950" indent="-285750" algn="l" rtl="0" fontAlgn="base">
-        <a:spcBef>
-          <a:spcPct val="20000"/>
-        </a:spcBef>
-        <a:spcAft>
-          <a:spcPct val="0"/>
-        </a:spcAft>
-        <a:buFont typeface="Arial" panose="020B0604020202020204" pitchFamily="34" charset="0"/>
-        <a:buChar char="–"/>
-        <a:defRPr sz="2800" kern="1200">
-          <a:solidFill>
-            <a:schemeClr val="tx1"/>
-          </a:solidFill>
-          <a:latin typeface="+mn-lt"/>
-          <a:ea typeface="+mn-ea"/>
-          <a:cs typeface="+mn-cs"/>
-        </a:defRPr>
-      </a:lvl2pPr>
-      <a:lvl3pPr marL="1143000" indent="-228600" algn="l" rtl="0" fontAlgn="base">
-        <a:spcBef>
-          <a:spcPct val="20000"/>
-        </a:spcBef>
-        <a:spcAft>
-          <a:spcPct val="0"/>
-        </a:spcAft>
-        <a:buFont typeface="Arial" panose="020B0604020202020204" pitchFamily="34" charset="0"/>
-        <a:buChar char="•"/>
-        <a:defRPr sz="2400" kern="1200">
-          <a:solidFill>
-            <a:schemeClr val="tx1"/>
-          </a:solidFill>
-          <a:latin typeface="+mn-lt"/>
-          <a:ea typeface="+mn-ea"/>
-          <a:cs typeface="+mn-cs"/>
-        </a:defRPr>
-      </a:lvl3pPr>
-      <a:lvl4pPr marL="1600200" indent="-228600" algn="l" rtl="0" fontAlgn="base">
-        <a:spcBef>
-          <a:spcPct val="20000"/>
-        </a:spcBef>
-        <a:spcAft>
-          <a:spcPct val="0"/>
-        </a:spcAft>
-        <a:buFont typeface="Arial" panose="020B0604020202020204" pitchFamily="34" charset="0"/>
-        <a:buChar char="–"/>
-        <a:defRPr sz="2000" kern="1200">
-          <a:solidFill>
-            <a:schemeClr val="tx1"/>
-          </a:solidFill>
-          <a:latin typeface="+mn-lt"/>
-          <a:ea typeface="+mn-ea"/>
-          <a:cs typeface="+mn-cs"/>
-        </a:defRPr>
-      </a:lvl4pPr>
-      <a:lvl5pPr marL="2057400" indent="-228600" algn="l" rtl="0" fontAlgn="base">
-        <a:spcBef>
-          <a:spcPct val="20000"/>
-        </a:spcBef>
-        <a:spcAft>
-          <a:spcPct val="0"/>
-        </a:spcAft>
-        <a:buFont typeface="Arial" panose="020B0604020202020204" pitchFamily="34" charset="0"/>
-        <a:buChar char="»"/>
-        <a:defRPr sz="2000" kern="1200">
-          <a:solidFill>
-            <a:schemeClr val="tx1"/>
-          </a:solidFill>
-          <a:latin typeface="+mn-lt"/>
-          <a:ea typeface="+mn-ea"/>
-          <a:cs typeface="+mn-cs"/>
-        </a:defRPr>
-      </a:lvl5pPr>
-      <a:lvl6pPr marL="2514600" indent="-228600" algn="l" defTabSz="914400" rtl="0" eaLnBrk="1" latinLnBrk="0" hangingPunct="1">
-        <a:spcBef>
-          <a:spcPct val="20000"/>
-        </a:spcBef>
-        <a:buFont typeface="Arial" pitchFamily="34" charset="0"/>
-        <a:buChar char="•"/>
-        <a:defRPr sz="2000" kern="1200">
-          <a:solidFill>
-            <a:schemeClr val="tx1"/>
-          </a:solidFill>
-          <a:latin typeface="+mn-lt"/>
-          <a:ea typeface="+mn-ea"/>
-          <a:cs typeface="+mn-cs"/>
-        </a:defRPr>
-      </a:lvl6pPr>
-      <a:lvl7pPr marL="2971800" indent="-228600" algn="l" defTabSz="914400" rtl="0" eaLnBrk="1" latinLnBrk="0" hangingPunct="1">
-        <a:spcBef>
-          <a:spcPct val="20000"/>
-        </a:spcBef>
-        <a:buFont typeface="Arial" pitchFamily="34" charset="0"/>
-        <a:buChar char="•"/>
-        <a:defRPr sz="2000" kern="1200">
-          <a:solidFill>
-            <a:schemeClr val="tx1"/>
-          </a:solidFill>
-          <a:latin typeface="+mn-lt"/>
-          <a:ea typeface="+mn-ea"/>
-          <a:cs typeface="+mn-cs"/>
-        </a:defRPr>
-      </a:lvl7pPr>
-      <a:lvl8pPr marL="3429000" indent="-228600" algn="l" defTabSz="914400" rtl="0" eaLnBrk="1" latinLnBrk="0" hangingPunct="1">
-        <a:spcBef>
-          <a:spcPct val="20000"/>
-        </a:spcBef>
-        <a:buFont typeface="Arial" pitchFamily="34" charset="0"/>
-        <a:buChar char="•"/>
-        <a:defRPr sz="2000" kern="1200">
-          <a:solidFill>
-            <a:schemeClr val="tx1"/>
-          </a:solidFill>
-          <a:latin typeface="+mn-lt"/>
-          <a:ea typeface="+mn-ea"/>
-          <a:cs typeface="+mn-cs"/>
-        </a:defRPr>
-      </a:lvl8pPr>
-      <a:lvl9pPr marL="3886200" indent="-228600" algn="l" defTabSz="914400" rtl="0" eaLnBrk="1" latinLnBrk="0" hangingPunct="1">
-        <a:spcBef>
-          <a:spcPct val="20000"/>
-        </a:spcBef>
-        <a:buFont typeface="Arial" pitchFamily="34" charset="0"/>
-        <a:buChar char="•"/>
-        <a:defRPr sz="2000" kern="1200">
-          <a:solidFill>
-            <a:schemeClr val="tx1"/>
-          </a:solidFill>
-          <a:latin typeface="+mn-lt"/>
-          <a:ea typeface="+mn-ea"/>
-          <a:cs typeface="+mn-cs"/>
+          <a:latin typeface="+mj-lt"/>
+          <a:ea typeface="+mj-ea"/>
+          <a:cs typeface="+mj-cs"/>
         </a:defRPr>
       </a:lvl9pPr>
     </p:bodyStyle>
@@ -4660,7 +7522,7 @@
       <a:defPPr>
         <a:defRPr lang="en-US"/>
       </a:defPPr>
-      <a:lvl1pPr marL="0" algn="l" defTabSz="914400" rtl="0" eaLnBrk="1" latinLnBrk="0" hangingPunct="1">
+      <a:lvl1pPr marL="0" algn="l" defTabSz="457207" rtl="0" eaLnBrk="1" latinLnBrk="0" hangingPunct="1">
         <a:defRPr sz="1800" kern="1200">
           <a:solidFill>
             <a:schemeClr val="tx1"/>
@@ -4670,7 +7532,7 @@
           <a:cs typeface="+mn-cs"/>
         </a:defRPr>
       </a:lvl1pPr>
-      <a:lvl2pPr marL="457200" algn="l" defTabSz="914400" rtl="0" eaLnBrk="1" latinLnBrk="0" hangingPunct="1">
+      <a:lvl2pPr marL="457207" algn="l" defTabSz="457207" rtl="0" eaLnBrk="1" latinLnBrk="0" hangingPunct="1">
         <a:defRPr sz="1800" kern="1200">
           <a:solidFill>
             <a:schemeClr val="tx1"/>
@@ -4680,7 +7542,7 @@
           <a:cs typeface="+mn-cs"/>
         </a:defRPr>
       </a:lvl2pPr>
-      <a:lvl3pPr marL="914400" algn="l" defTabSz="914400" rtl="0" eaLnBrk="1" latinLnBrk="0" hangingPunct="1">
+      <a:lvl3pPr marL="914415" algn="l" defTabSz="457207" rtl="0" eaLnBrk="1" latinLnBrk="0" hangingPunct="1">
         <a:defRPr sz="1800" kern="1200">
           <a:solidFill>
             <a:schemeClr val="tx1"/>
@@ -4690,7 +7552,7 @@
           <a:cs typeface="+mn-cs"/>
         </a:defRPr>
       </a:lvl3pPr>
-      <a:lvl4pPr marL="1371600" algn="l" defTabSz="914400" rtl="0" eaLnBrk="1" latinLnBrk="0" hangingPunct="1">
+      <a:lvl4pPr marL="1371622" algn="l" defTabSz="457207" rtl="0" eaLnBrk="1" latinLnBrk="0" hangingPunct="1">
         <a:defRPr sz="1800" kern="1200">
           <a:solidFill>
             <a:schemeClr val="tx1"/>
@@ -4700,7 +7562,7 @@
           <a:cs typeface="+mn-cs"/>
         </a:defRPr>
       </a:lvl4pPr>
-      <a:lvl5pPr marL="1828800" algn="l" defTabSz="914400" rtl="0" eaLnBrk="1" latinLnBrk="0" hangingPunct="1">
+      <a:lvl5pPr marL="1828831" algn="l" defTabSz="457207" rtl="0" eaLnBrk="1" latinLnBrk="0" hangingPunct="1">
         <a:defRPr sz="1800" kern="1200">
           <a:solidFill>
             <a:schemeClr val="tx1"/>
@@ -4710,7 +7572,7 @@
           <a:cs typeface="+mn-cs"/>
         </a:defRPr>
       </a:lvl5pPr>
-      <a:lvl6pPr marL="2286000" algn="l" defTabSz="914400" rtl="0" eaLnBrk="1" latinLnBrk="0" hangingPunct="1">
+      <a:lvl6pPr marL="2286038" algn="l" defTabSz="457207" rtl="0" eaLnBrk="1" latinLnBrk="0" hangingPunct="1">
         <a:defRPr sz="1800" kern="1200">
           <a:solidFill>
             <a:schemeClr val="tx1"/>
@@ -4720,7 +7582,7 @@
           <a:cs typeface="+mn-cs"/>
         </a:defRPr>
       </a:lvl6pPr>
-      <a:lvl7pPr marL="2743200" algn="l" defTabSz="914400" rtl="0" eaLnBrk="1" latinLnBrk="0" hangingPunct="1">
+      <a:lvl7pPr marL="2743246" algn="l" defTabSz="457207" rtl="0" eaLnBrk="1" latinLnBrk="0" hangingPunct="1">
         <a:defRPr sz="1800" kern="1200">
           <a:solidFill>
             <a:schemeClr val="tx1"/>
@@ -4730,7 +7592,7 @@
           <a:cs typeface="+mn-cs"/>
         </a:defRPr>
       </a:lvl7pPr>
-      <a:lvl8pPr marL="3200400" algn="l" defTabSz="914400" rtl="0" eaLnBrk="1" latinLnBrk="0" hangingPunct="1">
+      <a:lvl8pPr marL="3200453" algn="l" defTabSz="457207" rtl="0" eaLnBrk="1" latinLnBrk="0" hangingPunct="1">
         <a:defRPr sz="1800" kern="1200">
           <a:solidFill>
             <a:schemeClr val="tx1"/>
@@ -4740,7 +7602,7 @@
           <a:cs typeface="+mn-cs"/>
         </a:defRPr>
       </a:lvl8pPr>
-      <a:lvl9pPr marL="3657600" algn="l" defTabSz="914400" rtl="0" eaLnBrk="1" latinLnBrk="0" hangingPunct="1">
+      <a:lvl9pPr marL="3657661" algn="l" defTabSz="457207" rtl="0" eaLnBrk="1" latinLnBrk="0" hangingPunct="1">
         <a:defRPr sz="1800" kern="1200">
           <a:solidFill>
             <a:schemeClr val="tx1"/>
@@ -4987,9 +7849,9 @@
 </file>
 
 <file path=ppt/theme/theme1.xml><?xml version="1.0" encoding="utf-8"?>
-<a:theme xmlns:a="http://schemas.openxmlformats.org/drawingml/2006/main" name="Office Theme">
+<a:theme xmlns:a="http://schemas.openxmlformats.org/drawingml/2006/main" name="Ion">
   <a:themeElements>
-    <a:clrScheme name="Office">
+    <a:clrScheme name="Ion">
       <a:dk1>
         <a:sysClr val="windowText" lastClr="000000"/>
       </a:dk1>
@@ -4997,42 +7859,42 @@
         <a:sysClr val="window" lastClr="FFFFFF"/>
       </a:lt1>
       <a:dk2>
-        <a:srgbClr val="1F497D"/>
+        <a:srgbClr val="1E5155"/>
       </a:dk2>
       <a:lt2>
-        <a:srgbClr val="EEECE1"/>
+        <a:srgbClr val="EBEBEB"/>
       </a:lt2>
       <a:accent1>
-        <a:srgbClr val="4F81BD"/>
+        <a:srgbClr val="B01513"/>
       </a:accent1>
       <a:accent2>
-        <a:srgbClr val="C0504D"/>
+        <a:srgbClr val="EA6312"/>
       </a:accent2>
       <a:accent3>
-        <a:srgbClr val="9BBB59"/>
+        <a:srgbClr val="E6B729"/>
       </a:accent3>
       <a:accent4>
-        <a:srgbClr val="8064A2"/>
+        <a:srgbClr val="6AAC90"/>
       </a:accent4>
       <a:accent5>
-        <a:srgbClr val="4BACC6"/>
+        <a:srgbClr val="5F9C9D"/>
       </a:accent5>
       <a:accent6>
-        <a:srgbClr val="F79646"/>
+        <a:srgbClr val="9E5E9B"/>
       </a:accent6>
       <a:hlink>
-        <a:srgbClr val="0000FF"/>
+        <a:srgbClr val="58C1BA"/>
       </a:hlink>
       <a:folHlink>
-        <a:srgbClr val="800080"/>
+        <a:srgbClr val="9DD0CB"/>
       </a:folHlink>
     </a:clrScheme>
-    <a:fontScheme name="Office">
+    <a:fontScheme name="Ion">
       <a:majorFont>
-        <a:latin typeface="Calibri"/>
+        <a:latin typeface="Century Gothic" panose="020B0502020202020204"/>
         <a:ea typeface=""/>
         <a:cs typeface=""/>
-        <a:font script="Jpan" typeface="ＭＳ Ｐゴシック"/>
+        <a:font script="Jpan" typeface="メイリオ"/>
         <a:font script="Hang" typeface="맑은 고딕"/>
         <a:font script="Hans" typeface="宋体"/>
         <a:font script="Hant" typeface="新細明體"/>
@@ -5061,12 +7923,13 @@
         <a:font script="Mong" typeface="Mongolian Baiti"/>
         <a:font script="Viet" typeface="Times New Roman"/>
         <a:font script="Uigh" typeface="Microsoft Uighur"/>
+        <a:font script="Geor" typeface="Sylfaen"/>
       </a:majorFont>
       <a:minorFont>
-        <a:latin typeface="Calibri"/>
+        <a:latin typeface="Century Gothic" panose="020B0502020202020204"/>
         <a:ea typeface=""/>
         <a:cs typeface=""/>
-        <a:font script="Jpan" typeface="ＭＳ Ｐゴシック"/>
+        <a:font script="Jpan" typeface="メイリオ"/>
         <a:font script="Hang" typeface="맑은 고딕"/>
         <a:font script="Hans" typeface="宋体"/>
         <a:font script="Hant" typeface="新細明體"/>
@@ -5095,9 +7958,10 @@
         <a:font script="Mong" typeface="Mongolian Baiti"/>
         <a:font script="Viet" typeface="Arial"/>
         <a:font script="Uigh" typeface="Microsoft Uighur"/>
+        <a:font script="Geor" typeface="Sylfaen"/>
       </a:minorFont>
     </a:fontScheme>
-    <a:fmtScheme name="Office">
+    <a:fmtScheme name="Ion">
       <a:fillStyleLst>
         <a:solidFill>
           <a:schemeClr val="phClr"/>
@@ -5106,66 +7970,52 @@
           <a:gsLst>
             <a:gs pos="0">
               <a:schemeClr val="phClr">
-                <a:tint val="50000"/>
-                <a:satMod val="300000"/>
-              </a:schemeClr>
-            </a:gs>
-            <a:gs pos="35000">
-              <a:schemeClr val="phClr">
-                <a:tint val="37000"/>
-                <a:satMod val="300000"/>
+                <a:tint val="64000"/>
+                <a:lumMod val="118000"/>
               </a:schemeClr>
             </a:gs>
             <a:gs pos="100000">
               <a:schemeClr val="phClr">
-                <a:tint val="15000"/>
-                <a:satMod val="350000"/>
+                <a:tint val="92000"/>
+                <a:alpha val="100000"/>
+                <a:lumMod val="110000"/>
               </a:schemeClr>
             </a:gs>
           </a:gsLst>
-          <a:lin ang="16200000" scaled="1"/>
+          <a:lin ang="5400000" scaled="0"/>
         </a:gradFill>
         <a:gradFill rotWithShape="1">
           <a:gsLst>
             <a:gs pos="0">
               <a:schemeClr val="phClr">
-                <a:shade val="51000"/>
-                <a:satMod val="130000"/>
-              </a:schemeClr>
-            </a:gs>
-            <a:gs pos="80000">
-              <a:schemeClr val="phClr">
-                <a:shade val="93000"/>
-                <a:satMod val="130000"/>
+                <a:tint val="98000"/>
+                <a:lumMod val="114000"/>
               </a:schemeClr>
             </a:gs>
             <a:gs pos="100000">
               <a:schemeClr val="phClr">
-                <a:shade val="94000"/>
-                <a:satMod val="135000"/>
+                <a:shade val="90000"/>
+                <a:lumMod val="84000"/>
               </a:schemeClr>
             </a:gs>
           </a:gsLst>
-          <a:lin ang="16200000" scaled="0"/>
+          <a:lin ang="5400000" scaled="0"/>
         </a:gradFill>
       </a:fillStyleLst>
       <a:lnStyleLst>
-        <a:ln w="9525" cap="flat" cmpd="sng" algn="ctr">
-          <a:solidFill>
-            <a:schemeClr val="phClr">
-              <a:shade val="95000"/>
-              <a:satMod val="105000"/>
-            </a:schemeClr>
-          </a:solidFill>
-          <a:prstDash val="solid"/>
-        </a:ln>
-        <a:ln w="25400" cap="flat" cmpd="sng" algn="ctr">
+        <a:ln w="9525" cap="rnd" cmpd="sng" algn="ctr">
           <a:solidFill>
             <a:schemeClr val="phClr"/>
           </a:solidFill>
           <a:prstDash val="solid"/>
         </a:ln>
-        <a:ln w="38100" cap="flat" cmpd="sng" algn="ctr">
+        <a:ln w="19050" cap="rnd" cmpd="sng" algn="ctr">
+          <a:solidFill>
+            <a:schemeClr val="phClr"/>
+          </a:solidFill>
+          <a:prstDash val="solid"/>
+        </a:ln>
+        <a:ln w="28575" cap="rnd" cmpd="sng" algn="ctr">
           <a:solidFill>
             <a:schemeClr val="phClr"/>
           </a:solidFill>
@@ -5174,28 +8024,22 @@
       </a:lnStyleLst>
       <a:effectStyleLst>
         <a:effectStyle>
+          <a:effectLst/>
+        </a:effectStyle>
+        <a:effectStyle>
           <a:effectLst>
-            <a:outerShdw blurRad="40000" dist="20000" dir="5400000" rotWithShape="0">
+            <a:outerShdw blurRad="38100" dist="25400" dir="5400000" rotWithShape="0">
               <a:srgbClr val="000000">
-                <a:alpha val="38000"/>
+                <a:alpha val="45000"/>
               </a:srgbClr>
             </a:outerShdw>
           </a:effectLst>
         </a:effectStyle>
         <a:effectStyle>
           <a:effectLst>
-            <a:outerShdw blurRad="40000" dist="23000" dir="5400000" rotWithShape="0">
+            <a:outerShdw blurRad="63500" dist="38100" dir="5400000" rotWithShape="0">
               <a:srgbClr val="000000">
-                <a:alpha val="35000"/>
-              </a:srgbClr>
-            </a:outerShdw>
-          </a:effectLst>
-        </a:effectStyle>
-        <a:effectStyle>
-          <a:effectLst>
-            <a:outerShdw blurRad="40000" dist="23000" dir="5400000" rotWithShape="0">
-              <a:srgbClr val="000000">
-                <a:alpha val="35000"/>
+                <a:alpha val="60000"/>
               </a:srgbClr>
             </a:outerShdw>
           </a:effectLst>
@@ -5203,12 +8047,10 @@
             <a:camera prst="orthographicFront">
               <a:rot lat="0" lon="0" rev="0"/>
             </a:camera>
-            <a:lightRig rig="threePt" dir="t">
-              <a:rot lat="0" lon="0" rev="1200000"/>
-            </a:lightRig>
+            <a:lightRig rig="threePt" dir="tl"/>
           </a:scene3d>
-          <a:sp3d>
-            <a:bevelT w="63500" h="25400"/>
+          <a:sp3d prstMaterial="plastic">
+            <a:bevelT w="0" h="0"/>
           </a:sp3d>
         </a:effectStyle>
       </a:effectStyleLst>
@@ -5220,52 +8062,55 @@
           <a:gsLst>
             <a:gs pos="0">
               <a:schemeClr val="phClr">
-                <a:tint val="40000"/>
-                <a:satMod val="350000"/>
-              </a:schemeClr>
-            </a:gs>
-            <a:gs pos="40000">
-              <a:schemeClr val="phClr">
-                <a:tint val="45000"/>
-                <a:shade val="99000"/>
-                <a:satMod val="350000"/>
+                <a:tint val="97000"/>
+                <a:hueMod val="88000"/>
+                <a:satMod val="130000"/>
+                <a:lumMod val="124000"/>
               </a:schemeClr>
             </a:gs>
             <a:gs pos="100000">
               <a:schemeClr val="phClr">
-                <a:shade val="20000"/>
-                <a:satMod val="255000"/>
+                <a:tint val="96000"/>
+                <a:shade val="88000"/>
+                <a:hueMod val="108000"/>
+                <a:satMod val="164000"/>
+                <a:lumMod val="76000"/>
               </a:schemeClr>
             </a:gs>
           </a:gsLst>
           <a:path path="circle">
-            <a:fillToRect l="50000" t="-80000" r="50000" b="180000"/>
+            <a:fillToRect l="45000" t="65000" r="125000" b="100000"/>
           </a:path>
         </a:gradFill>
-        <a:gradFill rotWithShape="1">
-          <a:gsLst>
-            <a:gs pos="0">
+        <a:blipFill rotWithShape="1">
+          <a:blip xmlns:r="http://schemas.openxmlformats.org/officeDocument/2006/relationships" r:embed="rId1">
+            <a:duotone>
               <a:schemeClr val="phClr">
-                <a:tint val="80000"/>
-                <a:satMod val="300000"/>
+                <a:shade val="69000"/>
+                <a:hueMod val="108000"/>
+                <a:satMod val="164000"/>
+                <a:lumMod val="74000"/>
               </a:schemeClr>
-            </a:gs>
-            <a:gs pos="100000">
               <a:schemeClr val="phClr">
-                <a:shade val="30000"/>
-                <a:satMod val="200000"/>
+                <a:tint val="96000"/>
+                <a:hueMod val="88000"/>
+                <a:satMod val="140000"/>
+                <a:lumMod val="132000"/>
               </a:schemeClr>
-            </a:gs>
-          </a:gsLst>
-          <a:path path="circle">
-            <a:fillToRect l="50000" t="50000" r="50000" b="50000"/>
-          </a:path>
-        </a:gradFill>
+            </a:duotone>
+          </a:blip>
+          <a:stretch/>
+        </a:blipFill>
       </a:bgFillStyleLst>
     </a:fmtScheme>
   </a:themeElements>
   <a:objectDefaults/>
   <a:extraClrSchemeLst/>
+  <a:extLst>
+    <a:ext uri="{05A4C25C-085E-4340-85A3-A5531E510DB2}">
+      <thm15:themeFamily xmlns:thm15="http://schemas.microsoft.com/office/thememl/2012/main" name="Ion" id="{B8441ADB-2E43-4AF7-B97A-BD870242C6A8}" vid="{292E63A9-BB86-4E3D-B92A-7223C6510D2E}"/>
+    </a:ext>
+  </a:extLst>
 </a:theme>
 </file>
 
